--- a/02 - Midi/03 A synthesiser.pptx
+++ b/02 - Midi/03 A synthesiser.pptx
@@ -5,19 +5,20 @@
     <p:sldMasterId id="2147483648" r:id="rId1"/>
   </p:sldMasterIdLst>
   <p:notesMasterIdLst>
-    <p:notesMasterId r:id="rId12"/>
+    <p:notesMasterId r:id="rId13"/>
   </p:notesMasterIdLst>
   <p:sldIdLst>
     <p:sldId id="256" r:id="rId2"/>
-    <p:sldId id="274" r:id="rId3"/>
-    <p:sldId id="283" r:id="rId4"/>
-    <p:sldId id="284" r:id="rId5"/>
-    <p:sldId id="285" r:id="rId6"/>
-    <p:sldId id="286" r:id="rId7"/>
-    <p:sldId id="288" r:id="rId8"/>
-    <p:sldId id="289" r:id="rId9"/>
-    <p:sldId id="290" r:id="rId10"/>
-    <p:sldId id="291" r:id="rId11"/>
+    <p:sldId id="283" r:id="rId3"/>
+    <p:sldId id="274" r:id="rId4"/>
+    <p:sldId id="292" r:id="rId5"/>
+    <p:sldId id="284" r:id="rId6"/>
+    <p:sldId id="285" r:id="rId7"/>
+    <p:sldId id="286" r:id="rId8"/>
+    <p:sldId id="288" r:id="rId9"/>
+    <p:sldId id="289" r:id="rId10"/>
+    <p:sldId id="290" r:id="rId11"/>
+    <p:sldId id="291" r:id="rId12"/>
   </p:sldIdLst>
   <p:sldSz cx="12192000" cy="6858000"/>
   <p:notesSz cx="6858000" cy="9144000"/>
@@ -209,7 +210,7 @@
           <a:p>
             <a:fld id="{BE487CCF-3B53-4F90-977B-B099D72D42DC}" type="datetimeFigureOut">
               <a:rPr lang="en-GB" smtClean="0"/>
-              <a:t>21/07/2023</a:t>
+              <a:t>05/10/2023</a:t>
             </a:fld>
             <a:endParaRPr lang="en-GB"/>
           </a:p>
@@ -713,7 +714,7 @@
           <a:p>
             <a:fld id="{F8A5948D-6B6B-4AEB-B022-F2A9ADD6F77D}" type="datetimeFigureOut">
               <a:rPr lang="en-GB" smtClean="0"/>
-              <a:t>21/07/2023</a:t>
+              <a:t>05/10/2023</a:t>
             </a:fld>
             <a:endParaRPr lang="en-GB"/>
           </a:p>
@@ -913,7 +914,7 @@
           <a:p>
             <a:fld id="{F8A5948D-6B6B-4AEB-B022-F2A9ADD6F77D}" type="datetimeFigureOut">
               <a:rPr lang="en-GB" smtClean="0"/>
-              <a:t>21/07/2023</a:t>
+              <a:t>05/10/2023</a:t>
             </a:fld>
             <a:endParaRPr lang="en-GB"/>
           </a:p>
@@ -1123,7 +1124,7 @@
           <a:p>
             <a:fld id="{F8A5948D-6B6B-4AEB-B022-F2A9ADD6F77D}" type="datetimeFigureOut">
               <a:rPr lang="en-GB" smtClean="0"/>
-              <a:t>21/07/2023</a:t>
+              <a:t>05/10/2023</a:t>
             </a:fld>
             <a:endParaRPr lang="en-GB"/>
           </a:p>
@@ -1328,7 +1329,7 @@
           <a:p>
             <a:fld id="{F8A5948D-6B6B-4AEB-B022-F2A9ADD6F77D}" type="datetimeFigureOut">
               <a:rPr lang="en-GB" smtClean="0"/>
-              <a:t>21/07/2023</a:t>
+              <a:t>05/10/2023</a:t>
             </a:fld>
             <a:endParaRPr lang="en-GB"/>
           </a:p>
@@ -1604,7 +1605,7 @@
           <a:p>
             <a:fld id="{F8A5948D-6B6B-4AEB-B022-F2A9ADD6F77D}" type="datetimeFigureOut">
               <a:rPr lang="en-GB" smtClean="0"/>
-              <a:t>21/07/2023</a:t>
+              <a:t>05/10/2023</a:t>
             </a:fld>
             <a:endParaRPr lang="en-GB"/>
           </a:p>
@@ -1872,7 +1873,7 @@
           <a:p>
             <a:fld id="{F8A5948D-6B6B-4AEB-B022-F2A9ADD6F77D}" type="datetimeFigureOut">
               <a:rPr lang="en-GB" smtClean="0"/>
-              <a:t>21/07/2023</a:t>
+              <a:t>05/10/2023</a:t>
             </a:fld>
             <a:endParaRPr lang="en-GB"/>
           </a:p>
@@ -2287,7 +2288,7 @@
           <a:p>
             <a:fld id="{F8A5948D-6B6B-4AEB-B022-F2A9ADD6F77D}" type="datetimeFigureOut">
               <a:rPr lang="en-GB" smtClean="0"/>
-              <a:t>21/07/2023</a:t>
+              <a:t>05/10/2023</a:t>
             </a:fld>
             <a:endParaRPr lang="en-GB"/>
           </a:p>
@@ -2429,7 +2430,7 @@
           <a:p>
             <a:fld id="{F8A5948D-6B6B-4AEB-B022-F2A9ADD6F77D}" type="datetimeFigureOut">
               <a:rPr lang="en-GB" smtClean="0"/>
-              <a:t>21/07/2023</a:t>
+              <a:t>05/10/2023</a:t>
             </a:fld>
             <a:endParaRPr lang="en-GB"/>
           </a:p>
@@ -2542,7 +2543,7 @@
           <a:p>
             <a:fld id="{F8A5948D-6B6B-4AEB-B022-F2A9ADD6F77D}" type="datetimeFigureOut">
               <a:rPr lang="en-GB" smtClean="0"/>
-              <a:t>21/07/2023</a:t>
+              <a:t>05/10/2023</a:t>
             </a:fld>
             <a:endParaRPr lang="en-GB"/>
           </a:p>
@@ -2855,7 +2856,7 @@
           <a:p>
             <a:fld id="{F8A5948D-6B6B-4AEB-B022-F2A9ADD6F77D}" type="datetimeFigureOut">
               <a:rPr lang="en-GB" smtClean="0"/>
-              <a:t>21/07/2023</a:t>
+              <a:t>05/10/2023</a:t>
             </a:fld>
             <a:endParaRPr lang="en-GB"/>
           </a:p>
@@ -3144,7 +3145,7 @@
           <a:p>
             <a:fld id="{F8A5948D-6B6B-4AEB-B022-F2A9ADD6F77D}" type="datetimeFigureOut">
               <a:rPr lang="en-GB" smtClean="0"/>
-              <a:t>21/07/2023</a:t>
+              <a:t>05/10/2023</a:t>
             </a:fld>
             <a:endParaRPr lang="en-GB"/>
           </a:p>
@@ -3387,7 +3388,7 @@
           <a:p>
             <a:fld id="{F8A5948D-6B6B-4AEB-B022-F2A9ADD6F77D}" type="datetimeFigureOut">
               <a:rPr lang="en-GB" smtClean="0"/>
-              <a:t>21/07/2023</a:t>
+              <a:t>05/10/2023</a:t>
             </a:fld>
             <a:endParaRPr lang="en-GB"/>
           </a:p>
@@ -3906,6 +3907,215 @@
             <p:ph type="title"/>
           </p:nvPr>
         </p:nvSpPr>
+        <p:spPr/>
+        <p:txBody>
+          <a:bodyPr/>
+          <a:lstStyle/>
+          <a:p>
+            <a:r>
+              <a:rPr lang="en-GB" dirty="0"/>
+              <a:t>Midi with an external device</a:t>
+            </a:r>
+          </a:p>
+        </p:txBody>
+      </p:sp>
+      <p:sp>
+        <p:nvSpPr>
+          <p:cNvPr id="3" name="Content Placeholder 2">
+            <a:extLst>
+              <a:ext uri="{FF2B5EF4-FFF2-40B4-BE49-F238E27FC236}">
+                <a16:creationId xmlns:a16="http://schemas.microsoft.com/office/drawing/2014/main" id="{76E70533-EE7B-642A-018F-891BB8F08B8E}"/>
+              </a:ext>
+            </a:extLst>
+          </p:cNvPr>
+          <p:cNvSpPr>
+            <a:spLocks noGrp="1"/>
+          </p:cNvSpPr>
+          <p:nvPr>
+            <p:ph idx="1"/>
+          </p:nvPr>
+        </p:nvSpPr>
+        <p:spPr>
+          <a:xfrm>
+            <a:off x="838200" y="1825625"/>
+            <a:ext cx="7731642" cy="4351338"/>
+          </a:xfrm>
+        </p:spPr>
+        <p:txBody>
+          <a:bodyPr>
+            <a:normAutofit/>
+          </a:bodyPr>
+          <a:lstStyle/>
+          <a:p>
+            <a:r>
+              <a:rPr lang="en-GB" dirty="0"/>
+              <a:t>JUCE provides some useful </a:t>
+            </a:r>
+            <a:r>
+              <a:rPr lang="en-GB" dirty="0" err="1"/>
+              <a:t>midi_io</a:t>
+            </a:r>
+            <a:r>
+              <a:rPr lang="en-GB" dirty="0"/>
+              <a:t> classes</a:t>
+            </a:r>
+          </a:p>
+          <a:p>
+            <a:pPr lvl="1"/>
+            <a:r>
+              <a:rPr lang="en-GB" dirty="0" err="1"/>
+              <a:t>MidiInput</a:t>
+            </a:r>
+            <a:r>
+              <a:rPr lang="en-GB" dirty="0"/>
+              <a:t> class</a:t>
+            </a:r>
+          </a:p>
+          <a:p>
+            <a:pPr lvl="1"/>
+            <a:r>
+              <a:rPr lang="en-GB" dirty="0" err="1"/>
+              <a:t>MidiInputCallback</a:t>
+            </a:r>
+            <a:r>
+              <a:rPr lang="en-GB" dirty="0"/>
+              <a:t> class</a:t>
+            </a:r>
+          </a:p>
+          <a:p>
+            <a:pPr lvl="1"/>
+            <a:r>
+              <a:rPr lang="en-GB" dirty="0" err="1"/>
+              <a:t>MidiMessageCollector</a:t>
+            </a:r>
+            <a:r>
+              <a:rPr lang="en-GB" dirty="0"/>
+              <a:t> class, …</a:t>
+            </a:r>
+          </a:p>
+          <a:p>
+            <a:r>
+              <a:rPr lang="en-GB" dirty="0"/>
+              <a:t>And in </a:t>
+            </a:r>
+            <a:r>
+              <a:rPr lang="en-GB" dirty="0" err="1"/>
+              <a:t>audio_io</a:t>
+            </a:r>
+            <a:r>
+              <a:rPr lang="en-GB" dirty="0"/>
+              <a:t> classes</a:t>
+            </a:r>
+          </a:p>
+          <a:p>
+            <a:pPr lvl="1"/>
+            <a:r>
+              <a:rPr lang="en-GB" dirty="0" err="1"/>
+              <a:t>AudioDeviceManager</a:t>
+            </a:r>
+            <a:endParaRPr lang="en-GB" dirty="0"/>
+          </a:p>
+          <a:p>
+            <a:r>
+              <a:rPr lang="en-GB" dirty="0"/>
+              <a:t>But let the host handle external midi input</a:t>
+            </a:r>
+          </a:p>
+        </p:txBody>
+      </p:sp>
+      <p:pic>
+        <p:nvPicPr>
+          <p:cNvPr id="1026" name="Picture 2" descr="Novation Launchkey Mini [MK3]">
+            <a:extLst>
+              <a:ext uri="{FF2B5EF4-FFF2-40B4-BE49-F238E27FC236}">
+                <a16:creationId xmlns:a16="http://schemas.microsoft.com/office/drawing/2014/main" id="{7F7967FE-6C07-3F16-E25A-4AC2ACD8A9B6}"/>
+              </a:ext>
+            </a:extLst>
+          </p:cNvPr>
+          <p:cNvPicPr>
+            <a:picLocks noChangeAspect="1" noChangeArrowheads="1"/>
+          </p:cNvPicPr>
+          <p:nvPr/>
+        </p:nvPicPr>
+        <p:blipFill>
+          <a:blip r:embed="rId2">
+            <a:extLst>
+              <a:ext uri="{28A0092B-C50C-407E-A947-70E740481C1C}">
+                <a14:useLocalDpi xmlns:a14="http://schemas.microsoft.com/office/drawing/2010/main" val="0"/>
+              </a:ext>
+            </a:extLst>
+          </a:blip>
+          <a:srcRect/>
+          <a:stretch>
+            <a:fillRect/>
+          </a:stretch>
+        </p:blipFill>
+        <p:spPr bwMode="auto">
+          <a:xfrm>
+            <a:off x="7627532" y="1414463"/>
+            <a:ext cx="4762500" cy="4762500"/>
+          </a:xfrm>
+          <a:prstGeom prst="rect">
+            <a:avLst/>
+          </a:prstGeom>
+          <a:noFill/>
+          <a:extLst>
+            <a:ext uri="{909E8E84-426E-40DD-AFC4-6F175D3DCCD1}">
+              <a14:hiddenFill xmlns:a14="http://schemas.microsoft.com/office/drawing/2010/main">
+                <a:solidFill>
+                  <a:srgbClr val="FFFFFF"/>
+                </a:solidFill>
+              </a14:hiddenFill>
+            </a:ext>
+          </a:extLst>
+        </p:spPr>
+      </p:pic>
+    </p:spTree>
+    <p:extLst>
+      <p:ext uri="{BB962C8B-B14F-4D97-AF65-F5344CB8AC3E}">
+        <p14:creationId xmlns:p14="http://schemas.microsoft.com/office/powerpoint/2010/main" val="1153512951"/>
+      </p:ext>
+    </p:extLst>
+  </p:cSld>
+  <p:clrMapOvr>
+    <a:masterClrMapping/>
+  </p:clrMapOvr>
+</p:sld>
+</file>
+
+<file path=ppt/slides/slide11.xml><?xml version="1.0" encoding="utf-8"?>
+<p:sld xmlns:a="http://schemas.openxmlformats.org/drawingml/2006/main" xmlns:r="http://schemas.openxmlformats.org/officeDocument/2006/relationships" xmlns:p="http://schemas.openxmlformats.org/presentationml/2006/main">
+  <p:cSld>
+    <p:spTree>
+      <p:nvGrpSpPr>
+        <p:cNvPr id="1" name=""/>
+        <p:cNvGrpSpPr/>
+        <p:nvPr/>
+      </p:nvGrpSpPr>
+      <p:grpSpPr>
+        <a:xfrm>
+          <a:off x="0" y="0"/>
+          <a:ext cx="0" cy="0"/>
+          <a:chOff x="0" y="0"/>
+          <a:chExt cx="0" cy="0"/>
+        </a:xfrm>
+      </p:grpSpPr>
+      <p:sp>
+        <p:nvSpPr>
+          <p:cNvPr id="2" name="Title 1">
+            <a:extLst>
+              <a:ext uri="{FF2B5EF4-FFF2-40B4-BE49-F238E27FC236}">
+                <a16:creationId xmlns:a16="http://schemas.microsoft.com/office/drawing/2014/main" id="{7BD9611B-0163-973A-376C-B78EE8F90EDC}"/>
+              </a:ext>
+            </a:extLst>
+          </p:cNvPr>
+          <p:cNvSpPr>
+            <a:spLocks noGrp="1"/>
+          </p:cNvSpPr>
+          <p:nvPr>
+            <p:ph type="title"/>
+          </p:nvPr>
+        </p:nvSpPr>
         <p:spPr>
           <a:xfrm>
             <a:off x="4523014" y="1"/>
@@ -4131,6 +4341,288 @@
           <p:cNvPr id="2" name="Title 1">
             <a:extLst>
               <a:ext uri="{FF2B5EF4-FFF2-40B4-BE49-F238E27FC236}">
+                <a16:creationId xmlns:a16="http://schemas.microsoft.com/office/drawing/2014/main" id="{A9E8BB98-D14C-5699-EC59-EAF92E681025}"/>
+              </a:ext>
+            </a:extLst>
+          </p:cNvPr>
+          <p:cNvSpPr>
+            <a:spLocks noGrp="1"/>
+          </p:cNvSpPr>
+          <p:nvPr>
+            <p:ph type="title"/>
+          </p:nvPr>
+        </p:nvSpPr>
+        <p:spPr/>
+        <p:txBody>
+          <a:bodyPr/>
+          <a:lstStyle/>
+          <a:p>
+            <a:r>
+              <a:rPr lang="en-GB" dirty="0"/>
+              <a:t>Beyond Hello World</a:t>
+            </a:r>
+          </a:p>
+        </p:txBody>
+      </p:sp>
+      <p:sp>
+        <p:nvSpPr>
+          <p:cNvPr id="3" name="Content Placeholder 2">
+            <a:extLst>
+              <a:ext uri="{FF2B5EF4-FFF2-40B4-BE49-F238E27FC236}">
+                <a16:creationId xmlns:a16="http://schemas.microsoft.com/office/drawing/2014/main" id="{08A63C16-FF94-1B7F-F3EF-674DA8CB6ABA}"/>
+              </a:ext>
+            </a:extLst>
+          </p:cNvPr>
+          <p:cNvSpPr>
+            <a:spLocks noGrp="1"/>
+          </p:cNvSpPr>
+          <p:nvPr>
+            <p:ph idx="1"/>
+          </p:nvPr>
+        </p:nvSpPr>
+        <p:spPr>
+          <a:xfrm>
+            <a:off x="438665" y="1223319"/>
+            <a:ext cx="10915135" cy="4953644"/>
+          </a:xfrm>
+        </p:spPr>
+        <p:txBody>
+          <a:bodyPr>
+            <a:normAutofit/>
+          </a:bodyPr>
+          <a:lstStyle/>
+          <a:p>
+            <a:r>
+              <a:rPr lang="en-GB" dirty="0"/>
+              <a:t>Now lets make sound from Midi</a:t>
+            </a:r>
+          </a:p>
+          <a:p>
+            <a:r>
+              <a:rPr lang="en-GB" dirty="0"/>
+              <a:t>A simple monophonic synthesiser</a:t>
+            </a:r>
+          </a:p>
+          <a:p>
+            <a:r>
+              <a:rPr lang="en-GB" dirty="0"/>
+              <a:t>It just plays a sine wave at the frequency corresponding to the Midi note</a:t>
+            </a:r>
+          </a:p>
+          <a:p>
+            <a:r>
+              <a:rPr lang="en-GB" dirty="0"/>
+              <a:t>Only one note at a time</a:t>
+            </a:r>
+          </a:p>
+          <a:p>
+            <a:r>
+              <a:rPr lang="en-GB" dirty="0"/>
+              <a:t>At time t, play </a:t>
+            </a:r>
+            <a:r>
+              <a:rPr lang="en-GB" dirty="0">
+                <a:latin typeface="Times New Roman" panose="02020603050405020304" pitchFamily="18" charset="0"/>
+                <a:cs typeface="Times New Roman" panose="02020603050405020304" pitchFamily="18" charset="0"/>
+              </a:rPr>
+              <a:t>sin(2</a:t>
+            </a:r>
+            <a:r>
+              <a:rPr lang="en-GB" dirty="0">
+                <a:latin typeface="Symbol" panose="05050102010706020507" pitchFamily="18" charset="2"/>
+              </a:rPr>
+              <a:t>p</a:t>
+            </a:r>
+            <a:r>
+              <a:rPr lang="en-GB" i="1" dirty="0">
+                <a:latin typeface="Times New Roman" panose="02020603050405020304" pitchFamily="18" charset="0"/>
+                <a:cs typeface="Times New Roman" panose="02020603050405020304" pitchFamily="18" charset="0"/>
+              </a:rPr>
+              <a:t>ft</a:t>
+            </a:r>
+            <a:r>
+              <a:rPr lang="en-GB" dirty="0">
+                <a:latin typeface="Times New Roman" panose="02020603050405020304" pitchFamily="18" charset="0"/>
+                <a:cs typeface="Times New Roman" panose="02020603050405020304" pitchFamily="18" charset="0"/>
+              </a:rPr>
+              <a:t>)</a:t>
+            </a:r>
+          </a:p>
+          <a:p>
+            <a:pPr>
+              <a:buFont typeface="Wingdings" panose="05000000000000000000" pitchFamily="2" charset="2"/>
+              <a:buChar char="à"/>
+            </a:pPr>
+            <a:r>
+              <a:rPr lang="en-GB" dirty="0">
+                <a:latin typeface="Times New Roman" panose="02020603050405020304" pitchFamily="18" charset="0"/>
+                <a:cs typeface="Times New Roman" panose="02020603050405020304" pitchFamily="18" charset="0"/>
+                <a:sym typeface="Wingdings" panose="05000000000000000000" pitchFamily="2" charset="2"/>
+              </a:rPr>
+              <a:t>At sample </a:t>
+            </a:r>
+            <a:r>
+              <a:rPr lang="en-GB" i="1" dirty="0">
+                <a:latin typeface="Times New Roman" panose="02020603050405020304" pitchFamily="18" charset="0"/>
+                <a:cs typeface="Times New Roman" panose="02020603050405020304" pitchFamily="18" charset="0"/>
+                <a:sym typeface="Wingdings" panose="05000000000000000000" pitchFamily="2" charset="2"/>
+              </a:rPr>
+              <a:t>n</a:t>
+            </a:r>
+            <a:r>
+              <a:rPr lang="en-GB" dirty="0">
+                <a:latin typeface="Times New Roman" panose="02020603050405020304" pitchFamily="18" charset="0"/>
+                <a:cs typeface="Times New Roman" panose="02020603050405020304" pitchFamily="18" charset="0"/>
+                <a:sym typeface="Wingdings" panose="05000000000000000000" pitchFamily="2" charset="2"/>
+              </a:rPr>
+              <a:t>, play </a:t>
+            </a:r>
+            <a:r>
+              <a:rPr lang="en-GB" dirty="0">
+                <a:latin typeface="Times New Roman" panose="02020603050405020304" pitchFamily="18" charset="0"/>
+                <a:cs typeface="Times New Roman" panose="02020603050405020304" pitchFamily="18" charset="0"/>
+              </a:rPr>
+              <a:t>sin(2</a:t>
+            </a:r>
+            <a:r>
+              <a:rPr lang="en-GB" dirty="0">
+                <a:latin typeface="Symbol" panose="05050102010706020507" pitchFamily="18" charset="2"/>
+              </a:rPr>
+              <a:t>p</a:t>
+            </a:r>
+            <a:r>
+              <a:rPr lang="en-GB" i="1" dirty="0">
+                <a:latin typeface="Times New Roman" panose="02020603050405020304" pitchFamily="18" charset="0"/>
+                <a:cs typeface="Times New Roman" panose="02020603050405020304" pitchFamily="18" charset="0"/>
+              </a:rPr>
+              <a:t>f </a:t>
+            </a:r>
+            <a:r>
+              <a:rPr lang="en-GB" dirty="0">
+                <a:latin typeface="Times New Roman" panose="02020603050405020304" pitchFamily="18" charset="0"/>
+                <a:cs typeface="Times New Roman" panose="02020603050405020304" pitchFamily="18" charset="0"/>
+              </a:rPr>
+              <a:t>(</a:t>
+            </a:r>
+            <a:r>
+              <a:rPr lang="en-GB" i="1" dirty="0">
+                <a:latin typeface="Times New Roman" panose="02020603050405020304" pitchFamily="18" charset="0"/>
+                <a:cs typeface="Times New Roman" panose="02020603050405020304" pitchFamily="18" charset="0"/>
+              </a:rPr>
+              <a:t>n / f</a:t>
+            </a:r>
+            <a:r>
+              <a:rPr lang="en-GB" i="1" baseline="-25000" dirty="0">
+                <a:latin typeface="Times New Roman" panose="02020603050405020304" pitchFamily="18" charset="0"/>
+                <a:cs typeface="Times New Roman" panose="02020603050405020304" pitchFamily="18" charset="0"/>
+              </a:rPr>
+              <a:t>s</a:t>
+            </a:r>
+            <a:r>
+              <a:rPr lang="en-GB" dirty="0">
+                <a:latin typeface="Times New Roman" panose="02020603050405020304" pitchFamily="18" charset="0"/>
+                <a:cs typeface="Times New Roman" panose="02020603050405020304" pitchFamily="18" charset="0"/>
+              </a:rPr>
+              <a:t>))</a:t>
+            </a:r>
+          </a:p>
+          <a:p>
+            <a:pPr lvl="1"/>
+            <a:r>
+              <a:rPr lang="en-GB" i="1" dirty="0">
+                <a:latin typeface="Times New Roman" panose="02020603050405020304" pitchFamily="18" charset="0"/>
+                <a:cs typeface="Times New Roman" panose="02020603050405020304" pitchFamily="18" charset="0"/>
+              </a:rPr>
+              <a:t>f - frequency</a:t>
+            </a:r>
+          </a:p>
+          <a:p>
+            <a:pPr lvl="1"/>
+            <a:r>
+              <a:rPr lang="en-GB" i="1" dirty="0">
+                <a:latin typeface="Times New Roman" panose="02020603050405020304" pitchFamily="18" charset="0"/>
+                <a:cs typeface="Times New Roman" panose="02020603050405020304" pitchFamily="18" charset="0"/>
+              </a:rPr>
+              <a:t>t - time</a:t>
+            </a:r>
+          </a:p>
+          <a:p>
+            <a:pPr lvl="1"/>
+            <a:r>
+              <a:rPr lang="en-GB" i="1" dirty="0">
+                <a:latin typeface="Times New Roman" panose="02020603050405020304" pitchFamily="18" charset="0"/>
+                <a:cs typeface="Times New Roman" panose="02020603050405020304" pitchFamily="18" charset="0"/>
+              </a:rPr>
+              <a:t>n – sample number</a:t>
+            </a:r>
+          </a:p>
+          <a:p>
+            <a:pPr lvl="1"/>
+            <a:r>
+              <a:rPr lang="en-GB" i="1" dirty="0">
+                <a:latin typeface="Times New Roman" panose="02020603050405020304" pitchFamily="18" charset="0"/>
+                <a:cs typeface="Times New Roman" panose="02020603050405020304" pitchFamily="18" charset="0"/>
+              </a:rPr>
+              <a:t>f</a:t>
+            </a:r>
+            <a:r>
+              <a:rPr lang="en-GB" i="1" baseline="-25000" dirty="0">
+                <a:latin typeface="Times New Roman" panose="02020603050405020304" pitchFamily="18" charset="0"/>
+                <a:cs typeface="Times New Roman" panose="02020603050405020304" pitchFamily="18" charset="0"/>
+              </a:rPr>
+              <a:t>s – sampling frequency</a:t>
+            </a:r>
+            <a:endParaRPr lang="en-GB" dirty="0">
+              <a:latin typeface="Times New Roman" panose="02020603050405020304" pitchFamily="18" charset="0"/>
+              <a:cs typeface="Times New Roman" panose="02020603050405020304" pitchFamily="18" charset="0"/>
+            </a:endParaRPr>
+          </a:p>
+          <a:p>
+            <a:pPr marL="0" indent="0">
+              <a:buNone/>
+            </a:pPr>
+            <a:endParaRPr lang="en-GB" dirty="0">
+              <a:latin typeface="Times New Roman" panose="02020603050405020304" pitchFamily="18" charset="0"/>
+              <a:cs typeface="Times New Roman" panose="02020603050405020304" pitchFamily="18" charset="0"/>
+            </a:endParaRPr>
+          </a:p>
+        </p:txBody>
+      </p:sp>
+    </p:spTree>
+    <p:extLst>
+      <p:ext uri="{BB962C8B-B14F-4D97-AF65-F5344CB8AC3E}">
+        <p14:creationId xmlns:p14="http://schemas.microsoft.com/office/powerpoint/2010/main" val="2597113808"/>
+      </p:ext>
+    </p:extLst>
+  </p:cSld>
+  <p:clrMapOvr>
+    <a:masterClrMapping/>
+  </p:clrMapOvr>
+</p:sld>
+</file>
+
+<file path=ppt/slides/slide3.xml><?xml version="1.0" encoding="utf-8"?>
+<p:sld xmlns:a="http://schemas.openxmlformats.org/drawingml/2006/main" xmlns:r="http://schemas.openxmlformats.org/officeDocument/2006/relationships" xmlns:p="http://schemas.openxmlformats.org/presentationml/2006/main">
+  <p:cSld>
+    <p:spTree>
+      <p:nvGrpSpPr>
+        <p:cNvPr id="1" name=""/>
+        <p:cNvGrpSpPr/>
+        <p:nvPr/>
+      </p:nvGrpSpPr>
+      <p:grpSpPr>
+        <a:xfrm>
+          <a:off x="0" y="0"/>
+          <a:ext cx="0" cy="0"/>
+          <a:chOff x="0" y="0"/>
+          <a:chExt cx="0" cy="0"/>
+        </a:xfrm>
+      </p:grpSpPr>
+      <p:sp>
+        <p:nvSpPr>
+          <p:cNvPr id="2" name="Title 1">
+            <a:extLst>
+              <a:ext uri="{FF2B5EF4-FFF2-40B4-BE49-F238E27FC236}">
                 <a16:creationId xmlns:a16="http://schemas.microsoft.com/office/drawing/2014/main" id="{149D7892-438F-5A1C-D8B9-8AB0B95DCC0F}"/>
               </a:ext>
             </a:extLst>
@@ -4147,7 +4639,10 @@
           <a:bodyPr/>
           <a:lstStyle/>
           <a:p>
-            <a:endParaRPr lang="en-GB"/>
+            <a:r>
+              <a:rPr lang="en-GB" dirty="0"/>
+              <a:t>Monophonic HelloWorld</a:t>
+            </a:r>
           </a:p>
         </p:txBody>
       </p:sp>
@@ -4167,39 +4662,515 @@
             <p:ph idx="1"/>
           </p:nvPr>
         </p:nvSpPr>
-        <p:spPr/>
+        <p:spPr>
+          <a:xfrm>
+            <a:off x="338051" y="1246909"/>
+            <a:ext cx="11510356" cy="5364480"/>
+          </a:xfrm>
+        </p:spPr>
         <p:txBody>
-          <a:bodyPr/>
+          <a:bodyPr>
+            <a:normAutofit fontScale="92500" lnSpcReduction="10000"/>
+          </a:bodyPr>
           <a:lstStyle/>
           <a:p>
             <a:r>
               <a:rPr lang="en-GB" dirty="0"/>
-              <a:t>How to do keyboard?</a:t>
-            </a:r>
-          </a:p>
-          <a:p>
+              <a:t>In </a:t>
+            </a:r>
+            <a:r>
+              <a:rPr lang="en-GB" dirty="0" err="1"/>
+              <a:t>PluginProcessor.h</a:t>
+            </a:r>
             <a:r>
               <a:rPr lang="en-GB" dirty="0"/>
-              <a:t>Midi messages </a:t>
+              <a:t>, add some parameters for the synthesised sound</a:t>
+            </a:r>
+            <a:endParaRPr lang="en-GB" sz="1800" dirty="0">
+              <a:solidFill>
+                <a:srgbClr val="000000"/>
+              </a:solidFill>
+              <a:latin typeface="Cascadia Mono" panose="020B0609020000020004" pitchFamily="49" charset="0"/>
+            </a:endParaRPr>
+          </a:p>
+          <a:p>
+            <a:pPr marL="0" indent="0">
+              <a:buNone/>
+            </a:pPr>
+            <a:r>
+              <a:rPr lang="en-GB" sz="1800" dirty="0">
+                <a:solidFill>
+                  <a:srgbClr val="000000"/>
+                </a:solidFill>
+                <a:latin typeface="Cascadia Mono" panose="020B0609020000020004" pitchFamily="49" charset="0"/>
+              </a:rPr>
+              <a:t>…</a:t>
+            </a:r>
+          </a:p>
+          <a:p>
+            <a:pPr marL="0" indent="0">
+              <a:buNone/>
+            </a:pPr>
+            <a:r>
+              <a:rPr lang="en-GB" sz="1800" dirty="0">
+                <a:solidFill>
+                  <a:srgbClr val="000000"/>
+                </a:solidFill>
+                <a:latin typeface="Cascadia Mono" panose="020B0609020000020004" pitchFamily="49" charset="0"/>
+              </a:rPr>
+              <a:t> </a:t>
+            </a:r>
+            <a:r>
+              <a:rPr lang="en-GB" sz="1800" dirty="0" err="1">
+                <a:solidFill>
+                  <a:srgbClr val="2B91AF"/>
+                </a:solidFill>
+                <a:latin typeface="Cascadia Mono" panose="020B0609020000020004" pitchFamily="49" charset="0"/>
+              </a:rPr>
+              <a:t>MidiKeyboardState</a:t>
+            </a:r>
+            <a:r>
+              <a:rPr lang="en-GB" sz="1800" dirty="0">
+                <a:solidFill>
+                  <a:srgbClr val="000000"/>
+                </a:solidFill>
+                <a:latin typeface="Cascadia Mono" panose="020B0609020000020004" pitchFamily="49" charset="0"/>
+              </a:rPr>
+              <a:t> </a:t>
+            </a:r>
+            <a:r>
+              <a:rPr lang="en-GB" sz="1800" dirty="0" err="1">
+                <a:solidFill>
+                  <a:srgbClr val="000000"/>
+                </a:solidFill>
+                <a:latin typeface="Cascadia Mono" panose="020B0609020000020004" pitchFamily="49" charset="0"/>
+              </a:rPr>
+              <a:t>keyboardState</a:t>
+            </a:r>
+            <a:r>
+              <a:rPr lang="en-GB" sz="1800" dirty="0">
+                <a:solidFill>
+                  <a:srgbClr val="000000"/>
+                </a:solidFill>
+                <a:latin typeface="Cascadia Mono" panose="020B0609020000020004" pitchFamily="49" charset="0"/>
+              </a:rPr>
+              <a:t>;</a:t>
+            </a:r>
+          </a:p>
+          <a:p>
+            <a:pPr marL="0" indent="0">
+              <a:buNone/>
+            </a:pPr>
+            <a:r>
+              <a:rPr lang="en-GB" sz="1800" dirty="0">
+                <a:solidFill>
+                  <a:srgbClr val="000000"/>
+                </a:solidFill>
+                <a:latin typeface="Cascadia Mono" panose="020B0609020000020004" pitchFamily="49" charset="0"/>
+              </a:rPr>
+              <a:t>  </a:t>
+            </a:r>
+            <a:r>
+              <a:rPr lang="en-GB" sz="1800" dirty="0">
+                <a:solidFill>
+                  <a:srgbClr val="0000FF"/>
+                </a:solidFill>
+                <a:latin typeface="Cascadia Mono" panose="020B0609020000020004" pitchFamily="49" charset="0"/>
+              </a:rPr>
+              <a:t>float</a:t>
+            </a:r>
+            <a:r>
+              <a:rPr lang="en-GB" sz="1800" dirty="0">
+                <a:solidFill>
+                  <a:srgbClr val="000000"/>
+                </a:solidFill>
+                <a:latin typeface="Cascadia Mono" panose="020B0609020000020004" pitchFamily="49" charset="0"/>
+              </a:rPr>
+              <a:t> phase = 0.0;</a:t>
+            </a:r>
+          </a:p>
+          <a:p>
+            <a:pPr marL="0" indent="0">
+              <a:buNone/>
+            </a:pPr>
+            <a:r>
+              <a:rPr lang="en-GB" sz="1800" dirty="0">
+                <a:solidFill>
+                  <a:srgbClr val="000000"/>
+                </a:solidFill>
+                <a:latin typeface="Cascadia Mono" panose="020B0609020000020004" pitchFamily="49" charset="0"/>
+              </a:rPr>
+              <a:t>  </a:t>
+            </a:r>
+            <a:r>
+              <a:rPr lang="en-GB" sz="1800" dirty="0">
+                <a:solidFill>
+                  <a:srgbClr val="0000FF"/>
+                </a:solidFill>
+                <a:latin typeface="Cascadia Mono" panose="020B0609020000020004" pitchFamily="49" charset="0"/>
+              </a:rPr>
+              <a:t>float</a:t>
+            </a:r>
+            <a:r>
+              <a:rPr lang="en-GB" sz="1800" dirty="0">
+                <a:solidFill>
+                  <a:srgbClr val="000000"/>
+                </a:solidFill>
+                <a:latin typeface="Cascadia Mono" panose="020B0609020000020004" pitchFamily="49" charset="0"/>
+              </a:rPr>
+              <a:t> frequency = 0.0;</a:t>
+            </a:r>
+          </a:p>
+          <a:p>
+            <a:pPr marL="0" indent="0">
+              <a:buNone/>
+            </a:pPr>
+            <a:r>
+              <a:rPr lang="en-GB" sz="1800" dirty="0">
+                <a:solidFill>
+                  <a:srgbClr val="000000"/>
+                </a:solidFill>
+                <a:latin typeface="Cascadia Mono" panose="020B0609020000020004" pitchFamily="49" charset="0"/>
+              </a:rPr>
+              <a:t>  </a:t>
+            </a:r>
+            <a:r>
+              <a:rPr lang="en-GB" sz="1800" dirty="0">
+                <a:solidFill>
+                  <a:srgbClr val="0000FF"/>
+                </a:solidFill>
+                <a:latin typeface="Cascadia Mono" panose="020B0609020000020004" pitchFamily="49" charset="0"/>
+              </a:rPr>
+              <a:t>float</a:t>
+            </a:r>
+            <a:r>
+              <a:rPr lang="en-GB" sz="1800" dirty="0">
+                <a:solidFill>
+                  <a:srgbClr val="000000"/>
+                </a:solidFill>
+                <a:latin typeface="Cascadia Mono" panose="020B0609020000020004" pitchFamily="49" charset="0"/>
+              </a:rPr>
+              <a:t> amplitude = 0.0;</a:t>
+            </a:r>
+          </a:p>
+          <a:p>
+            <a:pPr marL="0" indent="0">
+              <a:buNone/>
+            </a:pPr>
+            <a:r>
+              <a:rPr lang="en-GB" sz="1800" dirty="0">
+                <a:solidFill>
+                  <a:srgbClr val="000000"/>
+                </a:solidFill>
+                <a:latin typeface="Cascadia Mono" panose="020B0609020000020004" pitchFamily="49" charset="0"/>
+              </a:rPr>
+              <a:t>  </a:t>
+            </a:r>
+            <a:r>
+              <a:rPr lang="en-GB" sz="1800" dirty="0">
+                <a:solidFill>
+                  <a:srgbClr val="0000FF"/>
+                </a:solidFill>
+                <a:latin typeface="Cascadia Mono" panose="020B0609020000020004" pitchFamily="49" charset="0"/>
+              </a:rPr>
+              <a:t>float</a:t>
+            </a:r>
+            <a:r>
+              <a:rPr lang="en-GB" sz="1800" dirty="0">
+                <a:solidFill>
+                  <a:srgbClr val="000000"/>
+                </a:solidFill>
+                <a:latin typeface="Cascadia Mono" panose="020B0609020000020004" pitchFamily="49" charset="0"/>
+              </a:rPr>
+              <a:t> </a:t>
+            </a:r>
+            <a:r>
+              <a:rPr lang="en-GB" sz="1800" dirty="0" err="1">
+                <a:solidFill>
+                  <a:srgbClr val="000000"/>
+                </a:solidFill>
+                <a:latin typeface="Cascadia Mono" panose="020B0609020000020004" pitchFamily="49" charset="0"/>
+              </a:rPr>
+              <a:t>mySampleRate</a:t>
+            </a:r>
+            <a:r>
+              <a:rPr lang="en-GB" sz="1800" dirty="0">
+                <a:solidFill>
+                  <a:srgbClr val="000000"/>
+                </a:solidFill>
+                <a:latin typeface="Cascadia Mono" panose="020B0609020000020004" pitchFamily="49" charset="0"/>
+              </a:rPr>
+              <a:t> = 44100;</a:t>
+            </a:r>
+          </a:p>
+          <a:p>
+            <a:endParaRPr lang="en-GB" sz="1800" dirty="0">
+              <a:solidFill>
+                <a:srgbClr val="000000"/>
+              </a:solidFill>
+              <a:latin typeface="Cascadia Mono" panose="020B0609020000020004" pitchFamily="49" charset="0"/>
+            </a:endParaRPr>
+          </a:p>
+          <a:p>
+            <a:pPr marL="0" indent="0">
+              <a:buNone/>
+            </a:pPr>
+            <a:r>
+              <a:rPr lang="en-GB" sz="1800" dirty="0">
+                <a:solidFill>
+                  <a:srgbClr val="0000FF"/>
+                </a:solidFill>
+                <a:latin typeface="Cascadia Mono" panose="020B0609020000020004" pitchFamily="49" charset="0"/>
+              </a:rPr>
+              <a:t>  private</a:t>
+            </a:r>
+            <a:r>
+              <a:rPr lang="en-GB" sz="1800" dirty="0">
+                <a:solidFill>
+                  <a:srgbClr val="000000"/>
+                </a:solidFill>
+                <a:latin typeface="Cascadia Mono" panose="020B0609020000020004" pitchFamily="49" charset="0"/>
+              </a:rPr>
+              <a:t>:</a:t>
+            </a:r>
+          </a:p>
+          <a:p>
+            <a:pPr marL="0" indent="0">
+              <a:buNone/>
+            </a:pPr>
+            <a:r>
+              <a:rPr lang="en-GB" sz="1800" dirty="0">
+                <a:solidFill>
+                  <a:srgbClr val="000000"/>
+                </a:solidFill>
+                <a:latin typeface="Cascadia Mono" panose="020B0609020000020004" pitchFamily="49" charset="0"/>
+              </a:rPr>
+              <a:t>…</a:t>
+            </a:r>
+            <a:endParaRPr lang="en-GB" dirty="0"/>
+          </a:p>
+          <a:p>
+            <a:r>
+              <a:rPr lang="en-GB" dirty="0"/>
+              <a:t>And set sample rate in </a:t>
             </a:r>
             <a:r>
               <a:rPr lang="en-GB" dirty="0" err="1"/>
-              <a:t>noteon</a:t>
+              <a:t>PrepareToPlay</a:t>
             </a:r>
             <a:r>
               <a:rPr lang="en-GB" dirty="0"/>
+              <a:t> in PluginProcessor.cpp</a:t>
+            </a:r>
+          </a:p>
+          <a:p>
+            <a:pPr marL="0" indent="0">
+              <a:buNone/>
+            </a:pPr>
+            <a:r>
+              <a:rPr lang="en-GB" sz="1800" dirty="0">
+                <a:solidFill>
+                  <a:srgbClr val="0000FF"/>
+                </a:solidFill>
+                <a:latin typeface="Cascadia Mono" panose="020B0609020000020004" pitchFamily="49" charset="0"/>
+              </a:rPr>
+              <a:t>void</a:t>
+            </a:r>
+            <a:r>
+              <a:rPr lang="en-GB" sz="1800" dirty="0">
+                <a:solidFill>
+                  <a:srgbClr val="000000"/>
+                </a:solidFill>
+                <a:latin typeface="Cascadia Mono" panose="020B0609020000020004" pitchFamily="49" charset="0"/>
+              </a:rPr>
+              <a:t> </a:t>
+            </a:r>
+            <a:r>
+              <a:rPr lang="en-GB" sz="1800" dirty="0" err="1">
+                <a:solidFill>
+                  <a:srgbClr val="2B91AF"/>
+                </a:solidFill>
+                <a:latin typeface="Cascadia Mono" panose="020B0609020000020004" pitchFamily="49" charset="0"/>
+              </a:rPr>
+              <a:t>NewProjectAudioProcessor</a:t>
+            </a:r>
+            <a:r>
+              <a:rPr lang="en-GB" sz="1800" dirty="0">
+                <a:solidFill>
+                  <a:srgbClr val="000000"/>
+                </a:solidFill>
+                <a:latin typeface="Cascadia Mono" panose="020B0609020000020004" pitchFamily="49" charset="0"/>
+              </a:rPr>
+              <a:t>::</a:t>
+            </a:r>
+            <a:r>
+              <a:rPr lang="en-GB" sz="1800" dirty="0" err="1">
+                <a:solidFill>
+                  <a:srgbClr val="000000"/>
+                </a:solidFill>
+                <a:latin typeface="Cascadia Mono" panose="020B0609020000020004" pitchFamily="49" charset="0"/>
+              </a:rPr>
+              <a:t>prepareToPlay</a:t>
+            </a:r>
+            <a:r>
+              <a:rPr lang="en-GB" sz="1800" dirty="0">
+                <a:solidFill>
+                  <a:srgbClr val="000000"/>
+                </a:solidFill>
+                <a:latin typeface="Cascadia Mono" panose="020B0609020000020004" pitchFamily="49" charset="0"/>
+              </a:rPr>
+              <a:t> (</a:t>
+            </a:r>
+            <a:r>
+              <a:rPr lang="en-GB" sz="1800" dirty="0">
+                <a:solidFill>
+                  <a:srgbClr val="0000FF"/>
+                </a:solidFill>
+                <a:latin typeface="Cascadia Mono" panose="020B0609020000020004" pitchFamily="49" charset="0"/>
+              </a:rPr>
+              <a:t>double</a:t>
+            </a:r>
+            <a:r>
+              <a:rPr lang="en-GB" sz="1800" dirty="0">
+                <a:solidFill>
+                  <a:srgbClr val="000000"/>
+                </a:solidFill>
+                <a:latin typeface="Cascadia Mono" panose="020B0609020000020004" pitchFamily="49" charset="0"/>
+              </a:rPr>
+              <a:t> </a:t>
+            </a:r>
+            <a:r>
+              <a:rPr lang="en-GB" sz="1800" dirty="0" err="1">
+                <a:solidFill>
+                  <a:srgbClr val="808080"/>
+                </a:solidFill>
+                <a:latin typeface="Cascadia Mono" panose="020B0609020000020004" pitchFamily="49" charset="0"/>
+              </a:rPr>
+              <a:t>sampleRate</a:t>
+            </a:r>
+            <a:r>
+              <a:rPr lang="en-GB" sz="1800" dirty="0">
+                <a:solidFill>
+                  <a:srgbClr val="000000"/>
+                </a:solidFill>
+                <a:latin typeface="Cascadia Mono" panose="020B0609020000020004" pitchFamily="49" charset="0"/>
+              </a:rPr>
               <a:t>, </a:t>
             </a:r>
             <a:r>
-              <a:rPr lang="en-GB" dirty="0" err="1"/>
-              <a:t>noteoff</a:t>
-            </a:r>
-            <a:endParaRPr lang="en-GB" dirty="0"/>
-          </a:p>
-          <a:p>
-            <a:endParaRPr lang="en-GB" dirty="0"/>
-          </a:p>
-          <a:p>
+              <a:rPr lang="en-GB" sz="1800" dirty="0">
+                <a:solidFill>
+                  <a:srgbClr val="0000FF"/>
+                </a:solidFill>
+                <a:latin typeface="Cascadia Mono" panose="020B0609020000020004" pitchFamily="49" charset="0"/>
+              </a:rPr>
+              <a:t>int</a:t>
+            </a:r>
+            <a:r>
+              <a:rPr lang="en-GB" sz="1800" dirty="0">
+                <a:solidFill>
+                  <a:srgbClr val="000000"/>
+                </a:solidFill>
+                <a:latin typeface="Cascadia Mono" panose="020B0609020000020004" pitchFamily="49" charset="0"/>
+              </a:rPr>
+              <a:t> </a:t>
+            </a:r>
+            <a:r>
+              <a:rPr lang="en-GB" sz="1800" dirty="0" err="1">
+                <a:solidFill>
+                  <a:srgbClr val="808080"/>
+                </a:solidFill>
+                <a:latin typeface="Cascadia Mono" panose="020B0609020000020004" pitchFamily="49" charset="0"/>
+              </a:rPr>
+              <a:t>samplesPerBlock</a:t>
+            </a:r>
+            <a:r>
+              <a:rPr lang="en-GB" sz="1800" dirty="0">
+                <a:solidFill>
+                  <a:srgbClr val="000000"/>
+                </a:solidFill>
+                <a:latin typeface="Cascadia Mono" panose="020B0609020000020004" pitchFamily="49" charset="0"/>
+              </a:rPr>
+              <a:t>)</a:t>
+            </a:r>
+          </a:p>
+          <a:p>
+            <a:pPr marL="0" indent="0">
+              <a:buNone/>
+            </a:pPr>
+            <a:r>
+              <a:rPr lang="en-GB" sz="1800" dirty="0">
+                <a:solidFill>
+                  <a:srgbClr val="000000"/>
+                </a:solidFill>
+                <a:latin typeface="Cascadia Mono" panose="020B0609020000020004" pitchFamily="49" charset="0"/>
+              </a:rPr>
+              <a:t>{</a:t>
+            </a:r>
+          </a:p>
+          <a:p>
+            <a:pPr marL="0" indent="0">
+              <a:buNone/>
+            </a:pPr>
+            <a:r>
+              <a:rPr lang="en-GB" sz="1800" dirty="0">
+                <a:solidFill>
+                  <a:srgbClr val="000000"/>
+                </a:solidFill>
+                <a:latin typeface="Cascadia Mono" panose="020B0609020000020004" pitchFamily="49" charset="0"/>
+              </a:rPr>
+              <a:t>  </a:t>
+            </a:r>
+            <a:r>
+              <a:rPr lang="en-GB" sz="1800" dirty="0" err="1">
+                <a:solidFill>
+                  <a:srgbClr val="000000"/>
+                </a:solidFill>
+                <a:latin typeface="Cascadia Mono" panose="020B0609020000020004" pitchFamily="49" charset="0"/>
+              </a:rPr>
+              <a:t>mySampleRate</a:t>
+            </a:r>
+            <a:r>
+              <a:rPr lang="en-GB" sz="1800" dirty="0">
+                <a:solidFill>
+                  <a:srgbClr val="000000"/>
+                </a:solidFill>
+                <a:latin typeface="Cascadia Mono" panose="020B0609020000020004" pitchFamily="49" charset="0"/>
+              </a:rPr>
+              <a:t> = </a:t>
+            </a:r>
+            <a:r>
+              <a:rPr lang="en-GB" sz="1800" dirty="0" err="1">
+                <a:solidFill>
+                  <a:srgbClr val="808080"/>
+                </a:solidFill>
+                <a:latin typeface="Cascadia Mono" panose="020B0609020000020004" pitchFamily="49" charset="0"/>
+              </a:rPr>
+              <a:t>sampleRate</a:t>
+            </a:r>
+            <a:r>
+              <a:rPr lang="en-GB" sz="1800" dirty="0">
+                <a:solidFill>
+                  <a:srgbClr val="000000"/>
+                </a:solidFill>
+                <a:latin typeface="Cascadia Mono" panose="020B0609020000020004" pitchFamily="49" charset="0"/>
+              </a:rPr>
+              <a:t>;</a:t>
+            </a:r>
+          </a:p>
+          <a:p>
+            <a:pPr marL="0" indent="0">
+              <a:buNone/>
+            </a:pPr>
+            <a:r>
+              <a:rPr lang="en-GB" sz="1800" dirty="0">
+                <a:solidFill>
+                  <a:srgbClr val="000000"/>
+                </a:solidFill>
+                <a:latin typeface="Cascadia Mono" panose="020B0609020000020004" pitchFamily="49" charset="0"/>
+              </a:rPr>
+              <a:t>}</a:t>
+            </a:r>
             <a:endParaRPr lang="en-GB" dirty="0"/>
           </a:p>
         </p:txBody>
@@ -4217,7 +5188,1548 @@
 </p:sld>
 </file>
 
-<file path=ppt/slides/slide3.xml><?xml version="1.0" encoding="utf-8"?>
+<file path=ppt/slides/slide4.xml><?xml version="1.0" encoding="utf-8"?>
+<p:sld xmlns:a="http://schemas.openxmlformats.org/drawingml/2006/main" xmlns:r="http://schemas.openxmlformats.org/officeDocument/2006/relationships" xmlns:p="http://schemas.openxmlformats.org/presentationml/2006/main">
+  <p:cSld>
+    <p:spTree>
+      <p:nvGrpSpPr>
+        <p:cNvPr id="1" name=""/>
+        <p:cNvGrpSpPr/>
+        <p:nvPr/>
+      </p:nvGrpSpPr>
+      <p:grpSpPr>
+        <a:xfrm>
+          <a:off x="0" y="0"/>
+          <a:ext cx="0" cy="0"/>
+          <a:chOff x="0" y="0"/>
+          <a:chExt cx="0" cy="0"/>
+        </a:xfrm>
+      </p:grpSpPr>
+      <p:sp>
+        <p:nvSpPr>
+          <p:cNvPr id="2" name="Title 1">
+            <a:extLst>
+              <a:ext uri="{FF2B5EF4-FFF2-40B4-BE49-F238E27FC236}">
+                <a16:creationId xmlns:a16="http://schemas.microsoft.com/office/drawing/2014/main" id="{149D7892-438F-5A1C-D8B9-8AB0B95DCC0F}"/>
+              </a:ext>
+            </a:extLst>
+          </p:cNvPr>
+          <p:cNvSpPr>
+            <a:spLocks noGrp="1"/>
+          </p:cNvSpPr>
+          <p:nvPr>
+            <p:ph type="title"/>
+          </p:nvPr>
+        </p:nvSpPr>
+        <p:spPr/>
+        <p:txBody>
+          <a:bodyPr/>
+          <a:lstStyle/>
+          <a:p>
+            <a:r>
+              <a:rPr lang="en-GB" dirty="0"/>
+              <a:t>Monophonic HelloWorld</a:t>
+            </a:r>
+          </a:p>
+        </p:txBody>
+      </p:sp>
+      <p:sp>
+        <p:nvSpPr>
+          <p:cNvPr id="3" name="Content Placeholder 2">
+            <a:extLst>
+              <a:ext uri="{FF2B5EF4-FFF2-40B4-BE49-F238E27FC236}">
+                <a16:creationId xmlns:a16="http://schemas.microsoft.com/office/drawing/2014/main" id="{D09BAD68-6BFD-DD34-AA53-9F1E15506A15}"/>
+              </a:ext>
+            </a:extLst>
+          </p:cNvPr>
+          <p:cNvSpPr>
+            <a:spLocks noGrp="1"/>
+          </p:cNvSpPr>
+          <p:nvPr>
+            <p:ph idx="1"/>
+          </p:nvPr>
+        </p:nvSpPr>
+        <p:spPr>
+          <a:xfrm>
+            <a:off x="482139" y="1060515"/>
+            <a:ext cx="11449396" cy="5739296"/>
+          </a:xfrm>
+        </p:spPr>
+        <p:txBody>
+          <a:bodyPr>
+            <a:normAutofit fontScale="62500" lnSpcReduction="20000"/>
+          </a:bodyPr>
+          <a:lstStyle/>
+          <a:p>
+            <a:r>
+              <a:rPr lang="en-GB" dirty="0"/>
+              <a:t>Now change the </a:t>
+            </a:r>
+            <a:r>
+              <a:rPr lang="en-GB" dirty="0" err="1"/>
+              <a:t>processBlock</a:t>
+            </a:r>
+            <a:r>
+              <a:rPr lang="en-GB" dirty="0"/>
+              <a:t> to generate a sinusoid</a:t>
+            </a:r>
+          </a:p>
+          <a:p>
+            <a:pPr marL="0" indent="0">
+              <a:buNone/>
+            </a:pPr>
+            <a:r>
+              <a:rPr lang="en-GB" sz="1800" dirty="0">
+                <a:solidFill>
+                  <a:srgbClr val="0000FF"/>
+                </a:solidFill>
+                <a:latin typeface="Cascadia Mono" panose="020B0609020000020004" pitchFamily="49" charset="0"/>
+              </a:rPr>
+              <a:t>void</a:t>
+            </a:r>
+            <a:r>
+              <a:rPr lang="en-GB" sz="1800" dirty="0">
+                <a:solidFill>
+                  <a:srgbClr val="000000"/>
+                </a:solidFill>
+                <a:latin typeface="Cascadia Mono" panose="020B0609020000020004" pitchFamily="49" charset="0"/>
+              </a:rPr>
+              <a:t> </a:t>
+            </a:r>
+            <a:r>
+              <a:rPr lang="en-GB" sz="1800" dirty="0" err="1">
+                <a:solidFill>
+                  <a:srgbClr val="2B91AF"/>
+                </a:solidFill>
+                <a:latin typeface="Cascadia Mono" panose="020B0609020000020004" pitchFamily="49" charset="0"/>
+              </a:rPr>
+              <a:t>NewProjectAudioProcessor</a:t>
+            </a:r>
+            <a:r>
+              <a:rPr lang="en-GB" sz="1800" dirty="0">
+                <a:solidFill>
+                  <a:srgbClr val="000000"/>
+                </a:solidFill>
+                <a:latin typeface="Cascadia Mono" panose="020B0609020000020004" pitchFamily="49" charset="0"/>
+              </a:rPr>
+              <a:t>::</a:t>
+            </a:r>
+            <a:r>
+              <a:rPr lang="en-GB" sz="1800" dirty="0" err="1">
+                <a:solidFill>
+                  <a:srgbClr val="000000"/>
+                </a:solidFill>
+                <a:latin typeface="Cascadia Mono" panose="020B0609020000020004" pitchFamily="49" charset="0"/>
+              </a:rPr>
+              <a:t>processBlock</a:t>
+            </a:r>
+            <a:r>
+              <a:rPr lang="en-GB" sz="1800" dirty="0">
+                <a:solidFill>
+                  <a:srgbClr val="000000"/>
+                </a:solidFill>
+                <a:latin typeface="Cascadia Mono" panose="020B0609020000020004" pitchFamily="49" charset="0"/>
+              </a:rPr>
+              <a:t>(</a:t>
+            </a:r>
+            <a:r>
+              <a:rPr lang="en-GB" sz="1800" dirty="0" err="1">
+                <a:solidFill>
+                  <a:srgbClr val="2B91AF"/>
+                </a:solidFill>
+                <a:latin typeface="Cascadia Mono" panose="020B0609020000020004" pitchFamily="49" charset="0"/>
+              </a:rPr>
+              <a:t>AudioBuffer</a:t>
+            </a:r>
+            <a:r>
+              <a:rPr lang="en-GB" sz="1800" dirty="0">
+                <a:solidFill>
+                  <a:srgbClr val="000000"/>
+                </a:solidFill>
+                <a:latin typeface="Cascadia Mono" panose="020B0609020000020004" pitchFamily="49" charset="0"/>
+              </a:rPr>
+              <a:t>&lt;</a:t>
+            </a:r>
+            <a:r>
+              <a:rPr lang="en-GB" sz="1800" dirty="0">
+                <a:solidFill>
+                  <a:srgbClr val="0000FF"/>
+                </a:solidFill>
+                <a:latin typeface="Cascadia Mono" panose="020B0609020000020004" pitchFamily="49" charset="0"/>
+              </a:rPr>
+              <a:t>float</a:t>
+            </a:r>
+            <a:r>
+              <a:rPr lang="en-GB" sz="1800" dirty="0">
+                <a:solidFill>
+                  <a:srgbClr val="000000"/>
+                </a:solidFill>
+                <a:latin typeface="Cascadia Mono" panose="020B0609020000020004" pitchFamily="49" charset="0"/>
+              </a:rPr>
+              <a:t>&gt;&amp; </a:t>
+            </a:r>
+            <a:r>
+              <a:rPr lang="en-GB" sz="1800" dirty="0">
+                <a:solidFill>
+                  <a:srgbClr val="808080"/>
+                </a:solidFill>
+                <a:latin typeface="Cascadia Mono" panose="020B0609020000020004" pitchFamily="49" charset="0"/>
+              </a:rPr>
+              <a:t>buffer</a:t>
+            </a:r>
+            <a:r>
+              <a:rPr lang="en-GB" sz="1800" dirty="0">
+                <a:solidFill>
+                  <a:srgbClr val="000000"/>
+                </a:solidFill>
+                <a:latin typeface="Cascadia Mono" panose="020B0609020000020004" pitchFamily="49" charset="0"/>
+              </a:rPr>
+              <a:t>, </a:t>
+            </a:r>
+            <a:r>
+              <a:rPr lang="en-GB" sz="1800" dirty="0" err="1">
+                <a:solidFill>
+                  <a:srgbClr val="2B91AF"/>
+                </a:solidFill>
+                <a:latin typeface="Cascadia Mono" panose="020B0609020000020004" pitchFamily="49" charset="0"/>
+              </a:rPr>
+              <a:t>MidiBuffer</a:t>
+            </a:r>
+            <a:r>
+              <a:rPr lang="en-GB" sz="1800" dirty="0">
+                <a:solidFill>
+                  <a:srgbClr val="000000"/>
+                </a:solidFill>
+                <a:latin typeface="Cascadia Mono" panose="020B0609020000020004" pitchFamily="49" charset="0"/>
+              </a:rPr>
+              <a:t>&amp; </a:t>
+            </a:r>
+            <a:r>
+              <a:rPr lang="en-GB" sz="1800" dirty="0" err="1">
+                <a:solidFill>
+                  <a:srgbClr val="808080"/>
+                </a:solidFill>
+                <a:latin typeface="Cascadia Mono" panose="020B0609020000020004" pitchFamily="49" charset="0"/>
+              </a:rPr>
+              <a:t>midiMessages</a:t>
+            </a:r>
+            <a:r>
+              <a:rPr lang="en-GB" sz="1800" dirty="0">
+                <a:solidFill>
+                  <a:srgbClr val="000000"/>
+                </a:solidFill>
+                <a:latin typeface="Cascadia Mono" panose="020B0609020000020004" pitchFamily="49" charset="0"/>
+              </a:rPr>
+              <a:t>) {</a:t>
+            </a:r>
+          </a:p>
+          <a:p>
+            <a:pPr marL="0" indent="0">
+              <a:buNone/>
+            </a:pPr>
+            <a:r>
+              <a:rPr lang="en-GB" sz="1800" dirty="0">
+                <a:solidFill>
+                  <a:srgbClr val="000000"/>
+                </a:solidFill>
+                <a:latin typeface="Cascadia Mono" panose="020B0609020000020004" pitchFamily="49" charset="0"/>
+              </a:rPr>
+              <a:t>  </a:t>
+            </a:r>
+            <a:r>
+              <a:rPr lang="en-GB" sz="1800" dirty="0">
+                <a:solidFill>
+                  <a:srgbClr val="0000FF"/>
+                </a:solidFill>
+                <a:latin typeface="Cascadia Mono" panose="020B0609020000020004" pitchFamily="49" charset="0"/>
+              </a:rPr>
+              <a:t>auto</a:t>
+            </a:r>
+            <a:r>
+              <a:rPr lang="en-GB" sz="1800" dirty="0">
+                <a:solidFill>
+                  <a:srgbClr val="000000"/>
+                </a:solidFill>
+                <a:latin typeface="Cascadia Mono" panose="020B0609020000020004" pitchFamily="49" charset="0"/>
+              </a:rPr>
+              <a:t> </a:t>
+            </a:r>
+            <a:r>
+              <a:rPr lang="en-GB" sz="1800" dirty="0" err="1">
+                <a:solidFill>
+                  <a:srgbClr val="000000"/>
+                </a:solidFill>
+                <a:latin typeface="Cascadia Mono" panose="020B0609020000020004" pitchFamily="49" charset="0"/>
+              </a:rPr>
+              <a:t>numSamples</a:t>
+            </a:r>
+            <a:r>
+              <a:rPr lang="en-GB" sz="1800" dirty="0">
+                <a:solidFill>
+                  <a:srgbClr val="000000"/>
+                </a:solidFill>
+                <a:latin typeface="Cascadia Mono" panose="020B0609020000020004" pitchFamily="49" charset="0"/>
+              </a:rPr>
+              <a:t> = </a:t>
+            </a:r>
+            <a:r>
+              <a:rPr lang="en-GB" sz="1800" dirty="0" err="1">
+                <a:solidFill>
+                  <a:srgbClr val="808080"/>
+                </a:solidFill>
+                <a:latin typeface="Cascadia Mono" panose="020B0609020000020004" pitchFamily="49" charset="0"/>
+              </a:rPr>
+              <a:t>buffer</a:t>
+            </a:r>
+            <a:r>
+              <a:rPr lang="en-GB" sz="1800" dirty="0" err="1">
+                <a:solidFill>
+                  <a:srgbClr val="000000"/>
+                </a:solidFill>
+                <a:latin typeface="Cascadia Mono" panose="020B0609020000020004" pitchFamily="49" charset="0"/>
+              </a:rPr>
+              <a:t>.getNumSamples</a:t>
+            </a:r>
+            <a:r>
+              <a:rPr lang="en-GB" sz="1800" dirty="0">
+                <a:solidFill>
+                  <a:srgbClr val="000000"/>
+                </a:solidFill>
+                <a:latin typeface="Cascadia Mono" panose="020B0609020000020004" pitchFamily="49" charset="0"/>
+              </a:rPr>
+              <a:t>();</a:t>
+            </a:r>
+          </a:p>
+          <a:p>
+            <a:pPr marL="0" indent="0">
+              <a:buNone/>
+            </a:pPr>
+            <a:r>
+              <a:rPr lang="en-GB" sz="1800" dirty="0">
+                <a:solidFill>
+                  <a:srgbClr val="000000"/>
+                </a:solidFill>
+                <a:latin typeface="Cascadia Mono" panose="020B0609020000020004" pitchFamily="49" charset="0"/>
+              </a:rPr>
+              <a:t> </a:t>
+            </a:r>
+            <a:r>
+              <a:rPr lang="en-GB" sz="1800" dirty="0" err="1">
+                <a:solidFill>
+                  <a:srgbClr val="000000"/>
+                </a:solidFill>
+                <a:latin typeface="Cascadia Mono" panose="020B0609020000020004" pitchFamily="49" charset="0"/>
+              </a:rPr>
+              <a:t>keyboardState.processNextMidiBuffer</a:t>
+            </a:r>
+            <a:r>
+              <a:rPr lang="en-GB" sz="1800" dirty="0">
+                <a:solidFill>
+                  <a:srgbClr val="000000"/>
+                </a:solidFill>
+                <a:latin typeface="Cascadia Mono" panose="020B0609020000020004" pitchFamily="49" charset="0"/>
+              </a:rPr>
+              <a:t>(</a:t>
+            </a:r>
+            <a:r>
+              <a:rPr lang="en-GB" sz="1800" dirty="0" err="1">
+                <a:solidFill>
+                  <a:srgbClr val="808080"/>
+                </a:solidFill>
+                <a:latin typeface="Cascadia Mono" panose="020B0609020000020004" pitchFamily="49" charset="0"/>
+              </a:rPr>
+              <a:t>midiMessages</a:t>
+            </a:r>
+            <a:r>
+              <a:rPr lang="en-GB" sz="1800" dirty="0">
+                <a:solidFill>
+                  <a:srgbClr val="000000"/>
+                </a:solidFill>
+                <a:latin typeface="Cascadia Mono" panose="020B0609020000020004" pitchFamily="49" charset="0"/>
+              </a:rPr>
+              <a:t>, 0, </a:t>
+            </a:r>
+            <a:r>
+              <a:rPr lang="en-GB" sz="1800" dirty="0" err="1">
+                <a:solidFill>
+                  <a:srgbClr val="000000"/>
+                </a:solidFill>
+                <a:latin typeface="Cascadia Mono" panose="020B0609020000020004" pitchFamily="49" charset="0"/>
+              </a:rPr>
+              <a:t>numSamples</a:t>
+            </a:r>
+            <a:r>
+              <a:rPr lang="en-GB" sz="1800" dirty="0">
+                <a:solidFill>
+                  <a:srgbClr val="000000"/>
+                </a:solidFill>
+                <a:latin typeface="Cascadia Mono" panose="020B0609020000020004" pitchFamily="49" charset="0"/>
+              </a:rPr>
+              <a:t>, </a:t>
+            </a:r>
+            <a:r>
+              <a:rPr lang="en-GB" sz="1800" dirty="0">
+                <a:solidFill>
+                  <a:srgbClr val="0000FF"/>
+                </a:solidFill>
+                <a:latin typeface="Cascadia Mono" panose="020B0609020000020004" pitchFamily="49" charset="0"/>
+              </a:rPr>
+              <a:t>true</a:t>
+            </a:r>
+            <a:r>
+              <a:rPr lang="en-GB" sz="1800" dirty="0">
+                <a:solidFill>
+                  <a:srgbClr val="000000"/>
+                </a:solidFill>
+                <a:latin typeface="Cascadia Mono" panose="020B0609020000020004" pitchFamily="49" charset="0"/>
+              </a:rPr>
+              <a:t>);</a:t>
+            </a:r>
+          </a:p>
+          <a:p>
+            <a:pPr marL="0" indent="0">
+              <a:buNone/>
+            </a:pPr>
+            <a:r>
+              <a:rPr lang="pt-BR" sz="1800" dirty="0">
+                <a:solidFill>
+                  <a:srgbClr val="000000"/>
+                </a:solidFill>
+                <a:latin typeface="Cascadia Mono" panose="020B0609020000020004" pitchFamily="49" charset="0"/>
+              </a:rPr>
+              <a:t>  </a:t>
+            </a:r>
+            <a:r>
+              <a:rPr lang="pt-BR" sz="1800" dirty="0">
+                <a:solidFill>
+                  <a:srgbClr val="0000FF"/>
+                </a:solidFill>
+                <a:latin typeface="Cascadia Mono" panose="020B0609020000020004" pitchFamily="49" charset="0"/>
+              </a:rPr>
+              <a:t>for</a:t>
+            </a:r>
+            <a:r>
+              <a:rPr lang="pt-BR" sz="1800" dirty="0">
+                <a:solidFill>
+                  <a:srgbClr val="000000"/>
+                </a:solidFill>
+                <a:latin typeface="Cascadia Mono" panose="020B0609020000020004" pitchFamily="49" charset="0"/>
+              </a:rPr>
+              <a:t> (</a:t>
+            </a:r>
+            <a:r>
+              <a:rPr lang="pt-BR" sz="1800" dirty="0">
+                <a:solidFill>
+                  <a:srgbClr val="0000FF"/>
+                </a:solidFill>
+                <a:latin typeface="Cascadia Mono" panose="020B0609020000020004" pitchFamily="49" charset="0"/>
+              </a:rPr>
+              <a:t>const</a:t>
+            </a:r>
+            <a:r>
+              <a:rPr lang="pt-BR" sz="1800" dirty="0">
+                <a:solidFill>
+                  <a:srgbClr val="000000"/>
+                </a:solidFill>
+                <a:latin typeface="Cascadia Mono" panose="020B0609020000020004" pitchFamily="49" charset="0"/>
+              </a:rPr>
+              <a:t> </a:t>
+            </a:r>
+            <a:r>
+              <a:rPr lang="pt-BR" sz="1800" dirty="0">
+                <a:solidFill>
+                  <a:srgbClr val="0000FF"/>
+                </a:solidFill>
+                <a:latin typeface="Cascadia Mono" panose="020B0609020000020004" pitchFamily="49" charset="0"/>
+              </a:rPr>
+              <a:t>auto</a:t>
+            </a:r>
+            <a:r>
+              <a:rPr lang="pt-BR" sz="1800" dirty="0">
+                <a:solidFill>
+                  <a:srgbClr val="000000"/>
+                </a:solidFill>
+                <a:latin typeface="Cascadia Mono" panose="020B0609020000020004" pitchFamily="49" charset="0"/>
+              </a:rPr>
+              <a:t> metadata : </a:t>
+            </a:r>
+            <a:r>
+              <a:rPr lang="pt-BR" sz="1800" dirty="0">
+                <a:solidFill>
+                  <a:srgbClr val="808080"/>
+                </a:solidFill>
+                <a:latin typeface="Cascadia Mono" panose="020B0609020000020004" pitchFamily="49" charset="0"/>
+              </a:rPr>
+              <a:t>midiMessages</a:t>
+            </a:r>
+            <a:r>
+              <a:rPr lang="pt-BR" sz="1800" dirty="0">
+                <a:solidFill>
+                  <a:srgbClr val="000000"/>
+                </a:solidFill>
+                <a:latin typeface="Cascadia Mono" panose="020B0609020000020004" pitchFamily="49" charset="0"/>
+              </a:rPr>
+              <a:t>) {</a:t>
+            </a:r>
+          </a:p>
+          <a:p>
+            <a:pPr marL="0" indent="0">
+              <a:buNone/>
+            </a:pPr>
+            <a:r>
+              <a:rPr lang="en-GB" sz="1800" dirty="0">
+                <a:solidFill>
+                  <a:srgbClr val="000000"/>
+                </a:solidFill>
+                <a:latin typeface="Cascadia Mono" panose="020B0609020000020004" pitchFamily="49" charset="0"/>
+              </a:rPr>
+              <a:t>    </a:t>
+            </a:r>
+            <a:r>
+              <a:rPr lang="en-GB" sz="1800" dirty="0">
+                <a:solidFill>
+                  <a:srgbClr val="0000FF"/>
+                </a:solidFill>
+                <a:latin typeface="Cascadia Mono" panose="020B0609020000020004" pitchFamily="49" charset="0"/>
+              </a:rPr>
+              <a:t>auto</a:t>
+            </a:r>
+            <a:r>
+              <a:rPr lang="en-GB" sz="1800" dirty="0">
+                <a:solidFill>
+                  <a:srgbClr val="000000"/>
+                </a:solidFill>
+                <a:latin typeface="Cascadia Mono" panose="020B0609020000020004" pitchFamily="49" charset="0"/>
+              </a:rPr>
+              <a:t> message = </a:t>
+            </a:r>
+            <a:r>
+              <a:rPr lang="en-GB" sz="1800" dirty="0" err="1">
+                <a:solidFill>
+                  <a:srgbClr val="000000"/>
+                </a:solidFill>
+                <a:latin typeface="Cascadia Mono" panose="020B0609020000020004" pitchFamily="49" charset="0"/>
+              </a:rPr>
+              <a:t>metadata.getMessage</a:t>
+            </a:r>
+            <a:r>
+              <a:rPr lang="en-GB" sz="1800" dirty="0">
+                <a:solidFill>
+                  <a:srgbClr val="000000"/>
+                </a:solidFill>
+                <a:latin typeface="Cascadia Mono" panose="020B0609020000020004" pitchFamily="49" charset="0"/>
+              </a:rPr>
+              <a:t>();</a:t>
+            </a:r>
+          </a:p>
+          <a:p>
+            <a:pPr marL="0" indent="0">
+              <a:buNone/>
+            </a:pPr>
+            <a:r>
+              <a:rPr lang="en-GB" sz="1800" dirty="0">
+                <a:solidFill>
+                  <a:srgbClr val="000000"/>
+                </a:solidFill>
+                <a:latin typeface="Cascadia Mono" panose="020B0609020000020004" pitchFamily="49" charset="0"/>
+              </a:rPr>
+              <a:t>    </a:t>
+            </a:r>
+            <a:r>
+              <a:rPr lang="en-GB" sz="1800" dirty="0">
+                <a:solidFill>
+                  <a:srgbClr val="0000FF"/>
+                </a:solidFill>
+                <a:latin typeface="Cascadia Mono" panose="020B0609020000020004" pitchFamily="49" charset="0"/>
+              </a:rPr>
+              <a:t>if</a:t>
+            </a:r>
+            <a:r>
+              <a:rPr lang="en-GB" sz="1800" dirty="0">
+                <a:solidFill>
+                  <a:srgbClr val="000000"/>
+                </a:solidFill>
+                <a:latin typeface="Cascadia Mono" panose="020B0609020000020004" pitchFamily="49" charset="0"/>
+              </a:rPr>
+              <a:t> (</a:t>
+            </a:r>
+            <a:r>
+              <a:rPr lang="en-GB" sz="1800" dirty="0" err="1">
+                <a:solidFill>
+                  <a:srgbClr val="000000"/>
+                </a:solidFill>
+                <a:latin typeface="Cascadia Mono" panose="020B0609020000020004" pitchFamily="49" charset="0"/>
+              </a:rPr>
+              <a:t>message.isNoteOn</a:t>
+            </a:r>
+            <a:r>
+              <a:rPr lang="en-GB" sz="1800" dirty="0">
+                <a:solidFill>
+                  <a:srgbClr val="000000"/>
+                </a:solidFill>
+                <a:latin typeface="Cascadia Mono" panose="020B0609020000020004" pitchFamily="49" charset="0"/>
+              </a:rPr>
+              <a:t>()) {</a:t>
+            </a:r>
+          </a:p>
+          <a:p>
+            <a:pPr marL="0" indent="0">
+              <a:buNone/>
+            </a:pPr>
+            <a:r>
+              <a:rPr lang="en-GB" sz="1800" dirty="0">
+                <a:solidFill>
+                  <a:srgbClr val="000000"/>
+                </a:solidFill>
+                <a:latin typeface="Cascadia Mono" panose="020B0609020000020004" pitchFamily="49" charset="0"/>
+              </a:rPr>
+              <a:t>      </a:t>
+            </a:r>
+            <a:r>
+              <a:rPr lang="en-GB" sz="1800" dirty="0">
+                <a:solidFill>
+                  <a:srgbClr val="0000FF"/>
+                </a:solidFill>
+                <a:latin typeface="Cascadia Mono" panose="020B0609020000020004" pitchFamily="49" charset="0"/>
+              </a:rPr>
+              <a:t>auto</a:t>
+            </a:r>
+            <a:r>
+              <a:rPr lang="en-GB" sz="1800" dirty="0">
+                <a:solidFill>
+                  <a:srgbClr val="000000"/>
+                </a:solidFill>
+                <a:latin typeface="Cascadia Mono" panose="020B0609020000020004" pitchFamily="49" charset="0"/>
+              </a:rPr>
+              <a:t> </a:t>
+            </a:r>
+            <a:r>
+              <a:rPr lang="en-GB" sz="1800" dirty="0" err="1">
+                <a:solidFill>
+                  <a:srgbClr val="000000"/>
+                </a:solidFill>
+                <a:latin typeface="Cascadia Mono" panose="020B0609020000020004" pitchFamily="49" charset="0"/>
+              </a:rPr>
+              <a:t>noteNumber</a:t>
+            </a:r>
+            <a:r>
+              <a:rPr lang="en-GB" sz="1800" dirty="0">
+                <a:solidFill>
+                  <a:srgbClr val="000000"/>
+                </a:solidFill>
+                <a:latin typeface="Cascadia Mono" panose="020B0609020000020004" pitchFamily="49" charset="0"/>
+              </a:rPr>
+              <a:t> = </a:t>
+            </a:r>
+            <a:r>
+              <a:rPr lang="en-GB" sz="1800" dirty="0" err="1">
+                <a:solidFill>
+                  <a:srgbClr val="000000"/>
+                </a:solidFill>
+                <a:latin typeface="Cascadia Mono" panose="020B0609020000020004" pitchFamily="49" charset="0"/>
+              </a:rPr>
+              <a:t>message.getNoteNumber</a:t>
+            </a:r>
+            <a:r>
+              <a:rPr lang="en-GB" sz="1800" dirty="0">
+                <a:solidFill>
+                  <a:srgbClr val="000000"/>
+                </a:solidFill>
+                <a:latin typeface="Cascadia Mono" panose="020B0609020000020004" pitchFamily="49" charset="0"/>
+              </a:rPr>
+              <a:t>();</a:t>
+            </a:r>
+          </a:p>
+          <a:p>
+            <a:pPr marL="0" indent="0">
+              <a:buNone/>
+            </a:pPr>
+            <a:r>
+              <a:rPr lang="en-GB" sz="1800" dirty="0">
+                <a:solidFill>
+                  <a:srgbClr val="000000"/>
+                </a:solidFill>
+                <a:latin typeface="Cascadia Mono" panose="020B0609020000020004" pitchFamily="49" charset="0"/>
+              </a:rPr>
+              <a:t>      frequency = </a:t>
+            </a:r>
+            <a:r>
+              <a:rPr lang="en-GB" sz="1800" dirty="0" err="1">
+                <a:solidFill>
+                  <a:srgbClr val="000000"/>
+                </a:solidFill>
+                <a:latin typeface="Cascadia Mono" panose="020B0609020000020004" pitchFamily="49" charset="0"/>
+              </a:rPr>
+              <a:t>message.getMidiNoteInHertz</a:t>
+            </a:r>
+            <a:r>
+              <a:rPr lang="en-GB" sz="1800" dirty="0">
+                <a:solidFill>
+                  <a:srgbClr val="000000"/>
+                </a:solidFill>
+                <a:latin typeface="Cascadia Mono" panose="020B0609020000020004" pitchFamily="49" charset="0"/>
+              </a:rPr>
+              <a:t>(</a:t>
+            </a:r>
+            <a:r>
+              <a:rPr lang="en-GB" sz="1800" dirty="0" err="1">
+                <a:solidFill>
+                  <a:srgbClr val="000000"/>
+                </a:solidFill>
+                <a:latin typeface="Cascadia Mono" panose="020B0609020000020004" pitchFamily="49" charset="0"/>
+              </a:rPr>
+              <a:t>noteNumber</a:t>
+            </a:r>
+            <a:r>
+              <a:rPr lang="en-GB" sz="1800" dirty="0">
+                <a:solidFill>
+                  <a:srgbClr val="000000"/>
+                </a:solidFill>
+                <a:latin typeface="Cascadia Mono" panose="020B0609020000020004" pitchFamily="49" charset="0"/>
+              </a:rPr>
+              <a:t>);</a:t>
+            </a:r>
+          </a:p>
+          <a:p>
+            <a:pPr marL="0" indent="0">
+              <a:buNone/>
+            </a:pPr>
+            <a:r>
+              <a:rPr lang="en-GB" sz="1800" dirty="0">
+                <a:solidFill>
+                  <a:srgbClr val="000000"/>
+                </a:solidFill>
+                <a:latin typeface="Cascadia Mono" panose="020B0609020000020004" pitchFamily="49" charset="0"/>
+              </a:rPr>
+              <a:t>      amplitude = (</a:t>
+            </a:r>
+            <a:r>
+              <a:rPr lang="en-GB" sz="1800" dirty="0">
+                <a:solidFill>
+                  <a:srgbClr val="0000FF"/>
+                </a:solidFill>
+                <a:latin typeface="Cascadia Mono" panose="020B0609020000020004" pitchFamily="49" charset="0"/>
+              </a:rPr>
+              <a:t>float</a:t>
+            </a:r>
+            <a:r>
+              <a:rPr lang="en-GB" sz="1800" dirty="0">
+                <a:solidFill>
+                  <a:srgbClr val="000000"/>
+                </a:solidFill>
+                <a:latin typeface="Cascadia Mono" panose="020B0609020000020004" pitchFamily="49" charset="0"/>
+              </a:rPr>
+              <a:t>) </a:t>
+            </a:r>
+            <a:r>
+              <a:rPr lang="en-GB" sz="1800" dirty="0" err="1">
+                <a:solidFill>
+                  <a:srgbClr val="000000"/>
+                </a:solidFill>
+                <a:latin typeface="Cascadia Mono" panose="020B0609020000020004" pitchFamily="49" charset="0"/>
+              </a:rPr>
+              <a:t>message.getVelocity</a:t>
+            </a:r>
+            <a:r>
+              <a:rPr lang="en-GB" sz="1800" dirty="0">
+                <a:solidFill>
+                  <a:srgbClr val="000000"/>
+                </a:solidFill>
+                <a:latin typeface="Cascadia Mono" panose="020B0609020000020004" pitchFamily="49" charset="0"/>
+              </a:rPr>
+              <a:t>() / 127.0f;</a:t>
+            </a:r>
+          </a:p>
+          <a:p>
+            <a:pPr marL="0" indent="0">
+              <a:buNone/>
+            </a:pPr>
+            <a:r>
+              <a:rPr lang="en-GB" sz="1800">
+                <a:solidFill>
+                  <a:srgbClr val="000000"/>
+                </a:solidFill>
+                <a:latin typeface="Cascadia Mono" panose="020B0609020000020004" pitchFamily="49" charset="0"/>
+              </a:rPr>
+              <a:t>    </a:t>
+            </a:r>
+            <a:r>
+              <a:rPr lang="en-GB" sz="1800" dirty="0">
+                <a:solidFill>
+                  <a:srgbClr val="000000"/>
+                </a:solidFill>
+                <a:latin typeface="Cascadia Mono" panose="020B0609020000020004" pitchFamily="49" charset="0"/>
+              </a:rPr>
+              <a:t>}</a:t>
+            </a:r>
+          </a:p>
+          <a:p>
+            <a:pPr marL="0" indent="0">
+              <a:buNone/>
+            </a:pPr>
+            <a:r>
+              <a:rPr lang="en-GB" sz="1800" dirty="0">
+                <a:solidFill>
+                  <a:srgbClr val="000000"/>
+                </a:solidFill>
+                <a:latin typeface="Cascadia Mono" panose="020B0609020000020004" pitchFamily="49" charset="0"/>
+              </a:rPr>
+              <a:t>    </a:t>
+            </a:r>
+            <a:r>
+              <a:rPr lang="en-GB" sz="1800" dirty="0">
+                <a:solidFill>
+                  <a:srgbClr val="0000FF"/>
+                </a:solidFill>
+                <a:latin typeface="Cascadia Mono" panose="020B0609020000020004" pitchFamily="49" charset="0"/>
+              </a:rPr>
+              <a:t>if</a:t>
+            </a:r>
+            <a:r>
+              <a:rPr lang="en-GB" sz="1800" dirty="0">
+                <a:solidFill>
+                  <a:srgbClr val="000000"/>
+                </a:solidFill>
+                <a:latin typeface="Cascadia Mono" panose="020B0609020000020004" pitchFamily="49" charset="0"/>
+              </a:rPr>
+              <a:t> (</a:t>
+            </a:r>
+            <a:r>
+              <a:rPr lang="en-GB" sz="1800" dirty="0" err="1">
+                <a:solidFill>
+                  <a:srgbClr val="000000"/>
+                </a:solidFill>
+                <a:latin typeface="Cascadia Mono" panose="020B0609020000020004" pitchFamily="49" charset="0"/>
+              </a:rPr>
+              <a:t>message.isNoteOff</a:t>
+            </a:r>
+            <a:r>
+              <a:rPr lang="en-GB" sz="1800" dirty="0">
+                <a:solidFill>
+                  <a:srgbClr val="000000"/>
+                </a:solidFill>
+                <a:latin typeface="Cascadia Mono" panose="020B0609020000020004" pitchFamily="49" charset="0"/>
+              </a:rPr>
+              <a:t>()) amplitude = 0.0f;</a:t>
+            </a:r>
+          </a:p>
+          <a:p>
+            <a:pPr marL="0" indent="0">
+              <a:buNone/>
+            </a:pPr>
+            <a:r>
+              <a:rPr lang="en-GB" sz="1800" dirty="0">
+                <a:solidFill>
+                  <a:srgbClr val="000000"/>
+                </a:solidFill>
+                <a:latin typeface="Cascadia Mono" panose="020B0609020000020004" pitchFamily="49" charset="0"/>
+              </a:rPr>
+              <a:t>  }</a:t>
+            </a:r>
+          </a:p>
+          <a:p>
+            <a:pPr marL="0" indent="0">
+              <a:buNone/>
+            </a:pPr>
+            <a:r>
+              <a:rPr lang="en-GB" sz="1800" dirty="0">
+                <a:solidFill>
+                  <a:srgbClr val="000000"/>
+                </a:solidFill>
+                <a:latin typeface="Cascadia Mono" panose="020B0609020000020004" pitchFamily="49" charset="0"/>
+              </a:rPr>
+              <a:t>  </a:t>
+            </a:r>
+            <a:r>
+              <a:rPr lang="en-GB" sz="1800" dirty="0">
+                <a:solidFill>
+                  <a:srgbClr val="0000FF"/>
+                </a:solidFill>
+                <a:latin typeface="Cascadia Mono" panose="020B0609020000020004" pitchFamily="49" charset="0"/>
+              </a:rPr>
+              <a:t>auto</a:t>
+            </a:r>
+            <a:r>
+              <a:rPr lang="en-GB" sz="1800" dirty="0">
+                <a:solidFill>
+                  <a:srgbClr val="000000"/>
+                </a:solidFill>
+                <a:latin typeface="Cascadia Mono" panose="020B0609020000020004" pitchFamily="49" charset="0"/>
+              </a:rPr>
+              <a:t>* data = </a:t>
+            </a:r>
+            <a:r>
+              <a:rPr lang="en-GB" sz="1800" dirty="0" err="1">
+                <a:solidFill>
+                  <a:srgbClr val="808080"/>
+                </a:solidFill>
+                <a:latin typeface="Cascadia Mono" panose="020B0609020000020004" pitchFamily="49" charset="0"/>
+              </a:rPr>
+              <a:t>buffer</a:t>
+            </a:r>
+            <a:r>
+              <a:rPr lang="en-GB" sz="1800" dirty="0" err="1">
+                <a:solidFill>
+                  <a:srgbClr val="000000"/>
+                </a:solidFill>
+                <a:latin typeface="Cascadia Mono" panose="020B0609020000020004" pitchFamily="49" charset="0"/>
+              </a:rPr>
+              <a:t>.getWritePointer</a:t>
+            </a:r>
+            <a:r>
+              <a:rPr lang="en-GB" sz="1800" dirty="0">
+                <a:solidFill>
+                  <a:srgbClr val="000000"/>
+                </a:solidFill>
+                <a:latin typeface="Cascadia Mono" panose="020B0609020000020004" pitchFamily="49" charset="0"/>
+              </a:rPr>
+              <a:t>(0);</a:t>
+            </a:r>
+          </a:p>
+          <a:p>
+            <a:pPr marL="0" indent="0">
+              <a:buNone/>
+            </a:pPr>
+            <a:r>
+              <a:rPr lang="en-GB" sz="1800" dirty="0">
+                <a:solidFill>
+                  <a:srgbClr val="000000"/>
+                </a:solidFill>
+                <a:latin typeface="Cascadia Mono" panose="020B0609020000020004" pitchFamily="49" charset="0"/>
+              </a:rPr>
+              <a:t>  </a:t>
+            </a:r>
+            <a:r>
+              <a:rPr lang="en-GB" sz="1800" dirty="0">
+                <a:solidFill>
+                  <a:srgbClr val="0000FF"/>
+                </a:solidFill>
+                <a:latin typeface="Cascadia Mono" panose="020B0609020000020004" pitchFamily="49" charset="0"/>
+              </a:rPr>
+              <a:t>for</a:t>
+            </a:r>
+            <a:r>
+              <a:rPr lang="en-GB" sz="1800" dirty="0">
+                <a:solidFill>
+                  <a:srgbClr val="000000"/>
+                </a:solidFill>
+                <a:latin typeface="Cascadia Mono" panose="020B0609020000020004" pitchFamily="49" charset="0"/>
+              </a:rPr>
+              <a:t> (</a:t>
+            </a:r>
+            <a:r>
+              <a:rPr lang="en-GB" sz="1800" dirty="0">
+                <a:solidFill>
+                  <a:srgbClr val="0000FF"/>
+                </a:solidFill>
+                <a:latin typeface="Cascadia Mono" panose="020B0609020000020004" pitchFamily="49" charset="0"/>
+              </a:rPr>
+              <a:t>int</a:t>
+            </a:r>
+            <a:r>
+              <a:rPr lang="en-GB" sz="1800" dirty="0">
+                <a:solidFill>
+                  <a:srgbClr val="000000"/>
+                </a:solidFill>
+                <a:latin typeface="Cascadia Mono" panose="020B0609020000020004" pitchFamily="49" charset="0"/>
+              </a:rPr>
+              <a:t> </a:t>
+            </a:r>
+            <a:r>
+              <a:rPr lang="en-GB" sz="1800" dirty="0" err="1">
+                <a:solidFill>
+                  <a:srgbClr val="000000"/>
+                </a:solidFill>
+                <a:latin typeface="Cascadia Mono" panose="020B0609020000020004" pitchFamily="49" charset="0"/>
+              </a:rPr>
+              <a:t>i</a:t>
+            </a:r>
+            <a:r>
+              <a:rPr lang="en-GB" sz="1800" dirty="0">
+                <a:solidFill>
+                  <a:srgbClr val="000000"/>
+                </a:solidFill>
+                <a:latin typeface="Cascadia Mono" panose="020B0609020000020004" pitchFamily="49" charset="0"/>
+              </a:rPr>
+              <a:t> = 0; </a:t>
+            </a:r>
+            <a:r>
+              <a:rPr lang="en-GB" sz="1800" dirty="0" err="1">
+                <a:solidFill>
+                  <a:srgbClr val="000000"/>
+                </a:solidFill>
+                <a:latin typeface="Cascadia Mono" panose="020B0609020000020004" pitchFamily="49" charset="0"/>
+              </a:rPr>
+              <a:t>i</a:t>
+            </a:r>
+            <a:r>
+              <a:rPr lang="en-GB" sz="1800" dirty="0">
+                <a:solidFill>
+                  <a:srgbClr val="000000"/>
+                </a:solidFill>
+                <a:latin typeface="Cascadia Mono" panose="020B0609020000020004" pitchFamily="49" charset="0"/>
+              </a:rPr>
+              <a:t> &lt; </a:t>
+            </a:r>
+            <a:r>
+              <a:rPr lang="en-GB" sz="1800" dirty="0" err="1">
+                <a:solidFill>
+                  <a:srgbClr val="808080"/>
+                </a:solidFill>
+                <a:latin typeface="Cascadia Mono" panose="020B0609020000020004" pitchFamily="49" charset="0"/>
+              </a:rPr>
+              <a:t>buffer</a:t>
+            </a:r>
+            <a:r>
+              <a:rPr lang="en-GB" sz="1800" dirty="0" err="1">
+                <a:solidFill>
+                  <a:srgbClr val="000000"/>
+                </a:solidFill>
+                <a:latin typeface="Cascadia Mono" panose="020B0609020000020004" pitchFamily="49" charset="0"/>
+              </a:rPr>
+              <a:t>.getNumSamples</a:t>
+            </a:r>
+            <a:r>
+              <a:rPr lang="en-GB" sz="1800" dirty="0">
+                <a:solidFill>
+                  <a:srgbClr val="000000"/>
+                </a:solidFill>
+                <a:latin typeface="Cascadia Mono" panose="020B0609020000020004" pitchFamily="49" charset="0"/>
+              </a:rPr>
+              <a:t>(); ++</a:t>
+            </a:r>
+            <a:r>
+              <a:rPr lang="en-GB" sz="1800" dirty="0" err="1">
+                <a:solidFill>
+                  <a:srgbClr val="000000"/>
+                </a:solidFill>
+                <a:latin typeface="Cascadia Mono" panose="020B0609020000020004" pitchFamily="49" charset="0"/>
+              </a:rPr>
+              <a:t>i</a:t>
+            </a:r>
+            <a:r>
+              <a:rPr lang="en-GB" sz="1800" dirty="0">
+                <a:solidFill>
+                  <a:srgbClr val="000000"/>
+                </a:solidFill>
+                <a:latin typeface="Cascadia Mono" panose="020B0609020000020004" pitchFamily="49" charset="0"/>
+              </a:rPr>
+              <a:t>) {</a:t>
+            </a:r>
+          </a:p>
+          <a:p>
+            <a:pPr marL="0" indent="0">
+              <a:buNone/>
+            </a:pPr>
+            <a:r>
+              <a:rPr lang="en-GB" sz="1800" dirty="0">
+                <a:solidFill>
+                  <a:srgbClr val="000000"/>
+                </a:solidFill>
+                <a:latin typeface="Cascadia Mono" panose="020B0609020000020004" pitchFamily="49" charset="0"/>
+              </a:rPr>
+              <a:t>    data[</a:t>
+            </a:r>
+            <a:r>
+              <a:rPr lang="en-GB" sz="1800" dirty="0" err="1">
+                <a:solidFill>
+                  <a:srgbClr val="000000"/>
+                </a:solidFill>
+                <a:latin typeface="Cascadia Mono" panose="020B0609020000020004" pitchFamily="49" charset="0"/>
+              </a:rPr>
+              <a:t>i</a:t>
+            </a:r>
+            <a:r>
+              <a:rPr lang="en-GB" sz="1800" dirty="0">
+                <a:solidFill>
+                  <a:srgbClr val="000000"/>
+                </a:solidFill>
+                <a:latin typeface="Cascadia Mono" panose="020B0609020000020004" pitchFamily="49" charset="0"/>
+              </a:rPr>
+              <a:t>] = amplitude * std::sin(2.0f * </a:t>
+            </a:r>
+            <a:r>
+              <a:rPr lang="en-GB" sz="1800" dirty="0" err="1">
+                <a:solidFill>
+                  <a:srgbClr val="000000"/>
+                </a:solidFill>
+                <a:latin typeface="Cascadia Mono" panose="020B0609020000020004" pitchFamily="49" charset="0"/>
+              </a:rPr>
+              <a:t>juce</a:t>
+            </a:r>
+            <a:r>
+              <a:rPr lang="en-GB" sz="1800" dirty="0">
+                <a:solidFill>
+                  <a:srgbClr val="000000"/>
+                </a:solidFill>
+                <a:latin typeface="Cascadia Mono" panose="020B0609020000020004" pitchFamily="49" charset="0"/>
+              </a:rPr>
+              <a:t>::</a:t>
+            </a:r>
+            <a:r>
+              <a:rPr lang="en-GB" sz="1800" dirty="0" err="1">
+                <a:solidFill>
+                  <a:srgbClr val="2B91AF"/>
+                </a:solidFill>
+                <a:latin typeface="Cascadia Mono" panose="020B0609020000020004" pitchFamily="49" charset="0"/>
+              </a:rPr>
+              <a:t>MathConstants</a:t>
+            </a:r>
+            <a:r>
+              <a:rPr lang="en-GB" sz="1800" dirty="0">
+                <a:solidFill>
+                  <a:srgbClr val="000000"/>
+                </a:solidFill>
+                <a:latin typeface="Cascadia Mono" panose="020B0609020000020004" pitchFamily="49" charset="0"/>
+              </a:rPr>
+              <a:t>&lt;</a:t>
+            </a:r>
+            <a:r>
+              <a:rPr lang="en-GB" sz="1800" dirty="0">
+                <a:solidFill>
+                  <a:srgbClr val="0000FF"/>
+                </a:solidFill>
+                <a:latin typeface="Cascadia Mono" panose="020B0609020000020004" pitchFamily="49" charset="0"/>
+              </a:rPr>
+              <a:t>double</a:t>
+            </a:r>
+            <a:r>
+              <a:rPr lang="en-GB" sz="1800" dirty="0">
+                <a:solidFill>
+                  <a:srgbClr val="000000"/>
+                </a:solidFill>
+                <a:latin typeface="Cascadia Mono" panose="020B0609020000020004" pitchFamily="49" charset="0"/>
+              </a:rPr>
+              <a:t>&gt;::pi * phase);</a:t>
+            </a:r>
+          </a:p>
+          <a:p>
+            <a:pPr marL="0" indent="0">
+              <a:buNone/>
+            </a:pPr>
+            <a:r>
+              <a:rPr lang="en-GB" sz="1800" dirty="0">
+                <a:solidFill>
+                  <a:srgbClr val="000000"/>
+                </a:solidFill>
+                <a:latin typeface="Cascadia Mono" panose="020B0609020000020004" pitchFamily="49" charset="0"/>
+              </a:rPr>
+              <a:t>    phase += frequency / </a:t>
+            </a:r>
+            <a:r>
+              <a:rPr lang="en-GB" sz="1800" dirty="0" err="1">
+                <a:solidFill>
+                  <a:srgbClr val="000000"/>
+                </a:solidFill>
+                <a:latin typeface="Cascadia Mono" panose="020B0609020000020004" pitchFamily="49" charset="0"/>
+              </a:rPr>
+              <a:t>mySampleRate</a:t>
+            </a:r>
+            <a:r>
+              <a:rPr lang="en-GB" sz="1800" dirty="0">
+                <a:solidFill>
+                  <a:srgbClr val="000000"/>
+                </a:solidFill>
+                <a:latin typeface="Cascadia Mono" panose="020B0609020000020004" pitchFamily="49" charset="0"/>
+              </a:rPr>
+              <a:t>;</a:t>
+            </a:r>
+          </a:p>
+          <a:p>
+            <a:pPr marL="0" indent="0">
+              <a:buNone/>
+            </a:pPr>
+            <a:r>
+              <a:rPr lang="en-GB" sz="1800" dirty="0">
+                <a:solidFill>
+                  <a:srgbClr val="000000"/>
+                </a:solidFill>
+                <a:latin typeface="Cascadia Mono" panose="020B0609020000020004" pitchFamily="49" charset="0"/>
+              </a:rPr>
+              <a:t>    </a:t>
+            </a:r>
+            <a:r>
+              <a:rPr lang="en-GB" sz="1800" dirty="0">
+                <a:solidFill>
+                  <a:srgbClr val="008000"/>
+                </a:solidFill>
+                <a:latin typeface="Cascadia Mono" panose="020B0609020000020004" pitchFamily="49" charset="0"/>
+              </a:rPr>
+              <a:t>// </a:t>
+            </a:r>
+            <a:r>
+              <a:rPr lang="en-GB" sz="1800" dirty="0" err="1">
+                <a:solidFill>
+                  <a:srgbClr val="008000"/>
+                </a:solidFill>
+                <a:latin typeface="Cascadia Mono" panose="020B0609020000020004" pitchFamily="49" charset="0"/>
+              </a:rPr>
+              <a:t>fmod</a:t>
+            </a:r>
+            <a:r>
+              <a:rPr lang="en-GB" sz="1800" dirty="0">
+                <a:solidFill>
+                  <a:srgbClr val="008000"/>
+                </a:solidFill>
+                <a:latin typeface="Cascadia Mono" panose="020B0609020000020004" pitchFamily="49" charset="0"/>
+              </a:rPr>
+              <a:t>(</a:t>
+            </a:r>
+            <a:r>
+              <a:rPr lang="en-GB" sz="1800" dirty="0" err="1">
+                <a:solidFill>
+                  <a:srgbClr val="008000"/>
+                </a:solidFill>
+                <a:latin typeface="Cascadia Mono" panose="020B0609020000020004" pitchFamily="49" charset="0"/>
+              </a:rPr>
+              <a:t>x,y</a:t>
+            </a:r>
+            <a:r>
+              <a:rPr lang="en-GB" sz="1800" dirty="0">
+                <a:solidFill>
+                  <a:srgbClr val="008000"/>
+                </a:solidFill>
+                <a:latin typeface="Cascadia Mono" panose="020B0609020000020004" pitchFamily="49" charset="0"/>
+              </a:rPr>
+              <a:t>) returns the remainder of x/y. (Neat way of wrapping the phase.)</a:t>
+            </a:r>
+            <a:endParaRPr lang="en-GB" sz="1800" dirty="0">
+              <a:solidFill>
+                <a:srgbClr val="000000"/>
+              </a:solidFill>
+              <a:latin typeface="Cascadia Mono" panose="020B0609020000020004" pitchFamily="49" charset="0"/>
+            </a:endParaRPr>
+          </a:p>
+          <a:p>
+            <a:pPr marL="0" indent="0">
+              <a:buNone/>
+            </a:pPr>
+            <a:r>
+              <a:rPr lang="en-GB" sz="1800" dirty="0">
+                <a:solidFill>
+                  <a:srgbClr val="000000"/>
+                </a:solidFill>
+                <a:latin typeface="Cascadia Mono" panose="020B0609020000020004" pitchFamily="49" charset="0"/>
+              </a:rPr>
+              <a:t>    phase = (</a:t>
+            </a:r>
+            <a:r>
+              <a:rPr lang="en-GB" sz="1800" dirty="0">
+                <a:solidFill>
+                  <a:srgbClr val="0000FF"/>
+                </a:solidFill>
+                <a:latin typeface="Cascadia Mono" panose="020B0609020000020004" pitchFamily="49" charset="0"/>
+              </a:rPr>
+              <a:t>float</a:t>
+            </a:r>
+            <a:r>
+              <a:rPr lang="en-GB" sz="1800" dirty="0">
+                <a:solidFill>
+                  <a:srgbClr val="000000"/>
+                </a:solidFill>
+                <a:latin typeface="Cascadia Mono" panose="020B0609020000020004" pitchFamily="49" charset="0"/>
+              </a:rPr>
+              <a:t>)</a:t>
+            </a:r>
+            <a:r>
+              <a:rPr lang="en-GB" sz="1800" dirty="0" err="1">
+                <a:solidFill>
+                  <a:srgbClr val="000000"/>
+                </a:solidFill>
+                <a:latin typeface="Cascadia Mono" panose="020B0609020000020004" pitchFamily="49" charset="0"/>
+              </a:rPr>
+              <a:t>fmod</a:t>
+            </a:r>
+            <a:r>
+              <a:rPr lang="en-GB" sz="1800" dirty="0">
+                <a:solidFill>
+                  <a:srgbClr val="000000"/>
+                </a:solidFill>
+                <a:latin typeface="Cascadia Mono" panose="020B0609020000020004" pitchFamily="49" charset="0"/>
+              </a:rPr>
+              <a:t>(phase, 1.0f);</a:t>
+            </a:r>
+          </a:p>
+          <a:p>
+            <a:pPr marL="0" indent="0">
+              <a:buNone/>
+            </a:pPr>
+            <a:r>
+              <a:rPr lang="en-GB" sz="1800" dirty="0">
+                <a:solidFill>
+                  <a:srgbClr val="000000"/>
+                </a:solidFill>
+                <a:latin typeface="Cascadia Mono" panose="020B0609020000020004" pitchFamily="49" charset="0"/>
+              </a:rPr>
+              <a:t>  }</a:t>
+            </a:r>
+          </a:p>
+          <a:p>
+            <a:pPr marL="0" indent="0">
+              <a:buNone/>
+            </a:pPr>
+            <a:r>
+              <a:rPr lang="en-GB" sz="1800" dirty="0">
+                <a:solidFill>
+                  <a:srgbClr val="000000"/>
+                </a:solidFill>
+                <a:latin typeface="Cascadia Mono" panose="020B0609020000020004" pitchFamily="49" charset="0"/>
+              </a:rPr>
+              <a:t>  </a:t>
+            </a:r>
+            <a:r>
+              <a:rPr lang="en-GB" sz="1800" dirty="0">
+                <a:solidFill>
+                  <a:srgbClr val="0000FF"/>
+                </a:solidFill>
+                <a:latin typeface="Cascadia Mono" panose="020B0609020000020004" pitchFamily="49" charset="0"/>
+              </a:rPr>
+              <a:t>for</a:t>
+            </a:r>
+            <a:r>
+              <a:rPr lang="en-GB" sz="1800" dirty="0">
+                <a:solidFill>
+                  <a:srgbClr val="000000"/>
+                </a:solidFill>
+                <a:latin typeface="Cascadia Mono" panose="020B0609020000020004" pitchFamily="49" charset="0"/>
+              </a:rPr>
+              <a:t> (</a:t>
+            </a:r>
+            <a:r>
+              <a:rPr lang="en-GB" sz="1800" dirty="0">
+                <a:solidFill>
+                  <a:srgbClr val="0000FF"/>
+                </a:solidFill>
+                <a:latin typeface="Cascadia Mono" panose="020B0609020000020004" pitchFamily="49" charset="0"/>
+              </a:rPr>
+              <a:t>int</a:t>
+            </a:r>
+            <a:r>
+              <a:rPr lang="en-GB" sz="1800" dirty="0">
+                <a:solidFill>
+                  <a:srgbClr val="000000"/>
+                </a:solidFill>
+                <a:latin typeface="Cascadia Mono" panose="020B0609020000020004" pitchFamily="49" charset="0"/>
+              </a:rPr>
+              <a:t> </a:t>
+            </a:r>
+            <a:r>
+              <a:rPr lang="en-GB" sz="1800" dirty="0" err="1">
+                <a:solidFill>
+                  <a:srgbClr val="000000"/>
+                </a:solidFill>
+                <a:latin typeface="Cascadia Mono" panose="020B0609020000020004" pitchFamily="49" charset="0"/>
+              </a:rPr>
+              <a:t>i</a:t>
+            </a:r>
+            <a:r>
+              <a:rPr lang="en-GB" sz="1800" dirty="0">
+                <a:solidFill>
+                  <a:srgbClr val="000000"/>
+                </a:solidFill>
+                <a:latin typeface="Cascadia Mono" panose="020B0609020000020004" pitchFamily="49" charset="0"/>
+              </a:rPr>
+              <a:t> = 1; </a:t>
+            </a:r>
+            <a:r>
+              <a:rPr lang="en-GB" sz="1800" dirty="0" err="1">
+                <a:solidFill>
+                  <a:srgbClr val="000000"/>
+                </a:solidFill>
+                <a:latin typeface="Cascadia Mono" panose="020B0609020000020004" pitchFamily="49" charset="0"/>
+              </a:rPr>
+              <a:t>i</a:t>
+            </a:r>
+            <a:r>
+              <a:rPr lang="en-GB" sz="1800" dirty="0">
+                <a:solidFill>
+                  <a:srgbClr val="000000"/>
+                </a:solidFill>
+                <a:latin typeface="Cascadia Mono" panose="020B0609020000020004" pitchFamily="49" charset="0"/>
+              </a:rPr>
+              <a:t> &lt; </a:t>
+            </a:r>
+            <a:r>
+              <a:rPr lang="en-GB" sz="1800" dirty="0" err="1">
+                <a:solidFill>
+                  <a:srgbClr val="000000"/>
+                </a:solidFill>
+                <a:latin typeface="Cascadia Mono" panose="020B0609020000020004" pitchFamily="49" charset="0"/>
+              </a:rPr>
+              <a:t>getTotalNumOutputChannels</a:t>
+            </a:r>
+            <a:r>
+              <a:rPr lang="en-GB" sz="1800" dirty="0">
+                <a:solidFill>
+                  <a:srgbClr val="000000"/>
+                </a:solidFill>
+                <a:latin typeface="Cascadia Mono" panose="020B0609020000020004" pitchFamily="49" charset="0"/>
+              </a:rPr>
+              <a:t>(); ++</a:t>
+            </a:r>
+            <a:r>
+              <a:rPr lang="en-GB" sz="1800" dirty="0" err="1">
+                <a:solidFill>
+                  <a:srgbClr val="000000"/>
+                </a:solidFill>
+                <a:latin typeface="Cascadia Mono" panose="020B0609020000020004" pitchFamily="49" charset="0"/>
+              </a:rPr>
+              <a:t>i</a:t>
+            </a:r>
+            <a:r>
+              <a:rPr lang="en-GB" sz="1800" dirty="0">
+                <a:solidFill>
+                  <a:srgbClr val="000000"/>
+                </a:solidFill>
+                <a:latin typeface="Cascadia Mono" panose="020B0609020000020004" pitchFamily="49" charset="0"/>
+              </a:rPr>
+              <a:t>)</a:t>
+            </a:r>
+          </a:p>
+          <a:p>
+            <a:pPr marL="0" indent="0">
+              <a:buNone/>
+            </a:pPr>
+            <a:r>
+              <a:rPr lang="en-GB" sz="1800" dirty="0">
+                <a:solidFill>
+                  <a:srgbClr val="000000"/>
+                </a:solidFill>
+                <a:latin typeface="Cascadia Mono" panose="020B0609020000020004" pitchFamily="49" charset="0"/>
+              </a:rPr>
+              <a:t>    </a:t>
+            </a:r>
+            <a:r>
+              <a:rPr lang="en-GB" sz="1800" dirty="0" err="1">
+                <a:solidFill>
+                  <a:srgbClr val="808080"/>
+                </a:solidFill>
+                <a:latin typeface="Cascadia Mono" panose="020B0609020000020004" pitchFamily="49" charset="0"/>
+              </a:rPr>
+              <a:t>buffer</a:t>
+            </a:r>
+            <a:r>
+              <a:rPr lang="en-GB" sz="1800" dirty="0" err="1">
+                <a:solidFill>
+                  <a:srgbClr val="000000"/>
+                </a:solidFill>
+                <a:latin typeface="Cascadia Mono" panose="020B0609020000020004" pitchFamily="49" charset="0"/>
+              </a:rPr>
+              <a:t>.copyFrom</a:t>
+            </a:r>
+            <a:r>
+              <a:rPr lang="en-GB" sz="1800" dirty="0">
+                <a:solidFill>
+                  <a:srgbClr val="000000"/>
+                </a:solidFill>
+                <a:latin typeface="Cascadia Mono" panose="020B0609020000020004" pitchFamily="49" charset="0"/>
+              </a:rPr>
+              <a:t>(</a:t>
+            </a:r>
+            <a:r>
+              <a:rPr lang="en-GB" sz="1800" dirty="0" err="1">
+                <a:solidFill>
+                  <a:srgbClr val="000000"/>
+                </a:solidFill>
+                <a:latin typeface="Cascadia Mono" panose="020B0609020000020004" pitchFamily="49" charset="0"/>
+              </a:rPr>
+              <a:t>i</a:t>
+            </a:r>
+            <a:r>
+              <a:rPr lang="en-GB" sz="1800" dirty="0">
+                <a:solidFill>
+                  <a:srgbClr val="000000"/>
+                </a:solidFill>
+                <a:latin typeface="Cascadia Mono" panose="020B0609020000020004" pitchFamily="49" charset="0"/>
+              </a:rPr>
+              <a:t>, 0, </a:t>
+            </a:r>
+            <a:r>
+              <a:rPr lang="en-GB" sz="1800" dirty="0" err="1">
+                <a:solidFill>
+                  <a:srgbClr val="808080"/>
+                </a:solidFill>
+                <a:latin typeface="Cascadia Mono" panose="020B0609020000020004" pitchFamily="49" charset="0"/>
+              </a:rPr>
+              <a:t>buffer</a:t>
+            </a:r>
+            <a:r>
+              <a:rPr lang="en-GB" sz="1800" dirty="0" err="1">
+                <a:solidFill>
+                  <a:srgbClr val="000000"/>
+                </a:solidFill>
+                <a:latin typeface="Cascadia Mono" panose="020B0609020000020004" pitchFamily="49" charset="0"/>
+              </a:rPr>
+              <a:t>.getReadPointer</a:t>
+            </a:r>
+            <a:r>
+              <a:rPr lang="en-GB" sz="1800" dirty="0">
+                <a:solidFill>
+                  <a:srgbClr val="000000"/>
+                </a:solidFill>
+                <a:latin typeface="Cascadia Mono" panose="020B0609020000020004" pitchFamily="49" charset="0"/>
+              </a:rPr>
+              <a:t>(0), </a:t>
+            </a:r>
+            <a:r>
+              <a:rPr lang="en-GB" sz="1800" dirty="0" err="1">
+                <a:solidFill>
+                  <a:srgbClr val="808080"/>
+                </a:solidFill>
+                <a:latin typeface="Cascadia Mono" panose="020B0609020000020004" pitchFamily="49" charset="0"/>
+              </a:rPr>
+              <a:t>buffer</a:t>
+            </a:r>
+            <a:r>
+              <a:rPr lang="en-GB" sz="1800" dirty="0" err="1">
+                <a:solidFill>
+                  <a:srgbClr val="000000"/>
+                </a:solidFill>
+                <a:latin typeface="Cascadia Mono" panose="020B0609020000020004" pitchFamily="49" charset="0"/>
+              </a:rPr>
+              <a:t>.getNumSamples</a:t>
+            </a:r>
+            <a:r>
+              <a:rPr lang="en-GB" sz="1800" dirty="0">
+                <a:solidFill>
+                  <a:srgbClr val="000000"/>
+                </a:solidFill>
+                <a:latin typeface="Cascadia Mono" panose="020B0609020000020004" pitchFamily="49" charset="0"/>
+              </a:rPr>
+              <a:t>());</a:t>
+            </a:r>
+          </a:p>
+          <a:p>
+            <a:r>
+              <a:rPr lang="en-GB" sz="1800" dirty="0">
+                <a:solidFill>
+                  <a:srgbClr val="000000"/>
+                </a:solidFill>
+                <a:latin typeface="Cascadia Mono" panose="020B0609020000020004" pitchFamily="49" charset="0"/>
+              </a:rPr>
+              <a:t>}</a:t>
+            </a:r>
+            <a:endParaRPr lang="en-GB" dirty="0"/>
+          </a:p>
+          <a:p>
+            <a:endParaRPr lang="en-GB" dirty="0"/>
+          </a:p>
+        </p:txBody>
+      </p:sp>
+    </p:spTree>
+    <p:extLst>
+      <p:ext uri="{BB962C8B-B14F-4D97-AF65-F5344CB8AC3E}">
+        <p14:creationId xmlns:p14="http://schemas.microsoft.com/office/powerpoint/2010/main" val="1110137330"/>
+      </p:ext>
+    </p:extLst>
+  </p:cSld>
+  <p:clrMapOvr>
+    <a:masterClrMapping/>
+  </p:clrMapOvr>
+</p:sld>
+</file>
+
+<file path=ppt/slides/slide5.xml><?xml version="1.0" encoding="utf-8"?>
 <p:sld xmlns:a="http://schemas.openxmlformats.org/drawingml/2006/main" xmlns:r="http://schemas.openxmlformats.org/officeDocument/2006/relationships" xmlns:p="http://schemas.openxmlformats.org/presentationml/2006/main">
   <p:cSld>
     <p:spTree>
@@ -4257,289 +6769,7 @@
           <a:p>
             <a:r>
               <a:rPr lang="en-GB" dirty="0"/>
-              <a:t>Beyond Hello World</a:t>
-            </a:r>
-          </a:p>
-        </p:txBody>
-      </p:sp>
-      <p:sp>
-        <p:nvSpPr>
-          <p:cNvPr id="3" name="Content Placeholder 2">
-            <a:extLst>
-              <a:ext uri="{FF2B5EF4-FFF2-40B4-BE49-F238E27FC236}">
-                <a16:creationId xmlns:a16="http://schemas.microsoft.com/office/drawing/2014/main" id="{08A63C16-FF94-1B7F-F3EF-674DA8CB6ABA}"/>
-              </a:ext>
-            </a:extLst>
-          </p:cNvPr>
-          <p:cNvSpPr>
-            <a:spLocks noGrp="1"/>
-          </p:cNvSpPr>
-          <p:nvPr>
-            <p:ph idx="1"/>
-          </p:nvPr>
-        </p:nvSpPr>
-        <p:spPr>
-          <a:xfrm>
-            <a:off x="438665" y="1223319"/>
-            <a:ext cx="10915135" cy="4953644"/>
-          </a:xfrm>
-        </p:spPr>
-        <p:txBody>
-          <a:bodyPr>
-            <a:normAutofit/>
-          </a:bodyPr>
-          <a:lstStyle/>
-          <a:p>
-            <a:r>
-              <a:rPr lang="en-GB" dirty="0"/>
-              <a:t>Now lets make sound from Midi</a:t>
-            </a:r>
-          </a:p>
-          <a:p>
-            <a:r>
-              <a:rPr lang="en-GB" dirty="0"/>
-              <a:t>A simple monophonic synthesiser</a:t>
-            </a:r>
-          </a:p>
-          <a:p>
-            <a:r>
-              <a:rPr lang="en-GB" dirty="0"/>
-              <a:t>It just plays a sine wave at the frequency corresponding to the Midi note</a:t>
-            </a:r>
-          </a:p>
-          <a:p>
-            <a:r>
-              <a:rPr lang="en-GB" dirty="0"/>
-              <a:t>Only one note at a time</a:t>
-            </a:r>
-          </a:p>
-          <a:p>
-            <a:r>
-              <a:rPr lang="en-GB" dirty="0"/>
-              <a:t>At time t, play </a:t>
-            </a:r>
-            <a:r>
-              <a:rPr lang="en-GB" dirty="0">
-                <a:latin typeface="Times New Roman" panose="02020603050405020304" pitchFamily="18" charset="0"/>
-                <a:cs typeface="Times New Roman" panose="02020603050405020304" pitchFamily="18" charset="0"/>
-              </a:rPr>
-              <a:t>sin(2</a:t>
-            </a:r>
-            <a:r>
-              <a:rPr lang="en-GB" dirty="0">
-                <a:latin typeface="Symbol" panose="05050102010706020507" pitchFamily="18" charset="2"/>
-              </a:rPr>
-              <a:t>p</a:t>
-            </a:r>
-            <a:r>
-              <a:rPr lang="en-GB" i="1" dirty="0">
-                <a:latin typeface="Times New Roman" panose="02020603050405020304" pitchFamily="18" charset="0"/>
-                <a:cs typeface="Times New Roman" panose="02020603050405020304" pitchFamily="18" charset="0"/>
-              </a:rPr>
-              <a:t>ft</a:t>
-            </a:r>
-            <a:r>
-              <a:rPr lang="en-GB" dirty="0">
-                <a:latin typeface="Times New Roman" panose="02020603050405020304" pitchFamily="18" charset="0"/>
-                <a:cs typeface="Times New Roman" panose="02020603050405020304" pitchFamily="18" charset="0"/>
-              </a:rPr>
-              <a:t>)</a:t>
-            </a:r>
-          </a:p>
-          <a:p>
-            <a:pPr>
-              <a:buFont typeface="Wingdings" panose="05000000000000000000" pitchFamily="2" charset="2"/>
-              <a:buChar char="à"/>
-            </a:pPr>
-            <a:r>
-              <a:rPr lang="en-GB" dirty="0">
-                <a:latin typeface="Times New Roman" panose="02020603050405020304" pitchFamily="18" charset="0"/>
-                <a:cs typeface="Times New Roman" panose="02020603050405020304" pitchFamily="18" charset="0"/>
-                <a:sym typeface="Wingdings" panose="05000000000000000000" pitchFamily="2" charset="2"/>
-              </a:rPr>
-              <a:t>At sample </a:t>
-            </a:r>
-            <a:r>
-              <a:rPr lang="en-GB" i="1" dirty="0">
-                <a:latin typeface="Times New Roman" panose="02020603050405020304" pitchFamily="18" charset="0"/>
-                <a:cs typeface="Times New Roman" panose="02020603050405020304" pitchFamily="18" charset="0"/>
-                <a:sym typeface="Wingdings" panose="05000000000000000000" pitchFamily="2" charset="2"/>
-              </a:rPr>
-              <a:t>n</a:t>
-            </a:r>
-            <a:r>
-              <a:rPr lang="en-GB" dirty="0">
-                <a:latin typeface="Times New Roman" panose="02020603050405020304" pitchFamily="18" charset="0"/>
-                <a:cs typeface="Times New Roman" panose="02020603050405020304" pitchFamily="18" charset="0"/>
-                <a:sym typeface="Wingdings" panose="05000000000000000000" pitchFamily="2" charset="2"/>
-              </a:rPr>
-              <a:t>, play </a:t>
-            </a:r>
-            <a:r>
-              <a:rPr lang="en-GB" dirty="0">
-                <a:latin typeface="Times New Roman" panose="02020603050405020304" pitchFamily="18" charset="0"/>
-                <a:cs typeface="Times New Roman" panose="02020603050405020304" pitchFamily="18" charset="0"/>
-              </a:rPr>
-              <a:t>sin(2</a:t>
-            </a:r>
-            <a:r>
-              <a:rPr lang="en-GB" dirty="0">
-                <a:latin typeface="Symbol" panose="05050102010706020507" pitchFamily="18" charset="2"/>
-              </a:rPr>
-              <a:t>p</a:t>
-            </a:r>
-            <a:r>
-              <a:rPr lang="en-GB" i="1" dirty="0">
-                <a:latin typeface="Times New Roman" panose="02020603050405020304" pitchFamily="18" charset="0"/>
-                <a:cs typeface="Times New Roman" panose="02020603050405020304" pitchFamily="18" charset="0"/>
-              </a:rPr>
-              <a:t>f </a:t>
-            </a:r>
-            <a:r>
-              <a:rPr lang="en-GB" dirty="0">
-                <a:latin typeface="Times New Roman" panose="02020603050405020304" pitchFamily="18" charset="0"/>
-                <a:cs typeface="Times New Roman" panose="02020603050405020304" pitchFamily="18" charset="0"/>
-              </a:rPr>
-              <a:t>(</a:t>
-            </a:r>
-            <a:r>
-              <a:rPr lang="en-GB" i="1" dirty="0">
-                <a:latin typeface="Times New Roman" panose="02020603050405020304" pitchFamily="18" charset="0"/>
-                <a:cs typeface="Times New Roman" panose="02020603050405020304" pitchFamily="18" charset="0"/>
-              </a:rPr>
-              <a:t>n / f</a:t>
-            </a:r>
-            <a:r>
-              <a:rPr lang="en-GB" i="1" baseline="-25000" dirty="0">
-                <a:latin typeface="Times New Roman" panose="02020603050405020304" pitchFamily="18" charset="0"/>
-                <a:cs typeface="Times New Roman" panose="02020603050405020304" pitchFamily="18" charset="0"/>
-              </a:rPr>
-              <a:t>s</a:t>
-            </a:r>
-            <a:r>
-              <a:rPr lang="en-GB" dirty="0">
-                <a:latin typeface="Times New Roman" panose="02020603050405020304" pitchFamily="18" charset="0"/>
-                <a:cs typeface="Times New Roman" panose="02020603050405020304" pitchFamily="18" charset="0"/>
-              </a:rPr>
-              <a:t>))</a:t>
-            </a:r>
-          </a:p>
-          <a:p>
-            <a:pPr lvl="1"/>
-            <a:r>
-              <a:rPr lang="en-GB" i="1" dirty="0">
-                <a:latin typeface="Times New Roman" panose="02020603050405020304" pitchFamily="18" charset="0"/>
-                <a:cs typeface="Times New Roman" panose="02020603050405020304" pitchFamily="18" charset="0"/>
-              </a:rPr>
-              <a:t>f - frequency</a:t>
-            </a:r>
-          </a:p>
-          <a:p>
-            <a:pPr lvl="1"/>
-            <a:r>
-              <a:rPr lang="en-GB" i="1" dirty="0">
-                <a:latin typeface="Times New Roman" panose="02020603050405020304" pitchFamily="18" charset="0"/>
-                <a:cs typeface="Times New Roman" panose="02020603050405020304" pitchFamily="18" charset="0"/>
-              </a:rPr>
-              <a:t>t - time</a:t>
-            </a:r>
-          </a:p>
-          <a:p>
-            <a:pPr lvl="1"/>
-            <a:r>
-              <a:rPr lang="en-GB" i="1" dirty="0">
-                <a:latin typeface="Times New Roman" panose="02020603050405020304" pitchFamily="18" charset="0"/>
-                <a:cs typeface="Times New Roman" panose="02020603050405020304" pitchFamily="18" charset="0"/>
-              </a:rPr>
-              <a:t>n – sample number</a:t>
-            </a:r>
-          </a:p>
-          <a:p>
-            <a:pPr lvl="1"/>
-            <a:r>
-              <a:rPr lang="en-GB" i="1" dirty="0">
-                <a:latin typeface="Times New Roman" panose="02020603050405020304" pitchFamily="18" charset="0"/>
-                <a:cs typeface="Times New Roman" panose="02020603050405020304" pitchFamily="18" charset="0"/>
-              </a:rPr>
-              <a:t>F</a:t>
-            </a:r>
-            <a:r>
-              <a:rPr lang="en-GB" i="1" baseline="-25000" dirty="0">
-                <a:latin typeface="Times New Roman" panose="02020603050405020304" pitchFamily="18" charset="0"/>
-                <a:cs typeface="Times New Roman" panose="02020603050405020304" pitchFamily="18" charset="0"/>
-              </a:rPr>
-              <a:t>s – sampling frequency</a:t>
-            </a:r>
-            <a:endParaRPr lang="en-GB" dirty="0">
-              <a:latin typeface="Times New Roman" panose="02020603050405020304" pitchFamily="18" charset="0"/>
-              <a:cs typeface="Times New Roman" panose="02020603050405020304" pitchFamily="18" charset="0"/>
-            </a:endParaRPr>
-          </a:p>
-          <a:p>
-            <a:pPr marL="0" indent="0">
-              <a:buNone/>
-            </a:pPr>
-            <a:endParaRPr lang="en-GB" dirty="0">
-              <a:latin typeface="Times New Roman" panose="02020603050405020304" pitchFamily="18" charset="0"/>
-              <a:cs typeface="Times New Roman" panose="02020603050405020304" pitchFamily="18" charset="0"/>
-            </a:endParaRPr>
-          </a:p>
-        </p:txBody>
-      </p:sp>
-    </p:spTree>
-    <p:extLst>
-      <p:ext uri="{BB962C8B-B14F-4D97-AF65-F5344CB8AC3E}">
-        <p14:creationId xmlns:p14="http://schemas.microsoft.com/office/powerpoint/2010/main" val="2597113808"/>
-      </p:ext>
-    </p:extLst>
-  </p:cSld>
-  <p:clrMapOvr>
-    <a:masterClrMapping/>
-  </p:clrMapOvr>
-</p:sld>
-</file>
-
-<file path=ppt/slides/slide4.xml><?xml version="1.0" encoding="utf-8"?>
-<p:sld xmlns:a="http://schemas.openxmlformats.org/drawingml/2006/main" xmlns:r="http://schemas.openxmlformats.org/officeDocument/2006/relationships" xmlns:p="http://schemas.openxmlformats.org/presentationml/2006/main">
-  <p:cSld>
-    <p:spTree>
-      <p:nvGrpSpPr>
-        <p:cNvPr id="1" name=""/>
-        <p:cNvGrpSpPr/>
-        <p:nvPr/>
-      </p:nvGrpSpPr>
-      <p:grpSpPr>
-        <a:xfrm>
-          <a:off x="0" y="0"/>
-          <a:ext cx="0" cy="0"/>
-          <a:chOff x="0" y="0"/>
-          <a:chExt cx="0" cy="0"/>
-        </a:xfrm>
-      </p:grpSpPr>
-      <p:sp>
-        <p:nvSpPr>
-          <p:cNvPr id="2" name="Title 1">
-            <a:extLst>
-              <a:ext uri="{FF2B5EF4-FFF2-40B4-BE49-F238E27FC236}">
-                <a16:creationId xmlns:a16="http://schemas.microsoft.com/office/drawing/2014/main" id="{A9E8BB98-D14C-5699-EC59-EAF92E681025}"/>
-              </a:ext>
-            </a:extLst>
-          </p:cNvPr>
-          <p:cNvSpPr>
-            <a:spLocks noGrp="1"/>
-          </p:cNvSpPr>
-          <p:nvPr>
-            <p:ph type="title"/>
-          </p:nvPr>
-        </p:nvSpPr>
-        <p:spPr/>
-        <p:txBody>
-          <a:bodyPr/>
-          <a:lstStyle/>
-          <a:p>
-            <a:r>
-              <a:rPr lang="en-GB" dirty="0"/>
-              <a:t>Beyond Hello World</a:t>
+              <a:t>Beyond Hello World - polyphony</a:t>
             </a:r>
           </a:p>
         </p:txBody>
@@ -4760,659 +6990,6 @@
     <p:extLst>
       <p:ext uri="{BB962C8B-B14F-4D97-AF65-F5344CB8AC3E}">
         <p14:creationId xmlns:p14="http://schemas.microsoft.com/office/powerpoint/2010/main" val="2091259775"/>
-      </p:ext>
-    </p:extLst>
-  </p:cSld>
-  <p:clrMapOvr>
-    <a:masterClrMapping/>
-  </p:clrMapOvr>
-</p:sld>
-</file>
-
-<file path=ppt/slides/slide5.xml><?xml version="1.0" encoding="utf-8"?>
-<p:sld xmlns:a="http://schemas.openxmlformats.org/drawingml/2006/main" xmlns:r="http://schemas.openxmlformats.org/officeDocument/2006/relationships" xmlns:p="http://schemas.openxmlformats.org/presentationml/2006/main">
-  <p:cSld>
-    <p:spTree>
-      <p:nvGrpSpPr>
-        <p:cNvPr id="1" name=""/>
-        <p:cNvGrpSpPr/>
-        <p:nvPr/>
-      </p:nvGrpSpPr>
-      <p:grpSpPr>
-        <a:xfrm>
-          <a:off x="0" y="0"/>
-          <a:ext cx="0" cy="0"/>
-          <a:chOff x="0" y="0"/>
-          <a:chExt cx="0" cy="0"/>
-        </a:xfrm>
-      </p:grpSpPr>
-      <p:sp>
-        <p:nvSpPr>
-          <p:cNvPr id="2" name="Title 1">
-            <a:extLst>
-              <a:ext uri="{FF2B5EF4-FFF2-40B4-BE49-F238E27FC236}">
-                <a16:creationId xmlns:a16="http://schemas.microsoft.com/office/drawing/2014/main" id="{C7F6787B-E980-6BB4-5BD5-99D66F801DAA}"/>
-              </a:ext>
-            </a:extLst>
-          </p:cNvPr>
-          <p:cNvSpPr>
-            <a:spLocks noGrp="1"/>
-          </p:cNvSpPr>
-          <p:nvPr>
-            <p:ph type="title"/>
-          </p:nvPr>
-        </p:nvSpPr>
-        <p:spPr/>
-        <p:txBody>
-          <a:bodyPr/>
-          <a:lstStyle/>
-          <a:p>
-            <a:r>
-              <a:rPr lang="en-GB" dirty="0"/>
-              <a:t>Custom </a:t>
-            </a:r>
-            <a:r>
-              <a:rPr lang="en-GB" dirty="0" err="1"/>
-              <a:t>SynthesiserSound</a:t>
-            </a:r>
-            <a:r>
-              <a:rPr lang="en-GB" dirty="0"/>
-              <a:t> Class</a:t>
-            </a:r>
-          </a:p>
-        </p:txBody>
-      </p:sp>
-      <p:sp>
-        <p:nvSpPr>
-          <p:cNvPr id="3" name="Content Placeholder 2">
-            <a:extLst>
-              <a:ext uri="{FF2B5EF4-FFF2-40B4-BE49-F238E27FC236}">
-                <a16:creationId xmlns:a16="http://schemas.microsoft.com/office/drawing/2014/main" id="{97951B13-A311-CA68-2250-E7ABA3044678}"/>
-              </a:ext>
-            </a:extLst>
-          </p:cNvPr>
-          <p:cNvSpPr>
-            <a:spLocks noGrp="1"/>
-          </p:cNvSpPr>
-          <p:nvPr>
-            <p:ph idx="1"/>
-          </p:nvPr>
-        </p:nvSpPr>
-        <p:spPr>
-          <a:xfrm>
-            <a:off x="606056" y="1060515"/>
-            <a:ext cx="10547817" cy="2974541"/>
-          </a:xfrm>
-        </p:spPr>
-        <p:txBody>
-          <a:bodyPr>
-            <a:normAutofit lnSpcReduction="10000"/>
-          </a:bodyPr>
-          <a:lstStyle/>
-          <a:p>
-            <a:pPr marL="0" indent="0">
-              <a:lnSpc>
-                <a:spcPct val="110000"/>
-              </a:lnSpc>
-              <a:spcBef>
-                <a:spcPts val="400"/>
-              </a:spcBef>
-              <a:buNone/>
-            </a:pPr>
-            <a:r>
-              <a:rPr lang="en-GB" sz="3200" dirty="0"/>
-              <a:t>SineWaveSound class</a:t>
-            </a:r>
-          </a:p>
-          <a:p>
-            <a:pPr>
-              <a:lnSpc>
-                <a:spcPct val="110000"/>
-              </a:lnSpc>
-              <a:spcBef>
-                <a:spcPts val="400"/>
-              </a:spcBef>
-            </a:pPr>
-            <a:r>
-              <a:rPr lang="en-GB" dirty="0"/>
-              <a:t>might store data needed to create sound, such as wavetable</a:t>
-            </a:r>
-          </a:p>
-          <a:p>
-            <a:pPr>
-              <a:lnSpc>
-                <a:spcPct val="110000"/>
-              </a:lnSpc>
-              <a:spcBef>
-                <a:spcPts val="400"/>
-              </a:spcBef>
-            </a:pPr>
-            <a:r>
-              <a:rPr lang="en-GB" dirty="0"/>
-              <a:t>Our class doesn't even contain data</a:t>
-            </a:r>
-          </a:p>
-          <a:p>
-            <a:pPr>
-              <a:lnSpc>
-                <a:spcPct val="110000"/>
-              </a:lnSpc>
-              <a:spcBef>
-                <a:spcPts val="400"/>
-              </a:spcBef>
-            </a:pPr>
-            <a:r>
-              <a:rPr lang="en-GB" dirty="0"/>
-              <a:t>Just report whether sound should play on particular MIDI channels and specific notes or note ranges on that channel</a:t>
-            </a:r>
-          </a:p>
-          <a:p>
-            <a:pPr>
-              <a:lnSpc>
-                <a:spcPct val="110000"/>
-              </a:lnSpc>
-              <a:spcBef>
-                <a:spcPts val="400"/>
-              </a:spcBef>
-            </a:pPr>
-            <a:r>
-              <a:rPr lang="en-GB" dirty="0"/>
-              <a:t>Returns true for both </a:t>
-            </a:r>
-            <a:r>
-              <a:rPr lang="en-GB" dirty="0" err="1"/>
-              <a:t>appliesToNote</a:t>
-            </a:r>
-            <a:r>
-              <a:rPr lang="en-GB" dirty="0"/>
-              <a:t>() and </a:t>
-            </a:r>
-            <a:r>
-              <a:rPr lang="en-GB" dirty="0" err="1"/>
-              <a:t>appliesToChannel</a:t>
-            </a:r>
-            <a:r>
-              <a:rPr lang="en-GB" dirty="0"/>
-              <a:t>()</a:t>
-            </a:r>
-          </a:p>
-        </p:txBody>
-      </p:sp>
-      <p:sp>
-        <p:nvSpPr>
-          <p:cNvPr id="5" name="TextBox 4">
-            <a:extLst>
-              <a:ext uri="{FF2B5EF4-FFF2-40B4-BE49-F238E27FC236}">
-                <a16:creationId xmlns:a16="http://schemas.microsoft.com/office/drawing/2014/main" id="{017AF271-A89E-D7DF-99D6-29B2879F22AC}"/>
-              </a:ext>
-            </a:extLst>
-          </p:cNvPr>
-          <p:cNvSpPr txBox="1"/>
-          <p:nvPr/>
-        </p:nvSpPr>
-        <p:spPr>
-          <a:xfrm>
-            <a:off x="873579" y="4184487"/>
-            <a:ext cx="10736345" cy="2246769"/>
-          </a:xfrm>
-          <a:prstGeom prst="rect">
-            <a:avLst/>
-          </a:prstGeom>
-          <a:noFill/>
-          <a:ln w="19050">
-            <a:solidFill>
-              <a:srgbClr val="FF0000"/>
-            </a:solidFill>
-          </a:ln>
-        </p:spPr>
-        <p:txBody>
-          <a:bodyPr wrap="square" rtlCol="0">
-            <a:spAutoFit/>
-          </a:bodyPr>
-          <a:lstStyle/>
-          <a:p>
-            <a:r>
-              <a:rPr lang="en-GB" sz="2000" dirty="0">
-                <a:solidFill>
-                  <a:srgbClr val="0000FF"/>
-                </a:solidFill>
-                <a:latin typeface="Cascadia Mono" panose="020B0609020000020004" pitchFamily="49" charset="0"/>
-              </a:rPr>
-              <a:t>class</a:t>
-            </a:r>
-            <a:r>
-              <a:rPr lang="en-GB" sz="2000" dirty="0">
-                <a:solidFill>
-                  <a:srgbClr val="000000"/>
-                </a:solidFill>
-                <a:latin typeface="Cascadia Mono" panose="020B0609020000020004" pitchFamily="49" charset="0"/>
-              </a:rPr>
-              <a:t> </a:t>
-            </a:r>
-            <a:r>
-              <a:rPr lang="en-GB" sz="2000" dirty="0">
-                <a:solidFill>
-                  <a:srgbClr val="2B91AF"/>
-                </a:solidFill>
-                <a:latin typeface="Cascadia Mono" panose="020B0609020000020004" pitchFamily="49" charset="0"/>
-              </a:rPr>
-              <a:t>SineWaveSound</a:t>
-            </a:r>
-            <a:r>
-              <a:rPr lang="en-GB" sz="2000" dirty="0">
-                <a:solidFill>
-                  <a:srgbClr val="000000"/>
-                </a:solidFill>
-                <a:latin typeface="Cascadia Mono" panose="020B0609020000020004" pitchFamily="49" charset="0"/>
-              </a:rPr>
-              <a:t> : </a:t>
-            </a:r>
-            <a:r>
-              <a:rPr lang="en-GB" sz="2000" dirty="0">
-                <a:solidFill>
-                  <a:srgbClr val="0000FF"/>
-                </a:solidFill>
-                <a:latin typeface="Cascadia Mono" panose="020B0609020000020004" pitchFamily="49" charset="0"/>
-              </a:rPr>
-              <a:t>public</a:t>
-            </a:r>
-            <a:r>
-              <a:rPr lang="en-GB" sz="2000" dirty="0">
-                <a:solidFill>
-                  <a:srgbClr val="000000"/>
-                </a:solidFill>
-                <a:latin typeface="Cascadia Mono" panose="020B0609020000020004" pitchFamily="49" charset="0"/>
-              </a:rPr>
-              <a:t> </a:t>
-            </a:r>
-            <a:r>
-              <a:rPr lang="en-GB" sz="2000" dirty="0" err="1">
-                <a:solidFill>
-                  <a:srgbClr val="2B91AF"/>
-                </a:solidFill>
-                <a:latin typeface="Cascadia Mono" panose="020B0609020000020004" pitchFamily="49" charset="0"/>
-              </a:rPr>
-              <a:t>SynthesiserSound</a:t>
-            </a:r>
-            <a:r>
-              <a:rPr lang="en-GB" sz="2000" dirty="0">
-                <a:solidFill>
-                  <a:srgbClr val="000000"/>
-                </a:solidFill>
-                <a:latin typeface="Cascadia Mono" panose="020B0609020000020004" pitchFamily="49" charset="0"/>
-              </a:rPr>
-              <a:t> </a:t>
-            </a:r>
-          </a:p>
-          <a:p>
-            <a:r>
-              <a:rPr lang="en-GB" sz="2000" dirty="0">
-                <a:solidFill>
-                  <a:srgbClr val="000000"/>
-                </a:solidFill>
-                <a:latin typeface="Cascadia Mono" panose="020B0609020000020004" pitchFamily="49" charset="0"/>
-              </a:rPr>
-              <a:t>{</a:t>
-            </a:r>
-          </a:p>
-          <a:p>
-            <a:r>
-              <a:rPr lang="en-GB" sz="2000" dirty="0">
-                <a:solidFill>
-                  <a:srgbClr val="0000FF"/>
-                </a:solidFill>
-                <a:latin typeface="Cascadia Mono" panose="020B0609020000020004" pitchFamily="49" charset="0"/>
-              </a:rPr>
-              <a:t>public</a:t>
-            </a:r>
-            <a:r>
-              <a:rPr lang="en-GB" sz="2000" dirty="0">
-                <a:solidFill>
-                  <a:srgbClr val="000000"/>
-                </a:solidFill>
-                <a:latin typeface="Cascadia Mono" panose="020B0609020000020004" pitchFamily="49" charset="0"/>
-              </a:rPr>
-              <a:t>:</a:t>
-            </a:r>
-          </a:p>
-          <a:p>
-            <a:r>
-              <a:rPr lang="en-GB" sz="2000" dirty="0">
-                <a:solidFill>
-                  <a:srgbClr val="000000"/>
-                </a:solidFill>
-                <a:latin typeface="Cascadia Mono" panose="020B0609020000020004" pitchFamily="49" charset="0"/>
-              </a:rPr>
-              <a:t>  SineWaveSound() {}</a:t>
-            </a:r>
-          </a:p>
-          <a:p>
-            <a:r>
-              <a:rPr lang="en-GB" sz="2000" dirty="0">
-                <a:solidFill>
-                  <a:srgbClr val="000000"/>
-                </a:solidFill>
-                <a:latin typeface="Cascadia Mono" panose="020B0609020000020004" pitchFamily="49" charset="0"/>
-              </a:rPr>
-              <a:t>  </a:t>
-            </a:r>
-            <a:r>
-              <a:rPr lang="en-GB" sz="2000" dirty="0">
-                <a:solidFill>
-                  <a:srgbClr val="0000FF"/>
-                </a:solidFill>
-                <a:latin typeface="Cascadia Mono" panose="020B0609020000020004" pitchFamily="49" charset="0"/>
-              </a:rPr>
-              <a:t>bool</a:t>
-            </a:r>
-            <a:r>
-              <a:rPr lang="en-GB" sz="2000" dirty="0">
-                <a:solidFill>
-                  <a:srgbClr val="000000"/>
-                </a:solidFill>
-                <a:latin typeface="Cascadia Mono" panose="020B0609020000020004" pitchFamily="49" charset="0"/>
-              </a:rPr>
-              <a:t> </a:t>
-            </a:r>
-            <a:r>
-              <a:rPr lang="en-GB" sz="2000" dirty="0" err="1">
-                <a:solidFill>
-                  <a:srgbClr val="000000"/>
-                </a:solidFill>
-                <a:latin typeface="Cascadia Mono" panose="020B0609020000020004" pitchFamily="49" charset="0"/>
-              </a:rPr>
-              <a:t>appliesToNote</a:t>
-            </a:r>
-            <a:r>
-              <a:rPr lang="en-GB" sz="2000" dirty="0">
-                <a:solidFill>
-                  <a:srgbClr val="000000"/>
-                </a:solidFill>
-                <a:latin typeface="Cascadia Mono" panose="020B0609020000020004" pitchFamily="49" charset="0"/>
-              </a:rPr>
-              <a:t>(</a:t>
-            </a:r>
-            <a:r>
-              <a:rPr lang="en-GB" sz="2000" dirty="0">
-                <a:solidFill>
-                  <a:srgbClr val="0000FF"/>
-                </a:solidFill>
-                <a:latin typeface="Cascadia Mono" panose="020B0609020000020004" pitchFamily="49" charset="0"/>
-              </a:rPr>
-              <a:t>int</a:t>
-            </a:r>
-            <a:r>
-              <a:rPr lang="en-GB" sz="2000" dirty="0">
-                <a:solidFill>
-                  <a:srgbClr val="000000"/>
-                </a:solidFill>
-                <a:latin typeface="Cascadia Mono" panose="020B0609020000020004" pitchFamily="49" charset="0"/>
-              </a:rPr>
-              <a:t> </a:t>
-            </a:r>
-            <a:r>
-              <a:rPr lang="en-GB" sz="2000" dirty="0">
-                <a:solidFill>
-                  <a:srgbClr val="008000"/>
-                </a:solidFill>
-                <a:latin typeface="Cascadia Mono" panose="020B0609020000020004" pitchFamily="49" charset="0"/>
-              </a:rPr>
-              <a:t>/*</a:t>
-            </a:r>
-            <a:r>
-              <a:rPr lang="en-GB" sz="2000" dirty="0" err="1">
-                <a:solidFill>
-                  <a:srgbClr val="008000"/>
-                </a:solidFill>
-                <a:latin typeface="Cascadia Mono" panose="020B0609020000020004" pitchFamily="49" charset="0"/>
-              </a:rPr>
-              <a:t>midiNoteNumber</a:t>
-            </a:r>
-            <a:r>
-              <a:rPr lang="en-GB" sz="2000" dirty="0">
-                <a:solidFill>
-                  <a:srgbClr val="008000"/>
-                </a:solidFill>
-                <a:latin typeface="Cascadia Mono" panose="020B0609020000020004" pitchFamily="49" charset="0"/>
-              </a:rPr>
-              <a:t>*/</a:t>
-            </a:r>
-            <a:r>
-              <a:rPr lang="en-GB" sz="2000" dirty="0">
-                <a:solidFill>
-                  <a:srgbClr val="000000"/>
-                </a:solidFill>
-                <a:latin typeface="Cascadia Mono" panose="020B0609020000020004" pitchFamily="49" charset="0"/>
-              </a:rPr>
-              <a:t>) </a:t>
-            </a:r>
-            <a:r>
-              <a:rPr lang="en-GB" sz="2000" dirty="0">
-                <a:solidFill>
-                  <a:srgbClr val="0000FF"/>
-                </a:solidFill>
-                <a:latin typeface="Cascadia Mono" panose="020B0609020000020004" pitchFamily="49" charset="0"/>
-              </a:rPr>
-              <a:t>override</a:t>
-            </a:r>
-            <a:r>
-              <a:rPr lang="en-GB" sz="2000" dirty="0">
-                <a:solidFill>
-                  <a:srgbClr val="000000"/>
-                </a:solidFill>
-                <a:latin typeface="Cascadia Mono" panose="020B0609020000020004" pitchFamily="49" charset="0"/>
-              </a:rPr>
-              <a:t> { </a:t>
-            </a:r>
-            <a:r>
-              <a:rPr lang="en-GB" sz="2000" dirty="0">
-                <a:solidFill>
-                  <a:srgbClr val="0000FF"/>
-                </a:solidFill>
-                <a:latin typeface="Cascadia Mono" panose="020B0609020000020004" pitchFamily="49" charset="0"/>
-              </a:rPr>
-              <a:t>return</a:t>
-            </a:r>
-            <a:r>
-              <a:rPr lang="en-GB" sz="2000" dirty="0">
-                <a:solidFill>
-                  <a:srgbClr val="000000"/>
-                </a:solidFill>
-                <a:latin typeface="Cascadia Mono" panose="020B0609020000020004" pitchFamily="49" charset="0"/>
-              </a:rPr>
-              <a:t> </a:t>
-            </a:r>
-            <a:r>
-              <a:rPr lang="en-GB" sz="2000" dirty="0">
-                <a:solidFill>
-                  <a:srgbClr val="0000FF"/>
-                </a:solidFill>
-                <a:latin typeface="Cascadia Mono" panose="020B0609020000020004" pitchFamily="49" charset="0"/>
-              </a:rPr>
-              <a:t>true</a:t>
-            </a:r>
-            <a:r>
-              <a:rPr lang="en-GB" sz="2000" dirty="0">
-                <a:solidFill>
-                  <a:srgbClr val="000000"/>
-                </a:solidFill>
-                <a:latin typeface="Cascadia Mono" panose="020B0609020000020004" pitchFamily="49" charset="0"/>
-              </a:rPr>
-              <a:t>; }</a:t>
-            </a:r>
-          </a:p>
-          <a:p>
-            <a:r>
-              <a:rPr lang="en-GB" sz="2000" dirty="0">
-                <a:solidFill>
-                  <a:srgbClr val="000000"/>
-                </a:solidFill>
-                <a:latin typeface="Cascadia Mono" panose="020B0609020000020004" pitchFamily="49" charset="0"/>
-              </a:rPr>
-              <a:t>  </a:t>
-            </a:r>
-            <a:r>
-              <a:rPr lang="en-GB" sz="2000" dirty="0">
-                <a:solidFill>
-                  <a:srgbClr val="0000FF"/>
-                </a:solidFill>
-                <a:latin typeface="Cascadia Mono" panose="020B0609020000020004" pitchFamily="49" charset="0"/>
-              </a:rPr>
-              <a:t>bool</a:t>
-            </a:r>
-            <a:r>
-              <a:rPr lang="en-GB" sz="2000" dirty="0">
-                <a:solidFill>
-                  <a:srgbClr val="000000"/>
-                </a:solidFill>
-                <a:latin typeface="Cascadia Mono" panose="020B0609020000020004" pitchFamily="49" charset="0"/>
-              </a:rPr>
-              <a:t> </a:t>
-            </a:r>
-            <a:r>
-              <a:rPr lang="en-GB" sz="2000" dirty="0" err="1">
-                <a:solidFill>
-                  <a:srgbClr val="000000"/>
-                </a:solidFill>
-                <a:latin typeface="Cascadia Mono" panose="020B0609020000020004" pitchFamily="49" charset="0"/>
-              </a:rPr>
-              <a:t>appliesToChannel</a:t>
-            </a:r>
-            <a:r>
-              <a:rPr lang="en-GB" sz="2000" dirty="0">
-                <a:solidFill>
-                  <a:srgbClr val="000000"/>
-                </a:solidFill>
-                <a:latin typeface="Cascadia Mono" panose="020B0609020000020004" pitchFamily="49" charset="0"/>
-              </a:rPr>
-              <a:t>(</a:t>
-            </a:r>
-            <a:r>
-              <a:rPr lang="en-GB" sz="2000" dirty="0">
-                <a:solidFill>
-                  <a:srgbClr val="0000FF"/>
-                </a:solidFill>
-                <a:latin typeface="Cascadia Mono" panose="020B0609020000020004" pitchFamily="49" charset="0"/>
-              </a:rPr>
-              <a:t>int</a:t>
-            </a:r>
-            <a:r>
-              <a:rPr lang="en-GB" sz="2000" dirty="0">
-                <a:solidFill>
-                  <a:srgbClr val="000000"/>
-                </a:solidFill>
-                <a:latin typeface="Cascadia Mono" panose="020B0609020000020004" pitchFamily="49" charset="0"/>
-              </a:rPr>
-              <a:t> </a:t>
-            </a:r>
-            <a:r>
-              <a:rPr lang="en-GB" sz="2000" dirty="0">
-                <a:solidFill>
-                  <a:srgbClr val="008000"/>
-                </a:solidFill>
-                <a:latin typeface="Cascadia Mono" panose="020B0609020000020004" pitchFamily="49" charset="0"/>
-              </a:rPr>
-              <a:t>/*</a:t>
-            </a:r>
-            <a:r>
-              <a:rPr lang="en-GB" sz="2000" dirty="0" err="1">
-                <a:solidFill>
-                  <a:srgbClr val="008000"/>
-                </a:solidFill>
-                <a:latin typeface="Cascadia Mono" panose="020B0609020000020004" pitchFamily="49" charset="0"/>
-              </a:rPr>
-              <a:t>midiChannel</a:t>
-            </a:r>
-            <a:r>
-              <a:rPr lang="en-GB" sz="2000" dirty="0">
-                <a:solidFill>
-                  <a:srgbClr val="008000"/>
-                </a:solidFill>
-                <a:latin typeface="Cascadia Mono" panose="020B0609020000020004" pitchFamily="49" charset="0"/>
-              </a:rPr>
-              <a:t>*/</a:t>
-            </a:r>
-            <a:r>
-              <a:rPr lang="en-GB" sz="2000" dirty="0">
-                <a:solidFill>
-                  <a:srgbClr val="000000"/>
-                </a:solidFill>
-                <a:latin typeface="Cascadia Mono" panose="020B0609020000020004" pitchFamily="49" charset="0"/>
-              </a:rPr>
-              <a:t>) </a:t>
-            </a:r>
-            <a:r>
-              <a:rPr lang="en-GB" sz="2000" dirty="0">
-                <a:solidFill>
-                  <a:srgbClr val="0000FF"/>
-                </a:solidFill>
-                <a:latin typeface="Cascadia Mono" panose="020B0609020000020004" pitchFamily="49" charset="0"/>
-              </a:rPr>
-              <a:t>override</a:t>
-            </a:r>
-            <a:r>
-              <a:rPr lang="en-GB" sz="2000" dirty="0">
-                <a:solidFill>
-                  <a:srgbClr val="000000"/>
-                </a:solidFill>
-                <a:latin typeface="Cascadia Mono" panose="020B0609020000020004" pitchFamily="49" charset="0"/>
-              </a:rPr>
-              <a:t> { </a:t>
-            </a:r>
-            <a:r>
-              <a:rPr lang="en-GB" sz="2000" dirty="0">
-                <a:solidFill>
-                  <a:srgbClr val="0000FF"/>
-                </a:solidFill>
-                <a:latin typeface="Cascadia Mono" panose="020B0609020000020004" pitchFamily="49" charset="0"/>
-              </a:rPr>
-              <a:t>return</a:t>
-            </a:r>
-            <a:r>
-              <a:rPr lang="en-GB" sz="2000" dirty="0">
-                <a:solidFill>
-                  <a:srgbClr val="000000"/>
-                </a:solidFill>
-                <a:latin typeface="Cascadia Mono" panose="020B0609020000020004" pitchFamily="49" charset="0"/>
-              </a:rPr>
-              <a:t> </a:t>
-            </a:r>
-            <a:r>
-              <a:rPr lang="en-GB" sz="2000" dirty="0">
-                <a:solidFill>
-                  <a:srgbClr val="0000FF"/>
-                </a:solidFill>
-                <a:latin typeface="Cascadia Mono" panose="020B0609020000020004" pitchFamily="49" charset="0"/>
-              </a:rPr>
-              <a:t>true</a:t>
-            </a:r>
-            <a:r>
-              <a:rPr lang="en-GB" sz="2000" dirty="0">
-                <a:solidFill>
-                  <a:srgbClr val="000000"/>
-                </a:solidFill>
-                <a:latin typeface="Cascadia Mono" panose="020B0609020000020004" pitchFamily="49" charset="0"/>
-              </a:rPr>
-              <a:t>; }</a:t>
-            </a:r>
-          </a:p>
-          <a:p>
-            <a:r>
-              <a:rPr lang="en-GB" sz="2000" dirty="0">
-                <a:solidFill>
-                  <a:srgbClr val="000000"/>
-                </a:solidFill>
-                <a:latin typeface="Cascadia Mono" panose="020B0609020000020004" pitchFamily="49" charset="0"/>
-              </a:rPr>
-              <a:t>};</a:t>
-            </a:r>
-          </a:p>
-        </p:txBody>
-      </p:sp>
-    </p:spTree>
-    <p:extLst>
-      <p:ext uri="{BB962C8B-B14F-4D97-AF65-F5344CB8AC3E}">
-        <p14:creationId xmlns:p14="http://schemas.microsoft.com/office/powerpoint/2010/main" val="3294115255"/>
       </p:ext>
     </p:extLst>
   </p:cSld>
@@ -5466,7 +7043,7 @@
             </a:r>
             <a:r>
               <a:rPr lang="en-GB" dirty="0" err="1"/>
-              <a:t>SynthesiserVoice</a:t>
+              <a:t>SynthesiserSound</a:t>
             </a:r>
             <a:r>
               <a:rPr lang="en-GB" dirty="0"/>
@@ -5493,13 +7070,13 @@
         </p:nvSpPr>
         <p:spPr>
           <a:xfrm>
-            <a:off x="438540" y="1060516"/>
-            <a:ext cx="11633718" cy="2575314"/>
+            <a:off x="606056" y="1060515"/>
+            <a:ext cx="10547817" cy="2974541"/>
           </a:xfrm>
         </p:spPr>
         <p:txBody>
           <a:bodyPr>
-            <a:normAutofit fontScale="92500" lnSpcReduction="10000"/>
+            <a:normAutofit lnSpcReduction="10000"/>
           </a:bodyPr>
           <a:lstStyle/>
           <a:p>
@@ -5513,12 +7090,8 @@
               <a:buNone/>
             </a:pPr>
             <a:r>
-              <a:rPr lang="en-GB" sz="2700" dirty="0" err="1"/>
-              <a:t>SineWaveVoice</a:t>
-            </a:r>
-            <a:r>
-              <a:rPr lang="en-GB" sz="2700" dirty="0"/>
-              <a:t> class maintains state of one of the voices of the synthesiser</a:t>
+              <a:rPr lang="en-GB" sz="3200" dirty="0"/>
+              <a:t>SineWaveSound class</a:t>
             </a:r>
           </a:p>
           <a:p>
@@ -5531,40 +7104,8 @@
               </a:spcBef>
             </a:pPr>
             <a:r>
-              <a:rPr lang="en-GB" sz="2400" dirty="0"/>
-              <a:t>For sine wave, need data members </a:t>
-            </a:r>
-            <a:r>
-              <a:rPr lang="en-GB" sz="2400" dirty="0" err="1">
-                <a:solidFill>
-                  <a:srgbClr val="0000FF"/>
-                </a:solidFill>
-              </a:rPr>
-              <a:t>currentAngle</a:t>
-            </a:r>
-            <a:r>
-              <a:rPr lang="en-GB" sz="2400" dirty="0"/>
-              <a:t>, </a:t>
-            </a:r>
-            <a:r>
-              <a:rPr lang="en-GB" sz="2400" dirty="0" err="1">
-                <a:solidFill>
-                  <a:srgbClr val="0000FF"/>
-                </a:solidFill>
-              </a:rPr>
-              <a:t>angleDelta</a:t>
-            </a:r>
-            <a:r>
-              <a:rPr lang="en-GB" sz="2400" dirty="0"/>
-              <a:t>, </a:t>
-            </a:r>
-            <a:r>
-              <a:rPr lang="en-GB" sz="2400" dirty="0">
-                <a:solidFill>
-                  <a:srgbClr val="0000FF"/>
-                </a:solidFill>
-              </a:rPr>
-              <a:t>level</a:t>
+              <a:rPr lang="en-GB" dirty="0"/>
+              <a:t>might store data needed to create sound, such as wavetable</a:t>
             </a:r>
           </a:p>
           <a:p>
@@ -5577,24 +7118,8 @@
               </a:spcBef>
             </a:pPr>
             <a:r>
-              <a:rPr lang="en-GB" sz="2400" dirty="0" err="1">
-                <a:solidFill>
-                  <a:srgbClr val="0000FF"/>
-                </a:solidFill>
-              </a:rPr>
-              <a:t>canPlaySound</a:t>
-            </a:r>
-            <a:r>
-              <a:rPr lang="en-GB" sz="2400" dirty="0"/>
-              <a:t> must be </a:t>
-            </a:r>
-            <a:r>
-              <a:rPr lang="en-GB" sz="2400" dirty="0" err="1"/>
-              <a:t>overriden</a:t>
-            </a:r>
-            <a:r>
-              <a:rPr lang="en-GB" sz="2400" dirty="0"/>
-              <a:t> to return whether voice can play a sound</a:t>
+              <a:rPr lang="en-GB" dirty="0"/>
+              <a:t>Our class doesn't even contain data</a:t>
             </a:r>
           </a:p>
           <a:p>
@@ -5607,32 +7132,8 @@
               </a:spcBef>
             </a:pPr>
             <a:r>
-              <a:rPr lang="en-GB" sz="2400" dirty="0"/>
-              <a:t>Voice started/stopped by synthesiser calling </a:t>
-            </a:r>
-            <a:r>
-              <a:rPr lang="en-GB" sz="2400" dirty="0" err="1">
-                <a:solidFill>
-                  <a:srgbClr val="0000FF"/>
-                </a:solidFill>
-              </a:rPr>
-              <a:t>startNote</a:t>
-            </a:r>
-            <a:r>
-              <a:rPr lang="en-GB" sz="2400" dirty="0"/>
-              <a:t>/</a:t>
-            </a:r>
-            <a:r>
-              <a:rPr lang="en-GB" sz="2400" dirty="0" err="1">
-                <a:solidFill>
-                  <a:srgbClr val="0000FF"/>
-                </a:solidFill>
-              </a:rPr>
-              <a:t>stopNote</a:t>
-            </a:r>
-            <a:r>
-              <a:rPr lang="en-GB" sz="2400" dirty="0"/>
-              <a:t>, which we must override</a:t>
+              <a:rPr lang="en-GB" dirty="0"/>
+              <a:t>Just report whether sound should play on particular MIDI channels and specific notes or note ranges on that channel</a:t>
             </a:r>
           </a:p>
           <a:p>
@@ -5645,59 +7146,34 @@
               </a:spcBef>
             </a:pPr>
             <a:r>
-              <a:rPr lang="en-GB" sz="2400" dirty="0" err="1">
-                <a:solidFill>
-                  <a:srgbClr val="0000FF"/>
-                </a:solidFill>
-              </a:rPr>
-              <a:t>renderNextBlock</a:t>
-            </a:r>
-            <a:r>
-              <a:rPr lang="en-GB" sz="2400" dirty="0"/>
-              <a:t> must be </a:t>
-            </a:r>
-            <a:r>
-              <a:rPr lang="en-GB" sz="2400" dirty="0" err="1"/>
-              <a:t>overriden</a:t>
-            </a:r>
-            <a:r>
-              <a:rPr lang="en-GB" sz="2400" dirty="0"/>
-              <a:t> to generate the audio</a:t>
-            </a:r>
-          </a:p>
-          <a:p>
-            <a:pPr>
-              <a:lnSpc>
-                <a:spcPct val="110000"/>
-              </a:lnSpc>
-              <a:spcBef>
-                <a:spcPts val="400"/>
-              </a:spcBef>
-            </a:pPr>
-            <a:r>
-              <a:rPr lang="en-GB" sz="2400" dirty="0"/>
-              <a:t>And we only use the keyboard, so no pitch wheel or controller</a:t>
-            </a:r>
-          </a:p>
-          <a:p>
-            <a:pPr>
-              <a:lnSpc>
-                <a:spcPct val="110000"/>
-              </a:lnSpc>
-              <a:spcBef>
-                <a:spcPts val="400"/>
-              </a:spcBef>
-            </a:pPr>
-            <a:endParaRPr lang="en-GB" sz="2400" dirty="0"/>
+              <a:rPr lang="en-GB" dirty="0"/>
+              <a:t>Returns true for both </a:t>
+            </a:r>
+            <a:r>
+              <a:rPr lang="en-GB" dirty="0" err="1"/>
+              <a:t>appliesToNote</a:t>
+            </a:r>
+            <a:r>
+              <a:rPr lang="en-GB" dirty="0"/>
+              <a:t>() and </a:t>
+            </a:r>
+            <a:r>
+              <a:rPr lang="en-GB" dirty="0" err="1"/>
+              <a:t>appliesToChannel</a:t>
+            </a:r>
+            <a:r>
+              <a:rPr lang="en-GB" dirty="0"/>
+              <a:t>()</a:t>
+            </a:r>
           </a:p>
         </p:txBody>
       </p:sp>
       <p:sp>
         <p:nvSpPr>
-          <p:cNvPr id="6" name="TextBox 5">
+          <p:cNvPr id="5" name="TextBox 4">
             <a:extLst>
               <a:ext uri="{FF2B5EF4-FFF2-40B4-BE49-F238E27FC236}">
-                <a16:creationId xmlns:a16="http://schemas.microsoft.com/office/drawing/2014/main" id="{38204557-4687-F078-55B6-6AFAA9C52DDD}"/>
+                <a16:creationId xmlns:a16="http://schemas.microsoft.com/office/drawing/2014/main" id="{017AF271-A89E-D7DF-99D6-29B2879F22AC}"/>
               </a:ext>
             </a:extLst>
           </p:cNvPr>
@@ -5706,8 +7182,8 @@
         </p:nvSpPr>
         <p:spPr>
           <a:xfrm>
-            <a:off x="119743" y="3524692"/>
-            <a:ext cx="11952515" cy="2954655"/>
+            <a:off x="873579" y="4184487"/>
+            <a:ext cx="10736345" cy="2246769"/>
           </a:xfrm>
           <a:prstGeom prst="rect">
             <a:avLst/>
@@ -5726,7 +7202,7 @@
           <a:lstStyle/>
           <a:p>
             <a:r>
-              <a:rPr lang="en-GB" sz="1550" dirty="0">
+              <a:rPr lang="en-GB" sz="2000" dirty="0">
                 <a:solidFill>
                   <a:srgbClr val="0000FF"/>
                 </a:solidFill>
@@ -5735,7 +7211,7 @@
               <a:t>class</a:t>
             </a:r>
             <a:r>
-              <a:rPr lang="en-GB" sz="1550" dirty="0">
+              <a:rPr lang="en-GB" sz="2000" dirty="0">
                 <a:solidFill>
                   <a:srgbClr val="000000"/>
                 </a:solidFill>
@@ -5744,16 +7220,16 @@
               <a:t> </a:t>
             </a:r>
             <a:r>
-              <a:rPr lang="en-GB" sz="1550" dirty="0" err="1">
+              <a:rPr lang="en-GB" sz="2000" dirty="0">
                 <a:solidFill>
                   <a:srgbClr val="2B91AF"/>
                 </a:solidFill>
                 <a:latin typeface="Cascadia Mono" panose="020B0609020000020004" pitchFamily="49" charset="0"/>
               </a:rPr>
-              <a:t>SineWaveVoice</a:t>
-            </a:r>
-            <a:r>
-              <a:rPr lang="en-GB" sz="1550" dirty="0">
+              <a:t>SineWaveSound</a:t>
+            </a:r>
+            <a:r>
+              <a:rPr lang="en-GB" sz="2000" dirty="0">
                 <a:solidFill>
                   <a:srgbClr val="000000"/>
                 </a:solidFill>
@@ -5762,7 +7238,7 @@
               <a:t> : </a:t>
             </a:r>
             <a:r>
-              <a:rPr lang="en-GB" sz="1550" dirty="0">
+              <a:rPr lang="en-GB" sz="2000" dirty="0">
                 <a:solidFill>
                   <a:srgbClr val="0000FF"/>
                 </a:solidFill>
@@ -5771,7 +7247,7 @@
               <a:t>public</a:t>
             </a:r>
             <a:r>
-              <a:rPr lang="en-GB" sz="1550" dirty="0">
+              <a:rPr lang="en-GB" sz="2000" dirty="0">
                 <a:solidFill>
                   <a:srgbClr val="000000"/>
                 </a:solidFill>
@@ -5780,16 +7256,177 @@
               <a:t> </a:t>
             </a:r>
             <a:r>
-              <a:rPr lang="en-GB" sz="1550" dirty="0" err="1">
+              <a:rPr lang="en-GB" sz="2000" dirty="0" err="1">
                 <a:solidFill>
                   <a:srgbClr val="2B91AF"/>
                 </a:solidFill>
                 <a:latin typeface="Cascadia Mono" panose="020B0609020000020004" pitchFamily="49" charset="0"/>
               </a:rPr>
-              <a:t>SynthesiserVoice</a:t>
-            </a:r>
-            <a:r>
-              <a:rPr lang="en-GB" sz="1550" dirty="0">
+              <a:t>SynthesiserSound</a:t>
+            </a:r>
+            <a:r>
+              <a:rPr lang="en-GB" sz="2000" dirty="0">
+                <a:solidFill>
+                  <a:srgbClr val="000000"/>
+                </a:solidFill>
+                <a:latin typeface="Cascadia Mono" panose="020B0609020000020004" pitchFamily="49" charset="0"/>
+              </a:rPr>
+              <a:t> </a:t>
+            </a:r>
+          </a:p>
+          <a:p>
+            <a:r>
+              <a:rPr lang="en-GB" sz="2000" dirty="0">
+                <a:solidFill>
+                  <a:srgbClr val="000000"/>
+                </a:solidFill>
+                <a:latin typeface="Cascadia Mono" panose="020B0609020000020004" pitchFamily="49" charset="0"/>
+              </a:rPr>
+              <a:t>{</a:t>
+            </a:r>
+          </a:p>
+          <a:p>
+            <a:r>
+              <a:rPr lang="en-GB" sz="2000" dirty="0">
+                <a:solidFill>
+                  <a:srgbClr val="0000FF"/>
+                </a:solidFill>
+                <a:latin typeface="Cascadia Mono" panose="020B0609020000020004" pitchFamily="49" charset="0"/>
+              </a:rPr>
+              <a:t>public</a:t>
+            </a:r>
+            <a:r>
+              <a:rPr lang="en-GB" sz="2000" dirty="0">
+                <a:solidFill>
+                  <a:srgbClr val="000000"/>
+                </a:solidFill>
+                <a:latin typeface="Cascadia Mono" panose="020B0609020000020004" pitchFamily="49" charset="0"/>
+              </a:rPr>
+              <a:t>:</a:t>
+            </a:r>
+          </a:p>
+          <a:p>
+            <a:r>
+              <a:rPr lang="en-GB" sz="2000" dirty="0">
+                <a:solidFill>
+                  <a:srgbClr val="000000"/>
+                </a:solidFill>
+                <a:latin typeface="Cascadia Mono" panose="020B0609020000020004" pitchFamily="49" charset="0"/>
+              </a:rPr>
+              <a:t>  SineWaveSound() {}</a:t>
+            </a:r>
+          </a:p>
+          <a:p>
+            <a:r>
+              <a:rPr lang="en-GB" sz="2000" dirty="0">
+                <a:solidFill>
+                  <a:srgbClr val="000000"/>
+                </a:solidFill>
+                <a:latin typeface="Cascadia Mono" panose="020B0609020000020004" pitchFamily="49" charset="0"/>
+              </a:rPr>
+              <a:t>  </a:t>
+            </a:r>
+            <a:r>
+              <a:rPr lang="en-GB" sz="2000" dirty="0">
+                <a:solidFill>
+                  <a:srgbClr val="0000FF"/>
+                </a:solidFill>
+                <a:latin typeface="Cascadia Mono" panose="020B0609020000020004" pitchFamily="49" charset="0"/>
+              </a:rPr>
+              <a:t>bool</a:t>
+            </a:r>
+            <a:r>
+              <a:rPr lang="en-GB" sz="2000" dirty="0">
+                <a:solidFill>
+                  <a:srgbClr val="000000"/>
+                </a:solidFill>
+                <a:latin typeface="Cascadia Mono" panose="020B0609020000020004" pitchFamily="49" charset="0"/>
+              </a:rPr>
+              <a:t> </a:t>
+            </a:r>
+            <a:r>
+              <a:rPr lang="en-GB" sz="2000" dirty="0" err="1">
+                <a:solidFill>
+                  <a:srgbClr val="000000"/>
+                </a:solidFill>
+                <a:latin typeface="Cascadia Mono" panose="020B0609020000020004" pitchFamily="49" charset="0"/>
+              </a:rPr>
+              <a:t>appliesToNote</a:t>
+            </a:r>
+            <a:r>
+              <a:rPr lang="en-GB" sz="2000" dirty="0">
+                <a:solidFill>
+                  <a:srgbClr val="000000"/>
+                </a:solidFill>
+                <a:latin typeface="Cascadia Mono" panose="020B0609020000020004" pitchFamily="49" charset="0"/>
+              </a:rPr>
+              <a:t>(</a:t>
+            </a:r>
+            <a:r>
+              <a:rPr lang="en-GB" sz="2000" dirty="0">
+                <a:solidFill>
+                  <a:srgbClr val="0000FF"/>
+                </a:solidFill>
+                <a:latin typeface="Cascadia Mono" panose="020B0609020000020004" pitchFamily="49" charset="0"/>
+              </a:rPr>
+              <a:t>int</a:t>
+            </a:r>
+            <a:r>
+              <a:rPr lang="en-GB" sz="2000" dirty="0">
+                <a:solidFill>
+                  <a:srgbClr val="000000"/>
+                </a:solidFill>
+                <a:latin typeface="Cascadia Mono" panose="020B0609020000020004" pitchFamily="49" charset="0"/>
+              </a:rPr>
+              <a:t> </a:t>
+            </a:r>
+            <a:r>
+              <a:rPr lang="en-GB" sz="2000" dirty="0">
+                <a:solidFill>
+                  <a:srgbClr val="008000"/>
+                </a:solidFill>
+                <a:latin typeface="Cascadia Mono" panose="020B0609020000020004" pitchFamily="49" charset="0"/>
+              </a:rPr>
+              <a:t>/*</a:t>
+            </a:r>
+            <a:r>
+              <a:rPr lang="en-GB" sz="2000" dirty="0" err="1">
+                <a:solidFill>
+                  <a:srgbClr val="008000"/>
+                </a:solidFill>
+                <a:latin typeface="Cascadia Mono" panose="020B0609020000020004" pitchFamily="49" charset="0"/>
+              </a:rPr>
+              <a:t>midiNoteNumber</a:t>
+            </a:r>
+            <a:r>
+              <a:rPr lang="en-GB" sz="2000" dirty="0">
+                <a:solidFill>
+                  <a:srgbClr val="008000"/>
+                </a:solidFill>
+                <a:latin typeface="Cascadia Mono" panose="020B0609020000020004" pitchFamily="49" charset="0"/>
+              </a:rPr>
+              <a:t>*/</a:t>
+            </a:r>
+            <a:r>
+              <a:rPr lang="en-GB" sz="2000" dirty="0">
+                <a:solidFill>
+                  <a:srgbClr val="000000"/>
+                </a:solidFill>
+                <a:latin typeface="Cascadia Mono" panose="020B0609020000020004" pitchFamily="49" charset="0"/>
+              </a:rPr>
+              <a:t>) </a:t>
+            </a:r>
+            <a:r>
+              <a:rPr lang="en-GB" sz="2000" dirty="0">
+                <a:solidFill>
+                  <a:srgbClr val="0000FF"/>
+                </a:solidFill>
+                <a:latin typeface="Cascadia Mono" panose="020B0609020000020004" pitchFamily="49" charset="0"/>
+              </a:rPr>
+              <a:t>override</a:t>
+            </a:r>
+            <a:r>
+              <a:rPr lang="en-GB" sz="2000" dirty="0">
                 <a:solidFill>
                   <a:srgbClr val="000000"/>
                 </a:solidFill>
@@ -5797,30 +7434,46 @@
               </a:rPr>
               <a:t> { </a:t>
             </a:r>
-          </a:p>
-          <a:p>
-            <a:r>
-              <a:rPr lang="en-GB" sz="1550" dirty="0">
+            <a:r>
+              <a:rPr lang="en-GB" sz="2000" dirty="0">
                 <a:solidFill>
                   <a:srgbClr val="0000FF"/>
                 </a:solidFill>
                 <a:latin typeface="Cascadia Mono" panose="020B0609020000020004" pitchFamily="49" charset="0"/>
               </a:rPr>
-              <a:t>public</a:t>
-            </a:r>
-            <a:r>
-              <a:rPr lang="en-GB" sz="1550" dirty="0">
-                <a:solidFill>
-                  <a:srgbClr val="000000"/>
-                </a:solidFill>
-                <a:latin typeface="Cascadia Mono" panose="020B0609020000020004" pitchFamily="49" charset="0"/>
-              </a:rPr>
-              <a:t>:</a:t>
-            </a:r>
-          </a:p>
-          <a:p>
-            <a:r>
-              <a:rPr lang="en-GB" sz="1550" dirty="0">
+              <a:t>return</a:t>
+            </a:r>
+            <a:r>
+              <a:rPr lang="en-GB" sz="2000" dirty="0">
+                <a:solidFill>
+                  <a:srgbClr val="000000"/>
+                </a:solidFill>
+                <a:latin typeface="Cascadia Mono" panose="020B0609020000020004" pitchFamily="49" charset="0"/>
+              </a:rPr>
+              <a:t> </a:t>
+            </a:r>
+            <a:r>
+              <a:rPr lang="en-GB" sz="2000" dirty="0">
+                <a:solidFill>
+                  <a:srgbClr val="0000FF"/>
+                </a:solidFill>
+                <a:latin typeface="Cascadia Mono" panose="020B0609020000020004" pitchFamily="49" charset="0"/>
+              </a:rPr>
+              <a:t>true</a:t>
+            </a:r>
+            <a:r>
+              <a:rPr lang="en-GB" sz="2000" dirty="0">
+                <a:solidFill>
+                  <a:srgbClr val="000000"/>
+                </a:solidFill>
+                <a:latin typeface="Cascadia Mono" panose="020B0609020000020004" pitchFamily="49" charset="0"/>
+              </a:rPr>
+              <a:t>; }</a:t>
+            </a:r>
+          </a:p>
+          <a:p>
+            <a:r>
+              <a:rPr lang="en-GB" sz="2000" dirty="0">
                 <a:solidFill>
                   <a:srgbClr val="000000"/>
                 </a:solidFill>
@@ -5829,45 +7482,16 @@
               <a:t>  </a:t>
             </a:r>
             <a:r>
-              <a:rPr lang="en-GB" sz="1550" dirty="0" err="1">
-                <a:solidFill>
-                  <a:srgbClr val="000000"/>
-                </a:solidFill>
-                <a:latin typeface="Cascadia Mono" panose="020B0609020000020004" pitchFamily="49" charset="0"/>
-              </a:rPr>
-              <a:t>SineWaveVoice</a:t>
-            </a:r>
-            <a:r>
-              <a:rPr lang="en-GB" sz="1550" dirty="0">
-                <a:solidFill>
-                  <a:srgbClr val="000000"/>
-                </a:solidFill>
-                <a:latin typeface="Cascadia Mono" panose="020B0609020000020004" pitchFamily="49" charset="0"/>
-              </a:rPr>
-              <a:t>() {}</a:t>
-            </a:r>
-          </a:p>
-          <a:p>
-            <a:r>
-              <a:rPr lang="en-GB" sz="1550" dirty="0">
-                <a:solidFill>
-                  <a:srgbClr val="000000"/>
-                </a:solidFill>
-                <a:latin typeface="Cascadia Mono" panose="020B0609020000020004" pitchFamily="49" charset="0"/>
-              </a:rPr>
-              <a:t>  </a:t>
-            </a:r>
-            <a:r>
-              <a:rPr lang="en-GB" sz="1550" dirty="0">
+              <a:rPr lang="en-GB" sz="2000" dirty="0">
                 <a:solidFill>
                   <a:srgbClr val="0000FF"/>
                 </a:solidFill>
                 <a:latin typeface="Cascadia Mono" panose="020B0609020000020004" pitchFamily="49" charset="0"/>
               </a:rPr>
-              <a:t>void</a:t>
-            </a:r>
-            <a:r>
-              <a:rPr lang="en-GB" sz="1550" dirty="0">
+              <a:t>bool</a:t>
+            </a:r>
+            <a:r>
+              <a:rPr lang="en-GB" sz="2000" dirty="0">
                 <a:solidFill>
                   <a:srgbClr val="000000"/>
                 </a:solidFill>
@@ -5876,16 +7500,16 @@
               <a:t> </a:t>
             </a:r>
             <a:r>
-              <a:rPr lang="en-GB" sz="1550" dirty="0" err="1">
-                <a:solidFill>
-                  <a:srgbClr val="000000"/>
-                </a:solidFill>
-                <a:latin typeface="Cascadia Mono" panose="020B0609020000020004" pitchFamily="49" charset="0"/>
-              </a:rPr>
-              <a:t>pitchWheelMoved</a:t>
-            </a:r>
-            <a:r>
-              <a:rPr lang="en-GB" sz="1550" dirty="0">
+              <a:rPr lang="en-GB" sz="2000" dirty="0" err="1">
+                <a:solidFill>
+                  <a:srgbClr val="000000"/>
+                </a:solidFill>
+                <a:latin typeface="Cascadia Mono" panose="020B0609020000020004" pitchFamily="49" charset="0"/>
+              </a:rPr>
+              <a:t>appliesToChannel</a:t>
+            </a:r>
+            <a:r>
+              <a:rPr lang="en-GB" sz="2000" dirty="0">
                 <a:solidFill>
                   <a:srgbClr val="000000"/>
                 </a:solidFill>
@@ -5894,7 +7518,7 @@
               <a:t>(</a:t>
             </a:r>
             <a:r>
-              <a:rPr lang="en-GB" sz="1550" dirty="0">
+              <a:rPr lang="en-GB" sz="2000" dirty="0">
                 <a:solidFill>
                   <a:srgbClr val="0000FF"/>
                 </a:solidFill>
@@ -5903,7 +7527,43 @@
               <a:t>int</a:t>
             </a:r>
             <a:r>
-              <a:rPr lang="en-GB" sz="1550" dirty="0">
+              <a:rPr lang="en-GB" sz="2000" dirty="0">
+                <a:solidFill>
+                  <a:srgbClr val="000000"/>
+                </a:solidFill>
+                <a:latin typeface="Cascadia Mono" panose="020B0609020000020004" pitchFamily="49" charset="0"/>
+              </a:rPr>
+              <a:t> </a:t>
+            </a:r>
+            <a:r>
+              <a:rPr lang="en-GB" sz="2000" dirty="0">
+                <a:solidFill>
+                  <a:srgbClr val="008000"/>
+                </a:solidFill>
+                <a:latin typeface="Cascadia Mono" panose="020B0609020000020004" pitchFamily="49" charset="0"/>
+              </a:rPr>
+              <a:t>/*</a:t>
+            </a:r>
+            <a:r>
+              <a:rPr lang="en-GB" sz="2000" dirty="0" err="1">
+                <a:solidFill>
+                  <a:srgbClr val="008000"/>
+                </a:solidFill>
+                <a:latin typeface="Cascadia Mono" panose="020B0609020000020004" pitchFamily="49" charset="0"/>
+              </a:rPr>
+              <a:t>midiChannel</a:t>
+            </a:r>
+            <a:r>
+              <a:rPr lang="en-GB" sz="2000" dirty="0">
+                <a:solidFill>
+                  <a:srgbClr val="008000"/>
+                </a:solidFill>
+                <a:latin typeface="Cascadia Mono" panose="020B0609020000020004" pitchFamily="49" charset="0"/>
+              </a:rPr>
+              <a:t>*/</a:t>
+            </a:r>
+            <a:r>
+              <a:rPr lang="en-GB" sz="2000" dirty="0">
                 <a:solidFill>
                   <a:srgbClr val="000000"/>
                 </a:solidFill>
@@ -5912,7 +7572,7 @@
               <a:t>) </a:t>
             </a:r>
             <a:r>
-              <a:rPr lang="en-GB" sz="1550" dirty="0">
+              <a:rPr lang="en-GB" sz="2000" dirty="0">
                 <a:solidFill>
                   <a:srgbClr val="0000FF"/>
                 </a:solidFill>
@@ -5921,36 +7581,25 @@
               <a:t>override</a:t>
             </a:r>
             <a:r>
-              <a:rPr lang="en-GB" sz="1550" dirty="0">
-                <a:solidFill>
-                  <a:srgbClr val="000000"/>
-                </a:solidFill>
-                <a:latin typeface="Cascadia Mono" panose="020B0609020000020004" pitchFamily="49" charset="0"/>
-              </a:rPr>
-              <a:t> {}</a:t>
-            </a:r>
-          </a:p>
-          <a:p>
-            <a:r>
-              <a:rPr lang="en-GB" sz="1550" dirty="0">
-                <a:solidFill>
-                  <a:srgbClr val="000000"/>
-                </a:solidFill>
-                <a:latin typeface="Cascadia Mono" panose="020B0609020000020004" pitchFamily="49" charset="0"/>
-              </a:rPr>
-              <a:t>  </a:t>
-            </a:r>
-            <a:r>
-              <a:rPr lang="en-GB" sz="1550" dirty="0">
+              <a:rPr lang="en-GB" sz="2000" dirty="0">
+                <a:solidFill>
+                  <a:srgbClr val="000000"/>
+                </a:solidFill>
+                <a:latin typeface="Cascadia Mono" panose="020B0609020000020004" pitchFamily="49" charset="0"/>
+              </a:rPr>
+              <a:t> { </a:t>
+            </a:r>
+            <a:r>
+              <a:rPr lang="en-GB" sz="2000" dirty="0">
                 <a:solidFill>
                   <a:srgbClr val="0000FF"/>
                 </a:solidFill>
                 <a:latin typeface="Cascadia Mono" panose="020B0609020000020004" pitchFamily="49" charset="0"/>
               </a:rPr>
-              <a:t>void</a:t>
-            </a:r>
-            <a:r>
-              <a:rPr lang="en-GB" sz="1550" dirty="0">
+              <a:t>return</a:t>
+            </a:r>
+            <a:r>
+              <a:rPr lang="en-GB" sz="2000" dirty="0">
                 <a:solidFill>
                   <a:srgbClr val="000000"/>
                 </a:solidFill>
@@ -5959,804 +7608,27 @@
               <a:t> </a:t>
             </a:r>
             <a:r>
-              <a:rPr lang="en-GB" sz="1550" dirty="0" err="1">
-                <a:solidFill>
-                  <a:srgbClr val="000000"/>
-                </a:solidFill>
-                <a:latin typeface="Cascadia Mono" panose="020B0609020000020004" pitchFamily="49" charset="0"/>
-              </a:rPr>
-              <a:t>controllerMoved</a:t>
-            </a:r>
-            <a:r>
-              <a:rPr lang="en-GB" sz="1550" dirty="0">
-                <a:solidFill>
-                  <a:srgbClr val="000000"/>
-                </a:solidFill>
-                <a:latin typeface="Cascadia Mono" panose="020B0609020000020004" pitchFamily="49" charset="0"/>
-              </a:rPr>
-              <a:t>(</a:t>
-            </a:r>
-            <a:r>
-              <a:rPr lang="en-GB" sz="1550" dirty="0">
+              <a:rPr lang="en-GB" sz="2000" dirty="0">
                 <a:solidFill>
                   <a:srgbClr val="0000FF"/>
                 </a:solidFill>
                 <a:latin typeface="Cascadia Mono" panose="020B0609020000020004" pitchFamily="49" charset="0"/>
               </a:rPr>
-              <a:t>int</a:t>
-            </a:r>
-            <a:r>
-              <a:rPr lang="en-GB" sz="1550" dirty="0">
-                <a:solidFill>
-                  <a:srgbClr val="000000"/>
-                </a:solidFill>
-                <a:latin typeface="Cascadia Mono" panose="020B0609020000020004" pitchFamily="49" charset="0"/>
-              </a:rPr>
-              <a:t>, </a:t>
-            </a:r>
-            <a:r>
-              <a:rPr lang="en-GB" sz="1550" dirty="0">
-                <a:solidFill>
-                  <a:srgbClr val="0000FF"/>
-                </a:solidFill>
-                <a:latin typeface="Cascadia Mono" panose="020B0609020000020004" pitchFamily="49" charset="0"/>
-              </a:rPr>
-              <a:t>int</a:t>
-            </a:r>
-            <a:r>
-              <a:rPr lang="en-GB" sz="1550" dirty="0">
-                <a:solidFill>
-                  <a:srgbClr val="000000"/>
-                </a:solidFill>
-                <a:latin typeface="Cascadia Mono" panose="020B0609020000020004" pitchFamily="49" charset="0"/>
-              </a:rPr>
-              <a:t>) </a:t>
-            </a:r>
-            <a:r>
-              <a:rPr lang="en-GB" sz="1550" dirty="0">
-                <a:solidFill>
-                  <a:srgbClr val="0000FF"/>
-                </a:solidFill>
-                <a:latin typeface="Cascadia Mono" panose="020B0609020000020004" pitchFamily="49" charset="0"/>
-              </a:rPr>
-              <a:t>override</a:t>
-            </a:r>
-            <a:r>
-              <a:rPr lang="en-GB" sz="1550" dirty="0">
-                <a:solidFill>
-                  <a:srgbClr val="000000"/>
-                </a:solidFill>
-                <a:latin typeface="Cascadia Mono" panose="020B0609020000020004" pitchFamily="49" charset="0"/>
-              </a:rPr>
-              <a:t> {}</a:t>
-            </a:r>
-          </a:p>
-          <a:p>
-            <a:r>
-              <a:rPr lang="en-GB" sz="1550" dirty="0">
-                <a:solidFill>
-                  <a:srgbClr val="000000"/>
-                </a:solidFill>
-                <a:latin typeface="Cascadia Mono" panose="020B0609020000020004" pitchFamily="49" charset="0"/>
-              </a:rPr>
-              <a:t>  </a:t>
-            </a:r>
-            <a:r>
-              <a:rPr lang="en-GB" sz="1550" dirty="0">
-                <a:solidFill>
-                  <a:srgbClr val="0000FF"/>
-                </a:solidFill>
-                <a:latin typeface="Cascadia Mono" panose="020B0609020000020004" pitchFamily="49" charset="0"/>
-              </a:rPr>
-              <a:t>bool</a:t>
-            </a:r>
-            <a:r>
-              <a:rPr lang="en-GB" sz="1550" dirty="0">
-                <a:solidFill>
-                  <a:srgbClr val="000000"/>
-                </a:solidFill>
-                <a:latin typeface="Cascadia Mono" panose="020B0609020000020004" pitchFamily="49" charset="0"/>
-              </a:rPr>
-              <a:t> </a:t>
-            </a:r>
-            <a:r>
-              <a:rPr lang="en-GB" sz="1550" dirty="0" err="1">
-                <a:solidFill>
-                  <a:srgbClr val="000000"/>
-                </a:solidFill>
-                <a:latin typeface="Cascadia Mono" panose="020B0609020000020004" pitchFamily="49" charset="0"/>
-              </a:rPr>
-              <a:t>canPlaySound</a:t>
-            </a:r>
-            <a:r>
-              <a:rPr lang="en-GB" sz="1550" dirty="0">
-                <a:solidFill>
-                  <a:srgbClr val="000000"/>
-                </a:solidFill>
-                <a:latin typeface="Cascadia Mono" panose="020B0609020000020004" pitchFamily="49" charset="0"/>
-              </a:rPr>
-              <a:t>(</a:t>
-            </a:r>
-            <a:r>
-              <a:rPr lang="en-GB" sz="1550" dirty="0" err="1">
-                <a:solidFill>
-                  <a:srgbClr val="2B91AF"/>
-                </a:solidFill>
-                <a:latin typeface="Cascadia Mono" panose="020B0609020000020004" pitchFamily="49" charset="0"/>
-              </a:rPr>
-              <a:t>SynthesiserSound</a:t>
-            </a:r>
-            <a:r>
-              <a:rPr lang="en-GB" sz="1550" dirty="0">
-                <a:solidFill>
-                  <a:srgbClr val="000000"/>
-                </a:solidFill>
-                <a:latin typeface="Cascadia Mono" panose="020B0609020000020004" pitchFamily="49" charset="0"/>
-              </a:rPr>
-              <a:t>* </a:t>
-            </a:r>
-            <a:r>
-              <a:rPr lang="en-GB" sz="1550" dirty="0">
-                <a:solidFill>
-                  <a:srgbClr val="808080"/>
-                </a:solidFill>
-                <a:latin typeface="Cascadia Mono" panose="020B0609020000020004" pitchFamily="49" charset="0"/>
-              </a:rPr>
-              <a:t>sound</a:t>
-            </a:r>
-            <a:r>
-              <a:rPr lang="en-GB" sz="1550" dirty="0">
-                <a:solidFill>
-                  <a:srgbClr val="000000"/>
-                </a:solidFill>
-                <a:latin typeface="Cascadia Mono" panose="020B0609020000020004" pitchFamily="49" charset="0"/>
-              </a:rPr>
-              <a:t>) </a:t>
-            </a:r>
-            <a:r>
-              <a:rPr lang="en-GB" sz="1550" dirty="0">
-                <a:solidFill>
-                  <a:srgbClr val="0000FF"/>
-                </a:solidFill>
-                <a:latin typeface="Cascadia Mono" panose="020B0609020000020004" pitchFamily="49" charset="0"/>
-              </a:rPr>
-              <a:t>override</a:t>
-            </a:r>
-            <a:r>
-              <a:rPr lang="en-GB" sz="1550" dirty="0">
-                <a:solidFill>
-                  <a:srgbClr val="000000"/>
-                </a:solidFill>
-                <a:latin typeface="Cascadia Mono" panose="020B0609020000020004" pitchFamily="49" charset="0"/>
-              </a:rPr>
-              <a:t> { </a:t>
-            </a:r>
-            <a:r>
-              <a:rPr lang="en-GB" sz="1550" dirty="0">
-                <a:solidFill>
-                  <a:srgbClr val="0000FF"/>
-                </a:solidFill>
-                <a:latin typeface="Cascadia Mono" panose="020B0609020000020004" pitchFamily="49" charset="0"/>
-              </a:rPr>
-              <a:t>…</a:t>
-            </a:r>
-            <a:r>
-              <a:rPr lang="en-GB" sz="1550" dirty="0">
-                <a:solidFill>
-                  <a:srgbClr val="000000"/>
-                </a:solidFill>
-                <a:latin typeface="Cascadia Mono" panose="020B0609020000020004" pitchFamily="49" charset="0"/>
-              </a:rPr>
-              <a:t> }</a:t>
-            </a:r>
-          </a:p>
-          <a:p>
-            <a:r>
-              <a:rPr lang="en-GB" sz="1550" dirty="0">
-                <a:solidFill>
-                  <a:srgbClr val="000000"/>
-                </a:solidFill>
-                <a:latin typeface="Cascadia Mono" panose="020B0609020000020004" pitchFamily="49" charset="0"/>
-              </a:rPr>
-              <a:t>  </a:t>
-            </a:r>
-            <a:r>
-              <a:rPr lang="en-GB" sz="1550" dirty="0">
-                <a:solidFill>
-                  <a:srgbClr val="0000FF"/>
-                </a:solidFill>
-                <a:latin typeface="Cascadia Mono" panose="020B0609020000020004" pitchFamily="49" charset="0"/>
-              </a:rPr>
-              <a:t>void</a:t>
-            </a:r>
-            <a:r>
-              <a:rPr lang="en-GB" sz="1550" dirty="0">
-                <a:solidFill>
-                  <a:srgbClr val="000000"/>
-                </a:solidFill>
-                <a:latin typeface="Cascadia Mono" panose="020B0609020000020004" pitchFamily="49" charset="0"/>
-              </a:rPr>
-              <a:t> </a:t>
-            </a:r>
-            <a:r>
-              <a:rPr lang="en-GB" sz="1550" dirty="0" err="1">
-                <a:solidFill>
-                  <a:srgbClr val="000000"/>
-                </a:solidFill>
-                <a:latin typeface="Cascadia Mono" panose="020B0609020000020004" pitchFamily="49" charset="0"/>
-              </a:rPr>
-              <a:t>startNote</a:t>
-            </a:r>
-            <a:r>
-              <a:rPr lang="en-GB" sz="1550" dirty="0">
-                <a:solidFill>
-                  <a:srgbClr val="000000"/>
-                </a:solidFill>
-                <a:latin typeface="Cascadia Mono" panose="020B0609020000020004" pitchFamily="49" charset="0"/>
-              </a:rPr>
-              <a:t>(</a:t>
-            </a:r>
-            <a:r>
-              <a:rPr lang="en-GB" sz="1550" dirty="0">
-                <a:solidFill>
-                  <a:srgbClr val="0000FF"/>
-                </a:solidFill>
-                <a:latin typeface="Cascadia Mono" panose="020B0609020000020004" pitchFamily="49" charset="0"/>
-              </a:rPr>
-              <a:t>int</a:t>
-            </a:r>
-            <a:r>
-              <a:rPr lang="en-GB" sz="1550" dirty="0">
-                <a:solidFill>
-                  <a:srgbClr val="000000"/>
-                </a:solidFill>
-                <a:latin typeface="Cascadia Mono" panose="020B0609020000020004" pitchFamily="49" charset="0"/>
-              </a:rPr>
-              <a:t> </a:t>
-            </a:r>
-            <a:r>
-              <a:rPr lang="en-GB" sz="1550" dirty="0" err="1">
-                <a:solidFill>
-                  <a:srgbClr val="808080"/>
-                </a:solidFill>
-                <a:latin typeface="Cascadia Mono" panose="020B0609020000020004" pitchFamily="49" charset="0"/>
-              </a:rPr>
-              <a:t>midiNoteNumber</a:t>
-            </a:r>
-            <a:r>
-              <a:rPr lang="en-GB" sz="1550" dirty="0">
-                <a:solidFill>
-                  <a:srgbClr val="000000"/>
-                </a:solidFill>
-                <a:latin typeface="Cascadia Mono" panose="020B0609020000020004" pitchFamily="49" charset="0"/>
-              </a:rPr>
-              <a:t>, </a:t>
-            </a:r>
-            <a:r>
-              <a:rPr lang="en-GB" sz="1550" dirty="0">
-                <a:solidFill>
-                  <a:srgbClr val="0000FF"/>
-                </a:solidFill>
-                <a:latin typeface="Cascadia Mono" panose="020B0609020000020004" pitchFamily="49" charset="0"/>
-              </a:rPr>
-              <a:t>float</a:t>
-            </a:r>
-            <a:r>
-              <a:rPr lang="en-GB" sz="1550" dirty="0">
-                <a:solidFill>
-                  <a:srgbClr val="000000"/>
-                </a:solidFill>
-                <a:latin typeface="Cascadia Mono" panose="020B0609020000020004" pitchFamily="49" charset="0"/>
-              </a:rPr>
-              <a:t> </a:t>
-            </a:r>
-            <a:r>
-              <a:rPr lang="en-GB" sz="1550" dirty="0">
-                <a:solidFill>
-                  <a:srgbClr val="808080"/>
-                </a:solidFill>
-                <a:latin typeface="Cascadia Mono" panose="020B0609020000020004" pitchFamily="49" charset="0"/>
-              </a:rPr>
-              <a:t>velocity</a:t>
-            </a:r>
-            <a:r>
-              <a:rPr lang="en-GB" sz="1550" dirty="0">
-                <a:solidFill>
-                  <a:srgbClr val="000000"/>
-                </a:solidFill>
-                <a:latin typeface="Cascadia Mono" panose="020B0609020000020004" pitchFamily="49" charset="0"/>
-              </a:rPr>
-              <a:t>, </a:t>
-            </a:r>
-            <a:r>
-              <a:rPr lang="en-GB" sz="1550" dirty="0" err="1">
-                <a:solidFill>
-                  <a:srgbClr val="2B91AF"/>
-                </a:solidFill>
-                <a:latin typeface="Cascadia Mono" panose="020B0609020000020004" pitchFamily="49" charset="0"/>
-              </a:rPr>
-              <a:t>SynthesiserSound</a:t>
-            </a:r>
-            <a:r>
-              <a:rPr lang="en-GB" sz="1550" dirty="0">
-                <a:solidFill>
-                  <a:srgbClr val="000000"/>
-                </a:solidFill>
-                <a:latin typeface="Cascadia Mono" panose="020B0609020000020004" pitchFamily="49" charset="0"/>
-              </a:rPr>
-              <a:t>* </a:t>
-            </a:r>
-            <a:r>
-              <a:rPr lang="en-GB" sz="1550" dirty="0">
-                <a:solidFill>
-                  <a:srgbClr val="008000"/>
-                </a:solidFill>
-                <a:latin typeface="Cascadia Mono" panose="020B0609020000020004" pitchFamily="49" charset="0"/>
-              </a:rPr>
-              <a:t>/*sound*/</a:t>
-            </a:r>
-            <a:r>
-              <a:rPr lang="en-GB" sz="1550" dirty="0">
-                <a:solidFill>
-                  <a:srgbClr val="000000"/>
-                </a:solidFill>
-                <a:latin typeface="Cascadia Mono" panose="020B0609020000020004" pitchFamily="49" charset="0"/>
-              </a:rPr>
-              <a:t>, </a:t>
-            </a:r>
-            <a:r>
-              <a:rPr lang="en-GB" sz="1550" dirty="0">
-                <a:solidFill>
-                  <a:srgbClr val="0000FF"/>
-                </a:solidFill>
-                <a:latin typeface="Cascadia Mono" panose="020B0609020000020004" pitchFamily="49" charset="0"/>
-              </a:rPr>
-              <a:t>int</a:t>
-            </a:r>
-            <a:r>
-              <a:rPr lang="en-GB" sz="1550" dirty="0">
-                <a:solidFill>
-                  <a:srgbClr val="000000"/>
-                </a:solidFill>
-                <a:latin typeface="Cascadia Mono" panose="020B0609020000020004" pitchFamily="49" charset="0"/>
-              </a:rPr>
-              <a:t>) </a:t>
-            </a:r>
-            <a:r>
-              <a:rPr lang="en-GB" sz="1550" dirty="0">
-                <a:solidFill>
-                  <a:srgbClr val="0000FF"/>
-                </a:solidFill>
-                <a:latin typeface="Cascadia Mono" panose="020B0609020000020004" pitchFamily="49" charset="0"/>
-              </a:rPr>
-              <a:t>override</a:t>
-            </a:r>
-            <a:r>
-              <a:rPr lang="en-GB" sz="1550" dirty="0">
-                <a:solidFill>
-                  <a:srgbClr val="000000"/>
-                </a:solidFill>
-                <a:latin typeface="Cascadia Mono" panose="020B0609020000020004" pitchFamily="49" charset="0"/>
-              </a:rPr>
-              <a:t> {…}</a:t>
-            </a:r>
-          </a:p>
-          <a:p>
-            <a:r>
-              <a:rPr lang="en-GB" sz="1550" dirty="0">
-                <a:solidFill>
-                  <a:srgbClr val="000000"/>
-                </a:solidFill>
-                <a:latin typeface="Cascadia Mono" panose="020B0609020000020004" pitchFamily="49" charset="0"/>
-              </a:rPr>
-              <a:t>  </a:t>
-            </a:r>
-            <a:r>
-              <a:rPr lang="en-GB" sz="1550" dirty="0">
-                <a:solidFill>
-                  <a:srgbClr val="0000FF"/>
-                </a:solidFill>
-                <a:latin typeface="Cascadia Mono" panose="020B0609020000020004" pitchFamily="49" charset="0"/>
-              </a:rPr>
-              <a:t>void</a:t>
-            </a:r>
-            <a:r>
-              <a:rPr lang="en-GB" sz="1550" dirty="0">
-                <a:solidFill>
-                  <a:srgbClr val="000000"/>
-                </a:solidFill>
-                <a:latin typeface="Cascadia Mono" panose="020B0609020000020004" pitchFamily="49" charset="0"/>
-              </a:rPr>
-              <a:t> </a:t>
-            </a:r>
-            <a:r>
-              <a:rPr lang="en-GB" sz="1550" dirty="0" err="1">
-                <a:solidFill>
-                  <a:srgbClr val="000000"/>
-                </a:solidFill>
-                <a:latin typeface="Cascadia Mono" panose="020B0609020000020004" pitchFamily="49" charset="0"/>
-              </a:rPr>
-              <a:t>stopNote</a:t>
-            </a:r>
-            <a:r>
-              <a:rPr lang="en-GB" sz="1550" dirty="0">
-                <a:solidFill>
-                  <a:srgbClr val="000000"/>
-                </a:solidFill>
-                <a:latin typeface="Cascadia Mono" panose="020B0609020000020004" pitchFamily="49" charset="0"/>
-              </a:rPr>
-              <a:t>(</a:t>
-            </a:r>
-            <a:r>
-              <a:rPr lang="en-GB" sz="1550" dirty="0">
-                <a:solidFill>
-                  <a:srgbClr val="0000FF"/>
-                </a:solidFill>
-                <a:latin typeface="Cascadia Mono" panose="020B0609020000020004" pitchFamily="49" charset="0"/>
-              </a:rPr>
-              <a:t>float</a:t>
-            </a:r>
-            <a:r>
-              <a:rPr lang="en-GB" sz="1550" dirty="0">
-                <a:solidFill>
-                  <a:srgbClr val="000000"/>
-                </a:solidFill>
-                <a:latin typeface="Cascadia Mono" panose="020B0609020000020004" pitchFamily="49" charset="0"/>
-              </a:rPr>
-              <a:t> </a:t>
-            </a:r>
-            <a:r>
-              <a:rPr lang="en-GB" sz="1550" dirty="0">
-                <a:solidFill>
-                  <a:srgbClr val="008000"/>
-                </a:solidFill>
-                <a:latin typeface="Cascadia Mono" panose="020B0609020000020004" pitchFamily="49" charset="0"/>
-              </a:rPr>
-              <a:t>/*velocity*/</a:t>
-            </a:r>
-            <a:r>
-              <a:rPr lang="en-GB" sz="1550" dirty="0">
-                <a:solidFill>
-                  <a:srgbClr val="000000"/>
-                </a:solidFill>
-                <a:latin typeface="Cascadia Mono" panose="020B0609020000020004" pitchFamily="49" charset="0"/>
-              </a:rPr>
-              <a:t>, </a:t>
-            </a:r>
-            <a:r>
-              <a:rPr lang="en-GB" sz="1550" dirty="0">
-                <a:solidFill>
-                  <a:srgbClr val="0000FF"/>
-                </a:solidFill>
-                <a:latin typeface="Cascadia Mono" panose="020B0609020000020004" pitchFamily="49" charset="0"/>
-              </a:rPr>
-              <a:t>bool</a:t>
-            </a:r>
-            <a:r>
-              <a:rPr lang="en-GB" sz="1550" dirty="0">
-                <a:solidFill>
-                  <a:srgbClr val="000000"/>
-                </a:solidFill>
-                <a:latin typeface="Cascadia Mono" panose="020B0609020000020004" pitchFamily="49" charset="0"/>
-              </a:rPr>
-              <a:t> </a:t>
-            </a:r>
-            <a:r>
-              <a:rPr lang="en-GB" sz="1550" dirty="0" err="1">
-                <a:solidFill>
-                  <a:srgbClr val="808080"/>
-                </a:solidFill>
-                <a:latin typeface="Cascadia Mono" panose="020B0609020000020004" pitchFamily="49" charset="0"/>
-              </a:rPr>
-              <a:t>allowTailOff</a:t>
-            </a:r>
-            <a:r>
-              <a:rPr lang="en-GB" sz="1550" dirty="0">
-                <a:solidFill>
-                  <a:srgbClr val="000000"/>
-                </a:solidFill>
-                <a:latin typeface="Cascadia Mono" panose="020B0609020000020004" pitchFamily="49" charset="0"/>
-              </a:rPr>
-              <a:t>) </a:t>
-            </a:r>
-            <a:r>
-              <a:rPr lang="en-GB" sz="1550" dirty="0">
-                <a:solidFill>
-                  <a:srgbClr val="0000FF"/>
-                </a:solidFill>
-                <a:latin typeface="Cascadia Mono" panose="020B0609020000020004" pitchFamily="49" charset="0"/>
-              </a:rPr>
-              <a:t>override</a:t>
-            </a:r>
-            <a:r>
-              <a:rPr lang="en-GB" sz="1550" dirty="0">
-                <a:solidFill>
-                  <a:srgbClr val="000000"/>
-                </a:solidFill>
-                <a:latin typeface="Cascadia Mono" panose="020B0609020000020004" pitchFamily="49" charset="0"/>
-              </a:rPr>
-              <a:t> { …  }</a:t>
-            </a:r>
-          </a:p>
-          <a:p>
-            <a:r>
-              <a:rPr lang="en-GB" sz="1550" dirty="0">
-                <a:solidFill>
-                  <a:srgbClr val="000000"/>
-                </a:solidFill>
-                <a:latin typeface="Cascadia Mono" panose="020B0609020000020004" pitchFamily="49" charset="0"/>
-              </a:rPr>
-              <a:t>  </a:t>
-            </a:r>
-            <a:r>
-              <a:rPr lang="en-GB" sz="1550" dirty="0">
-                <a:solidFill>
-                  <a:srgbClr val="0000FF"/>
-                </a:solidFill>
-                <a:latin typeface="Cascadia Mono" panose="020B0609020000020004" pitchFamily="49" charset="0"/>
-              </a:rPr>
-              <a:t>void</a:t>
-            </a:r>
-            <a:r>
-              <a:rPr lang="en-GB" sz="1550" dirty="0">
-                <a:solidFill>
-                  <a:srgbClr val="000000"/>
-                </a:solidFill>
-                <a:latin typeface="Cascadia Mono" panose="020B0609020000020004" pitchFamily="49" charset="0"/>
-              </a:rPr>
-              <a:t> </a:t>
-            </a:r>
-            <a:r>
-              <a:rPr lang="en-GB" sz="1550" dirty="0" err="1">
-                <a:solidFill>
-                  <a:srgbClr val="000000"/>
-                </a:solidFill>
-                <a:latin typeface="Cascadia Mono" panose="020B0609020000020004" pitchFamily="49" charset="0"/>
-              </a:rPr>
-              <a:t>renderNextBlock</a:t>
-            </a:r>
-            <a:r>
-              <a:rPr lang="en-GB" sz="1550" dirty="0">
-                <a:solidFill>
-                  <a:srgbClr val="000000"/>
-                </a:solidFill>
-                <a:latin typeface="Cascadia Mono" panose="020B0609020000020004" pitchFamily="49" charset="0"/>
-              </a:rPr>
-              <a:t>(</a:t>
-            </a:r>
-            <a:r>
-              <a:rPr lang="en-GB" sz="1550" dirty="0" err="1">
-                <a:solidFill>
-                  <a:srgbClr val="2B91AF"/>
-                </a:solidFill>
-                <a:latin typeface="Cascadia Mono" panose="020B0609020000020004" pitchFamily="49" charset="0"/>
-              </a:rPr>
-              <a:t>AudioBuffer</a:t>
-            </a:r>
-            <a:r>
-              <a:rPr lang="en-GB" sz="1550" dirty="0">
-                <a:solidFill>
-                  <a:srgbClr val="000000"/>
-                </a:solidFill>
-                <a:latin typeface="Cascadia Mono" panose="020B0609020000020004" pitchFamily="49" charset="0"/>
-              </a:rPr>
-              <a:t>&lt;</a:t>
-            </a:r>
-            <a:r>
-              <a:rPr lang="en-GB" sz="1550" dirty="0">
-                <a:solidFill>
-                  <a:srgbClr val="0000FF"/>
-                </a:solidFill>
-                <a:latin typeface="Cascadia Mono" panose="020B0609020000020004" pitchFamily="49" charset="0"/>
-              </a:rPr>
-              <a:t>float</a:t>
-            </a:r>
-            <a:r>
-              <a:rPr lang="en-GB" sz="1550" dirty="0">
-                <a:solidFill>
-                  <a:srgbClr val="000000"/>
-                </a:solidFill>
-                <a:latin typeface="Cascadia Mono" panose="020B0609020000020004" pitchFamily="49" charset="0"/>
-              </a:rPr>
-              <a:t>&gt;&amp; </a:t>
-            </a:r>
-            <a:r>
-              <a:rPr lang="en-GB" sz="1550" dirty="0" err="1">
-                <a:solidFill>
-                  <a:srgbClr val="808080"/>
-                </a:solidFill>
-                <a:latin typeface="Cascadia Mono" panose="020B0609020000020004" pitchFamily="49" charset="0"/>
-              </a:rPr>
-              <a:t>outputBuffer</a:t>
-            </a:r>
-            <a:r>
-              <a:rPr lang="en-GB" sz="1550" dirty="0" err="1">
-                <a:solidFill>
-                  <a:srgbClr val="000000"/>
-                </a:solidFill>
-                <a:latin typeface="Cascadia Mono" panose="020B0609020000020004" pitchFamily="49" charset="0"/>
-              </a:rPr>
-              <a:t>,</a:t>
-            </a:r>
-            <a:r>
-              <a:rPr lang="en-GB" sz="1550" dirty="0" err="1">
-                <a:solidFill>
-                  <a:srgbClr val="0000FF"/>
-                </a:solidFill>
-                <a:latin typeface="Cascadia Mono" panose="020B0609020000020004" pitchFamily="49" charset="0"/>
-              </a:rPr>
-              <a:t>int</a:t>
-            </a:r>
-            <a:r>
-              <a:rPr lang="en-GB" sz="1550" dirty="0">
-                <a:solidFill>
-                  <a:srgbClr val="000000"/>
-                </a:solidFill>
-                <a:latin typeface="Cascadia Mono" panose="020B0609020000020004" pitchFamily="49" charset="0"/>
-              </a:rPr>
-              <a:t> </a:t>
-            </a:r>
-            <a:r>
-              <a:rPr lang="en-GB" sz="1550" dirty="0" err="1">
-                <a:solidFill>
-                  <a:srgbClr val="808080"/>
-                </a:solidFill>
-                <a:latin typeface="Cascadia Mono" panose="020B0609020000020004" pitchFamily="49" charset="0"/>
-              </a:rPr>
-              <a:t>startSample</a:t>
-            </a:r>
-            <a:r>
-              <a:rPr lang="en-GB" sz="1550" dirty="0" err="1">
-                <a:solidFill>
-                  <a:srgbClr val="000000"/>
-                </a:solidFill>
-                <a:latin typeface="Cascadia Mono" panose="020B0609020000020004" pitchFamily="49" charset="0"/>
-              </a:rPr>
-              <a:t>,</a:t>
-            </a:r>
-            <a:r>
-              <a:rPr lang="en-GB" sz="1550" dirty="0" err="1">
-                <a:solidFill>
-                  <a:srgbClr val="0000FF"/>
-                </a:solidFill>
-                <a:latin typeface="Cascadia Mono" panose="020B0609020000020004" pitchFamily="49" charset="0"/>
-              </a:rPr>
-              <a:t>int</a:t>
-            </a:r>
-            <a:r>
-              <a:rPr lang="en-GB" sz="1550" dirty="0">
-                <a:solidFill>
-                  <a:srgbClr val="000000"/>
-                </a:solidFill>
-                <a:latin typeface="Cascadia Mono" panose="020B0609020000020004" pitchFamily="49" charset="0"/>
-              </a:rPr>
-              <a:t> </a:t>
-            </a:r>
-            <a:r>
-              <a:rPr lang="en-GB" sz="1550" dirty="0" err="1">
-                <a:solidFill>
-                  <a:srgbClr val="808080"/>
-                </a:solidFill>
-                <a:latin typeface="Cascadia Mono" panose="020B0609020000020004" pitchFamily="49" charset="0"/>
-              </a:rPr>
-              <a:t>numSamples</a:t>
-            </a:r>
-            <a:r>
-              <a:rPr lang="en-GB" sz="1550" dirty="0">
-                <a:solidFill>
-                  <a:srgbClr val="000000"/>
-                </a:solidFill>
-                <a:latin typeface="Cascadia Mono" panose="020B0609020000020004" pitchFamily="49" charset="0"/>
-              </a:rPr>
-              <a:t>) </a:t>
-            </a:r>
-            <a:r>
-              <a:rPr lang="en-GB" sz="1550" dirty="0">
-                <a:solidFill>
-                  <a:srgbClr val="0000FF"/>
-                </a:solidFill>
-                <a:latin typeface="Cascadia Mono" panose="020B0609020000020004" pitchFamily="49" charset="0"/>
-              </a:rPr>
-              <a:t>override</a:t>
-            </a:r>
-            <a:r>
-              <a:rPr lang="en-GB" sz="1550" dirty="0">
-                <a:solidFill>
-                  <a:srgbClr val="000000"/>
-                </a:solidFill>
-                <a:latin typeface="Cascadia Mono" panose="020B0609020000020004" pitchFamily="49" charset="0"/>
-              </a:rPr>
-              <a:t> {…} </a:t>
-            </a:r>
-          </a:p>
-          <a:p>
-            <a:r>
-              <a:rPr lang="en-GB" sz="1550" dirty="0">
-                <a:solidFill>
-                  <a:srgbClr val="0000FF"/>
-                </a:solidFill>
-                <a:latin typeface="Cascadia Mono" panose="020B0609020000020004" pitchFamily="49" charset="0"/>
-              </a:rPr>
-              <a:t>private</a:t>
-            </a:r>
-            <a:r>
-              <a:rPr lang="en-GB" sz="1550" dirty="0">
-                <a:solidFill>
-                  <a:srgbClr val="000000"/>
-                </a:solidFill>
-                <a:latin typeface="Cascadia Mono" panose="020B0609020000020004" pitchFamily="49" charset="0"/>
-              </a:rPr>
-              <a:t>:</a:t>
-            </a:r>
-          </a:p>
-          <a:p>
-            <a:r>
-              <a:rPr lang="en-GB" sz="1550" dirty="0">
-                <a:solidFill>
-                  <a:srgbClr val="000000"/>
-                </a:solidFill>
-                <a:latin typeface="Cascadia Mono" panose="020B0609020000020004" pitchFamily="49" charset="0"/>
-              </a:rPr>
-              <a:t>  </a:t>
-            </a:r>
-            <a:r>
-              <a:rPr lang="en-GB" sz="1550" dirty="0">
-                <a:solidFill>
-                  <a:srgbClr val="0000FF"/>
-                </a:solidFill>
-                <a:latin typeface="Cascadia Mono" panose="020B0609020000020004" pitchFamily="49" charset="0"/>
-              </a:rPr>
-              <a:t>double</a:t>
-            </a:r>
-            <a:r>
-              <a:rPr lang="en-GB" sz="1550" dirty="0">
-                <a:solidFill>
-                  <a:srgbClr val="000000"/>
-                </a:solidFill>
-                <a:latin typeface="Cascadia Mono" panose="020B0609020000020004" pitchFamily="49" charset="0"/>
-              </a:rPr>
-              <a:t> </a:t>
-            </a:r>
-            <a:r>
-              <a:rPr lang="en-GB" sz="1550" dirty="0" err="1">
-                <a:solidFill>
-                  <a:srgbClr val="000000"/>
-                </a:solidFill>
-                <a:latin typeface="Cascadia Mono" panose="020B0609020000020004" pitchFamily="49" charset="0"/>
-              </a:rPr>
-              <a:t>currentAngle</a:t>
-            </a:r>
-            <a:r>
-              <a:rPr lang="en-GB" sz="1550" dirty="0">
-                <a:solidFill>
-                  <a:srgbClr val="000000"/>
-                </a:solidFill>
-                <a:latin typeface="Cascadia Mono" panose="020B0609020000020004" pitchFamily="49" charset="0"/>
-              </a:rPr>
-              <a:t> = 0.0, </a:t>
-            </a:r>
-            <a:r>
-              <a:rPr lang="en-GB" sz="1550" dirty="0" err="1">
-                <a:solidFill>
-                  <a:srgbClr val="000000"/>
-                </a:solidFill>
-                <a:latin typeface="Cascadia Mono" panose="020B0609020000020004" pitchFamily="49" charset="0"/>
-              </a:rPr>
-              <a:t>angleDelta</a:t>
-            </a:r>
-            <a:r>
-              <a:rPr lang="en-GB" sz="1550" dirty="0">
-                <a:solidFill>
-                  <a:srgbClr val="000000"/>
-                </a:solidFill>
-                <a:latin typeface="Cascadia Mono" panose="020B0609020000020004" pitchFamily="49" charset="0"/>
-              </a:rPr>
-              <a:t> = 0.0, level = 0.0;</a:t>
-            </a:r>
-          </a:p>
-          <a:p>
-            <a:r>
-              <a:rPr lang="en-GB" sz="1550" dirty="0">
+              <a:t>true</a:t>
+            </a:r>
+            <a:r>
+              <a:rPr lang="en-GB" sz="2000" dirty="0">
+                <a:solidFill>
+                  <a:srgbClr val="000000"/>
+                </a:solidFill>
+                <a:latin typeface="Cascadia Mono" panose="020B0609020000020004" pitchFamily="49" charset="0"/>
+              </a:rPr>
+              <a:t>; }</a:t>
+            </a:r>
+          </a:p>
+          <a:p>
+            <a:r>
+              <a:rPr lang="en-GB" sz="2000" dirty="0">
                 <a:solidFill>
                   <a:srgbClr val="000000"/>
                 </a:solidFill>
@@ -6770,7 +7642,7 @@
     </p:spTree>
     <p:extLst>
       <p:ext uri="{BB962C8B-B14F-4D97-AF65-F5344CB8AC3E}">
-        <p14:creationId xmlns:p14="http://schemas.microsoft.com/office/powerpoint/2010/main" val="2484774049"/>
+        <p14:creationId xmlns:p14="http://schemas.microsoft.com/office/powerpoint/2010/main" val="3294115255"/>
       </p:ext>
     </p:extLst>
   </p:cSld>
@@ -6813,16 +7685,9 @@
             <p:ph type="title"/>
           </p:nvPr>
         </p:nvSpPr>
-        <p:spPr>
-          <a:xfrm>
-            <a:off x="527901" y="0"/>
-            <a:ext cx="11380564" cy="1060515"/>
-          </a:xfrm>
-        </p:spPr>
+        <p:spPr/>
         <p:txBody>
-          <a:bodyPr>
-            <a:normAutofit fontScale="90000"/>
-          </a:bodyPr>
+          <a:bodyPr/>
           <a:lstStyle/>
           <a:p>
             <a:r>
@@ -6835,21 +7700,8 @@
             </a:r>
             <a:r>
               <a:rPr lang="en-GB" dirty="0"/>
-              <a:t> Class – </a:t>
-            </a:r>
-            <a:r>
-              <a:rPr lang="en-GB" dirty="0" err="1"/>
-              <a:t>startNote</a:t>
-            </a:r>
-            <a:r>
-              <a:rPr lang="en-GB" dirty="0"/>
-              <a:t> &amp; </a:t>
-            </a:r>
-            <a:r>
-              <a:rPr lang="en-GB" dirty="0" err="1"/>
-              <a:t>stopNote</a:t>
-            </a:r>
-            <a:endParaRPr lang="en-GB" dirty="0"/>
+              <a:t> Class</a:t>
+            </a:r>
           </a:p>
         </p:txBody>
       </p:sp>
@@ -6871,13 +7723,13 @@
         </p:nvSpPr>
         <p:spPr>
           <a:xfrm>
-            <a:off x="606056" y="1499190"/>
-            <a:ext cx="11466201" cy="2136639"/>
+            <a:off x="438540" y="1060516"/>
+            <a:ext cx="11633718" cy="2575314"/>
           </a:xfrm>
         </p:spPr>
         <p:txBody>
           <a:bodyPr>
-            <a:normAutofit/>
+            <a:normAutofit fontScale="92500" lnSpcReduction="10000"/>
           </a:bodyPr>
           <a:lstStyle/>
           <a:p>
@@ -6891,12 +7743,12 @@
               <a:buNone/>
             </a:pPr>
             <a:r>
-              <a:rPr lang="en-GB" sz="3200" dirty="0" err="1"/>
+              <a:rPr lang="en-GB" sz="2700" dirty="0" err="1"/>
               <a:t>SineWaveVoice</a:t>
             </a:r>
             <a:r>
-              <a:rPr lang="en-GB" sz="3200" dirty="0"/>
-              <a:t> class</a:t>
+              <a:rPr lang="en-GB" sz="2700" dirty="0"/>
+              <a:t> class maintains state of one of the voices of the synthesiser</a:t>
             </a:r>
           </a:p>
           <a:p>
@@ -6909,11 +7761,87 @@
               </a:spcBef>
             </a:pPr>
             <a:r>
-              <a:rPr lang="en-GB" sz="2800" dirty="0"/>
+              <a:rPr lang="en-GB" sz="2400" dirty="0"/>
+              <a:t>For sine wave, need data members </a:t>
+            </a:r>
+            <a:r>
+              <a:rPr lang="en-GB" sz="2400" dirty="0" err="1">
+                <a:solidFill>
+                  <a:srgbClr val="0000FF"/>
+                </a:solidFill>
+              </a:rPr>
+              <a:t>currentAngle</a:t>
+            </a:r>
+            <a:r>
+              <a:rPr lang="en-GB" sz="2400" dirty="0"/>
+              <a:t>, </a:t>
+            </a:r>
+            <a:r>
+              <a:rPr lang="en-GB" sz="2400" dirty="0" err="1">
+                <a:solidFill>
+                  <a:srgbClr val="0000FF"/>
+                </a:solidFill>
+              </a:rPr>
+              <a:t>angleDelta</a:t>
+            </a:r>
+            <a:r>
+              <a:rPr lang="en-GB" sz="2400" dirty="0"/>
+              <a:t>, </a:t>
+            </a:r>
+            <a:r>
+              <a:rPr lang="en-GB" sz="2400" dirty="0">
+                <a:solidFill>
+                  <a:srgbClr val="0000FF"/>
+                </a:solidFill>
+              </a:rPr>
+              <a:t>level</a:t>
+            </a:r>
+          </a:p>
+          <a:p>
+            <a:pPr>
+              <a:lnSpc>
+                <a:spcPct val="110000"/>
+              </a:lnSpc>
+              <a:spcBef>
+                <a:spcPts val="400"/>
+              </a:spcBef>
+            </a:pPr>
+            <a:r>
+              <a:rPr lang="en-GB" sz="2400" dirty="0" err="1">
+                <a:solidFill>
+                  <a:srgbClr val="0000FF"/>
+                </a:solidFill>
+              </a:rPr>
+              <a:t>canPlaySound</a:t>
+            </a:r>
+            <a:r>
+              <a:rPr lang="en-GB" sz="2400" dirty="0"/>
+              <a:t> must be </a:t>
+            </a:r>
+            <a:r>
+              <a:rPr lang="en-GB" sz="2400" dirty="0" err="1"/>
+              <a:t>overriden</a:t>
+            </a:r>
+            <a:r>
+              <a:rPr lang="en-GB" sz="2400" dirty="0"/>
+              <a:t> to return whether voice can play a sound</a:t>
+            </a:r>
+          </a:p>
+          <a:p>
+            <a:pPr>
+              <a:lnSpc>
+                <a:spcPct val="110000"/>
+              </a:lnSpc>
+              <a:spcBef>
+                <a:spcPts val="400"/>
+              </a:spcBef>
+            </a:pPr>
+            <a:r>
+              <a:rPr lang="en-GB" sz="2400" dirty="0"/>
               <a:t>Voice started/stopped by synthesiser calling </a:t>
             </a:r>
             <a:r>
-              <a:rPr lang="en-GB" sz="2800" dirty="0" err="1">
+              <a:rPr lang="en-GB" sz="2400" dirty="0" err="1">
                 <a:solidFill>
                   <a:srgbClr val="0000FF"/>
                 </a:solidFill>
@@ -6921,27 +7849,85 @@
               <a:t>startNote</a:t>
             </a:r>
             <a:r>
-              <a:rPr lang="en-GB" sz="2800" dirty="0"/>
+              <a:rPr lang="en-GB" sz="2400" dirty="0"/>
               <a:t>/</a:t>
             </a:r>
             <a:r>
-              <a:rPr lang="en-GB" sz="2800" dirty="0" err="1">
+              <a:rPr lang="en-GB" sz="2400" dirty="0" err="1">
                 <a:solidFill>
                   <a:srgbClr val="0000FF"/>
                 </a:solidFill>
               </a:rPr>
               <a:t>stopNote</a:t>
             </a:r>
-            <a:endParaRPr lang="en-GB" dirty="0"/>
+            <a:r>
+              <a:rPr lang="en-GB" sz="2400" dirty="0"/>
+              <a:t>, which we must override</a:t>
+            </a:r>
+          </a:p>
+          <a:p>
+            <a:pPr>
+              <a:lnSpc>
+                <a:spcPct val="110000"/>
+              </a:lnSpc>
+              <a:spcBef>
+                <a:spcPts val="400"/>
+              </a:spcBef>
+            </a:pPr>
+            <a:r>
+              <a:rPr lang="en-GB" sz="2400" dirty="0" err="1">
+                <a:solidFill>
+                  <a:srgbClr val="0000FF"/>
+                </a:solidFill>
+              </a:rPr>
+              <a:t>renderNextBlock</a:t>
+            </a:r>
+            <a:r>
+              <a:rPr lang="en-GB" sz="2400" dirty="0"/>
+              <a:t> must be </a:t>
+            </a:r>
+            <a:r>
+              <a:rPr lang="en-GB" sz="2400" dirty="0" err="1"/>
+              <a:t>overriden</a:t>
+            </a:r>
+            <a:r>
+              <a:rPr lang="en-GB" sz="2400" dirty="0"/>
+              <a:t> to generate the audio</a:t>
+            </a:r>
+          </a:p>
+          <a:p>
+            <a:pPr>
+              <a:lnSpc>
+                <a:spcPct val="110000"/>
+              </a:lnSpc>
+              <a:spcBef>
+                <a:spcPts val="400"/>
+              </a:spcBef>
+            </a:pPr>
+            <a:r>
+              <a:rPr lang="en-GB" sz="2400" dirty="0"/>
+              <a:t>And we only use the keyboard, so no pitch wheel or controller</a:t>
+            </a:r>
+          </a:p>
+          <a:p>
+            <a:pPr>
+              <a:lnSpc>
+                <a:spcPct val="110000"/>
+              </a:lnSpc>
+              <a:spcBef>
+                <a:spcPts val="400"/>
+              </a:spcBef>
+            </a:pPr>
+            <a:endParaRPr lang="en-GB" sz="2400" dirty="0"/>
           </a:p>
         </p:txBody>
       </p:sp>
       <p:sp>
         <p:nvSpPr>
-          <p:cNvPr id="5" name="TextBox 4">
+          <p:cNvPr id="6" name="TextBox 5">
             <a:extLst>
               <a:ext uri="{FF2B5EF4-FFF2-40B4-BE49-F238E27FC236}">
-                <a16:creationId xmlns:a16="http://schemas.microsoft.com/office/drawing/2014/main" id="{017AF271-A89E-D7DF-99D6-29B2879F22AC}"/>
+                <a16:creationId xmlns:a16="http://schemas.microsoft.com/office/drawing/2014/main" id="{38204557-4687-F078-55B6-6AFAA9C52DDD}"/>
               </a:ext>
             </a:extLst>
           </p:cNvPr>
@@ -6950,8 +7936,8 @@
         </p:nvSpPr>
         <p:spPr>
           <a:xfrm>
-            <a:off x="323822" y="3080221"/>
-            <a:ext cx="11544356" cy="2862322"/>
+            <a:off x="119743" y="3524692"/>
+            <a:ext cx="11952515" cy="2954655"/>
           </a:xfrm>
           <a:prstGeom prst="rect">
             <a:avLst/>
@@ -6970,16 +7956,148 @@
           <a:lstStyle/>
           <a:p>
             <a:r>
-              <a:rPr lang="en-GB" dirty="0">
+              <a:rPr lang="en-GB" sz="1550" dirty="0">
                 <a:solidFill>
                   <a:srgbClr val="0000FF"/>
                 </a:solidFill>
                 <a:latin typeface="Cascadia Mono" panose="020B0609020000020004" pitchFamily="49" charset="0"/>
               </a:rPr>
+              <a:t>class</a:t>
+            </a:r>
+            <a:r>
+              <a:rPr lang="en-GB" sz="1550" dirty="0">
+                <a:solidFill>
+                  <a:srgbClr val="000000"/>
+                </a:solidFill>
+                <a:latin typeface="Cascadia Mono" panose="020B0609020000020004" pitchFamily="49" charset="0"/>
+              </a:rPr>
+              <a:t> </a:t>
+            </a:r>
+            <a:r>
+              <a:rPr lang="en-GB" sz="1550" dirty="0" err="1">
+                <a:solidFill>
+                  <a:srgbClr val="2B91AF"/>
+                </a:solidFill>
+                <a:latin typeface="Cascadia Mono" panose="020B0609020000020004" pitchFamily="49" charset="0"/>
+              </a:rPr>
+              <a:t>SineWaveVoice</a:t>
+            </a:r>
+            <a:r>
+              <a:rPr lang="en-GB" sz="1550" dirty="0">
+                <a:solidFill>
+                  <a:srgbClr val="000000"/>
+                </a:solidFill>
+                <a:latin typeface="Cascadia Mono" panose="020B0609020000020004" pitchFamily="49" charset="0"/>
+              </a:rPr>
+              <a:t> : </a:t>
+            </a:r>
+            <a:r>
+              <a:rPr lang="en-GB" sz="1550" dirty="0">
+                <a:solidFill>
+                  <a:srgbClr val="0000FF"/>
+                </a:solidFill>
+                <a:latin typeface="Cascadia Mono" panose="020B0609020000020004" pitchFamily="49" charset="0"/>
+              </a:rPr>
+              <a:t>public</a:t>
+            </a:r>
+            <a:r>
+              <a:rPr lang="en-GB" sz="1550" dirty="0">
+                <a:solidFill>
+                  <a:srgbClr val="000000"/>
+                </a:solidFill>
+                <a:latin typeface="Cascadia Mono" panose="020B0609020000020004" pitchFamily="49" charset="0"/>
+              </a:rPr>
+              <a:t> </a:t>
+            </a:r>
+            <a:r>
+              <a:rPr lang="en-GB" sz="1550" dirty="0" err="1">
+                <a:solidFill>
+                  <a:srgbClr val="2B91AF"/>
+                </a:solidFill>
+                <a:latin typeface="Cascadia Mono" panose="020B0609020000020004" pitchFamily="49" charset="0"/>
+              </a:rPr>
+              <a:t>SynthesiserVoice</a:t>
+            </a:r>
+            <a:r>
+              <a:rPr lang="en-GB" sz="1550" dirty="0">
+                <a:solidFill>
+                  <a:srgbClr val="000000"/>
+                </a:solidFill>
+                <a:latin typeface="Cascadia Mono" panose="020B0609020000020004" pitchFamily="49" charset="0"/>
+              </a:rPr>
+              <a:t> { </a:t>
+            </a:r>
+          </a:p>
+          <a:p>
+            <a:r>
+              <a:rPr lang="en-GB" sz="1550" dirty="0">
+                <a:solidFill>
+                  <a:srgbClr val="0000FF"/>
+                </a:solidFill>
+                <a:latin typeface="Cascadia Mono" panose="020B0609020000020004" pitchFamily="49" charset="0"/>
+              </a:rPr>
+              <a:t>public</a:t>
+            </a:r>
+            <a:r>
+              <a:rPr lang="en-GB" sz="1550" dirty="0">
+                <a:solidFill>
+                  <a:srgbClr val="000000"/>
+                </a:solidFill>
+                <a:latin typeface="Cascadia Mono" panose="020B0609020000020004" pitchFamily="49" charset="0"/>
+              </a:rPr>
+              <a:t>:</a:t>
+            </a:r>
+          </a:p>
+          <a:p>
+            <a:r>
+              <a:rPr lang="en-GB" sz="1550" dirty="0">
+                <a:solidFill>
+                  <a:srgbClr val="000000"/>
+                </a:solidFill>
+                <a:latin typeface="Cascadia Mono" panose="020B0609020000020004" pitchFamily="49" charset="0"/>
+              </a:rPr>
+              <a:t>  </a:t>
+            </a:r>
+            <a:r>
+              <a:rPr lang="en-GB" sz="1550" dirty="0" err="1">
+                <a:solidFill>
+                  <a:srgbClr val="000000"/>
+                </a:solidFill>
+                <a:latin typeface="Cascadia Mono" panose="020B0609020000020004" pitchFamily="49" charset="0"/>
+              </a:rPr>
+              <a:t>SineWaveVoice</a:t>
+            </a:r>
+            <a:r>
+              <a:rPr lang="en-GB" sz="1550" dirty="0">
+                <a:solidFill>
+                  <a:srgbClr val="000000"/>
+                </a:solidFill>
+                <a:latin typeface="Cascadia Mono" panose="020B0609020000020004" pitchFamily="49" charset="0"/>
+              </a:rPr>
+              <a:t>() {}</a:t>
+            </a:r>
+          </a:p>
+          <a:p>
+            <a:r>
+              <a:rPr lang="en-GB" sz="1550" dirty="0">
+                <a:solidFill>
+                  <a:srgbClr val="000000"/>
+                </a:solidFill>
+                <a:latin typeface="Cascadia Mono" panose="020B0609020000020004" pitchFamily="49" charset="0"/>
+              </a:rPr>
+              <a:t>  </a:t>
+            </a:r>
+            <a:r>
+              <a:rPr lang="en-GB" sz="1550" dirty="0">
+                <a:solidFill>
+                  <a:srgbClr val="0000FF"/>
+                </a:solidFill>
+                <a:latin typeface="Cascadia Mono" panose="020B0609020000020004" pitchFamily="49" charset="0"/>
+              </a:rPr>
               <a:t>void</a:t>
             </a:r>
             <a:r>
-              <a:rPr lang="en-GB" dirty="0">
+              <a:rPr lang="en-GB" sz="1550" dirty="0">
                 <a:solidFill>
                   <a:srgbClr val="000000"/>
                 </a:solidFill>
@@ -6988,7 +8106,310 @@
               <a:t> </a:t>
             </a:r>
             <a:r>
-              <a:rPr lang="en-GB" dirty="0" err="1">
+              <a:rPr lang="en-GB" sz="1550" dirty="0" err="1">
+                <a:solidFill>
+                  <a:srgbClr val="000000"/>
+                </a:solidFill>
+                <a:latin typeface="Cascadia Mono" panose="020B0609020000020004" pitchFamily="49" charset="0"/>
+              </a:rPr>
+              <a:t>pitchWheelMoved</a:t>
+            </a:r>
+            <a:r>
+              <a:rPr lang="en-GB" sz="1550" dirty="0">
+                <a:solidFill>
+                  <a:srgbClr val="000000"/>
+                </a:solidFill>
+                <a:latin typeface="Cascadia Mono" panose="020B0609020000020004" pitchFamily="49" charset="0"/>
+              </a:rPr>
+              <a:t>(</a:t>
+            </a:r>
+            <a:r>
+              <a:rPr lang="en-GB" sz="1550" dirty="0">
+                <a:solidFill>
+                  <a:srgbClr val="0000FF"/>
+                </a:solidFill>
+                <a:latin typeface="Cascadia Mono" panose="020B0609020000020004" pitchFamily="49" charset="0"/>
+              </a:rPr>
+              <a:t>int</a:t>
+            </a:r>
+            <a:r>
+              <a:rPr lang="en-GB" sz="1550" dirty="0">
+                <a:solidFill>
+                  <a:srgbClr val="000000"/>
+                </a:solidFill>
+                <a:latin typeface="Cascadia Mono" panose="020B0609020000020004" pitchFamily="49" charset="0"/>
+              </a:rPr>
+              <a:t>) </a:t>
+            </a:r>
+            <a:r>
+              <a:rPr lang="en-GB" sz="1550" dirty="0">
+                <a:solidFill>
+                  <a:srgbClr val="0000FF"/>
+                </a:solidFill>
+                <a:latin typeface="Cascadia Mono" panose="020B0609020000020004" pitchFamily="49" charset="0"/>
+              </a:rPr>
+              <a:t>override</a:t>
+            </a:r>
+            <a:r>
+              <a:rPr lang="en-GB" sz="1550" dirty="0">
+                <a:solidFill>
+                  <a:srgbClr val="000000"/>
+                </a:solidFill>
+                <a:latin typeface="Cascadia Mono" panose="020B0609020000020004" pitchFamily="49" charset="0"/>
+              </a:rPr>
+              <a:t> {}</a:t>
+            </a:r>
+          </a:p>
+          <a:p>
+            <a:r>
+              <a:rPr lang="en-GB" sz="1550" dirty="0">
+                <a:solidFill>
+                  <a:srgbClr val="000000"/>
+                </a:solidFill>
+                <a:latin typeface="Cascadia Mono" panose="020B0609020000020004" pitchFamily="49" charset="0"/>
+              </a:rPr>
+              <a:t>  </a:t>
+            </a:r>
+            <a:r>
+              <a:rPr lang="en-GB" sz="1550" dirty="0">
+                <a:solidFill>
+                  <a:srgbClr val="0000FF"/>
+                </a:solidFill>
+                <a:latin typeface="Cascadia Mono" panose="020B0609020000020004" pitchFamily="49" charset="0"/>
+              </a:rPr>
+              <a:t>void</a:t>
+            </a:r>
+            <a:r>
+              <a:rPr lang="en-GB" sz="1550" dirty="0">
+                <a:solidFill>
+                  <a:srgbClr val="000000"/>
+                </a:solidFill>
+                <a:latin typeface="Cascadia Mono" panose="020B0609020000020004" pitchFamily="49" charset="0"/>
+              </a:rPr>
+              <a:t> </a:t>
+            </a:r>
+            <a:r>
+              <a:rPr lang="en-GB" sz="1550" dirty="0" err="1">
+                <a:solidFill>
+                  <a:srgbClr val="000000"/>
+                </a:solidFill>
+                <a:latin typeface="Cascadia Mono" panose="020B0609020000020004" pitchFamily="49" charset="0"/>
+              </a:rPr>
+              <a:t>controllerMoved</a:t>
+            </a:r>
+            <a:r>
+              <a:rPr lang="en-GB" sz="1550" dirty="0">
+                <a:solidFill>
+                  <a:srgbClr val="000000"/>
+                </a:solidFill>
+                <a:latin typeface="Cascadia Mono" panose="020B0609020000020004" pitchFamily="49" charset="0"/>
+              </a:rPr>
+              <a:t>(</a:t>
+            </a:r>
+            <a:r>
+              <a:rPr lang="en-GB" sz="1550" dirty="0">
+                <a:solidFill>
+                  <a:srgbClr val="0000FF"/>
+                </a:solidFill>
+                <a:latin typeface="Cascadia Mono" panose="020B0609020000020004" pitchFamily="49" charset="0"/>
+              </a:rPr>
+              <a:t>int</a:t>
+            </a:r>
+            <a:r>
+              <a:rPr lang="en-GB" sz="1550" dirty="0">
+                <a:solidFill>
+                  <a:srgbClr val="000000"/>
+                </a:solidFill>
+                <a:latin typeface="Cascadia Mono" panose="020B0609020000020004" pitchFamily="49" charset="0"/>
+              </a:rPr>
+              <a:t>, </a:t>
+            </a:r>
+            <a:r>
+              <a:rPr lang="en-GB" sz="1550" dirty="0">
+                <a:solidFill>
+                  <a:srgbClr val="0000FF"/>
+                </a:solidFill>
+                <a:latin typeface="Cascadia Mono" panose="020B0609020000020004" pitchFamily="49" charset="0"/>
+              </a:rPr>
+              <a:t>int</a:t>
+            </a:r>
+            <a:r>
+              <a:rPr lang="en-GB" sz="1550" dirty="0">
+                <a:solidFill>
+                  <a:srgbClr val="000000"/>
+                </a:solidFill>
+                <a:latin typeface="Cascadia Mono" panose="020B0609020000020004" pitchFamily="49" charset="0"/>
+              </a:rPr>
+              <a:t>) </a:t>
+            </a:r>
+            <a:r>
+              <a:rPr lang="en-GB" sz="1550" dirty="0">
+                <a:solidFill>
+                  <a:srgbClr val="0000FF"/>
+                </a:solidFill>
+                <a:latin typeface="Cascadia Mono" panose="020B0609020000020004" pitchFamily="49" charset="0"/>
+              </a:rPr>
+              <a:t>override</a:t>
+            </a:r>
+            <a:r>
+              <a:rPr lang="en-GB" sz="1550" dirty="0">
+                <a:solidFill>
+                  <a:srgbClr val="000000"/>
+                </a:solidFill>
+                <a:latin typeface="Cascadia Mono" panose="020B0609020000020004" pitchFamily="49" charset="0"/>
+              </a:rPr>
+              <a:t> {}</a:t>
+            </a:r>
+          </a:p>
+          <a:p>
+            <a:r>
+              <a:rPr lang="en-GB" sz="1550" dirty="0">
+                <a:solidFill>
+                  <a:srgbClr val="000000"/>
+                </a:solidFill>
+                <a:latin typeface="Cascadia Mono" panose="020B0609020000020004" pitchFamily="49" charset="0"/>
+              </a:rPr>
+              <a:t>  </a:t>
+            </a:r>
+            <a:r>
+              <a:rPr lang="en-GB" sz="1550" dirty="0">
+                <a:solidFill>
+                  <a:srgbClr val="0000FF"/>
+                </a:solidFill>
+                <a:latin typeface="Cascadia Mono" panose="020B0609020000020004" pitchFamily="49" charset="0"/>
+              </a:rPr>
+              <a:t>bool</a:t>
+            </a:r>
+            <a:r>
+              <a:rPr lang="en-GB" sz="1550" dirty="0">
+                <a:solidFill>
+                  <a:srgbClr val="000000"/>
+                </a:solidFill>
+                <a:latin typeface="Cascadia Mono" panose="020B0609020000020004" pitchFamily="49" charset="0"/>
+              </a:rPr>
+              <a:t> </a:t>
+            </a:r>
+            <a:r>
+              <a:rPr lang="en-GB" sz="1550" dirty="0" err="1">
+                <a:solidFill>
+                  <a:srgbClr val="000000"/>
+                </a:solidFill>
+                <a:latin typeface="Cascadia Mono" panose="020B0609020000020004" pitchFamily="49" charset="0"/>
+              </a:rPr>
+              <a:t>canPlaySound</a:t>
+            </a:r>
+            <a:r>
+              <a:rPr lang="en-GB" sz="1550" dirty="0">
+                <a:solidFill>
+                  <a:srgbClr val="000000"/>
+                </a:solidFill>
+                <a:latin typeface="Cascadia Mono" panose="020B0609020000020004" pitchFamily="49" charset="0"/>
+              </a:rPr>
+              <a:t>(</a:t>
+            </a:r>
+            <a:r>
+              <a:rPr lang="en-GB" sz="1550" dirty="0" err="1">
+                <a:solidFill>
+                  <a:srgbClr val="2B91AF"/>
+                </a:solidFill>
+                <a:latin typeface="Cascadia Mono" panose="020B0609020000020004" pitchFamily="49" charset="0"/>
+              </a:rPr>
+              <a:t>SynthesiserSound</a:t>
+            </a:r>
+            <a:r>
+              <a:rPr lang="en-GB" sz="1550" dirty="0">
+                <a:solidFill>
+                  <a:srgbClr val="000000"/>
+                </a:solidFill>
+                <a:latin typeface="Cascadia Mono" panose="020B0609020000020004" pitchFamily="49" charset="0"/>
+              </a:rPr>
+              <a:t>* </a:t>
+            </a:r>
+            <a:r>
+              <a:rPr lang="en-GB" sz="1550" dirty="0">
+                <a:solidFill>
+                  <a:srgbClr val="808080"/>
+                </a:solidFill>
+                <a:latin typeface="Cascadia Mono" panose="020B0609020000020004" pitchFamily="49" charset="0"/>
+              </a:rPr>
+              <a:t>sound</a:t>
+            </a:r>
+            <a:r>
+              <a:rPr lang="en-GB" sz="1550" dirty="0">
+                <a:solidFill>
+                  <a:srgbClr val="000000"/>
+                </a:solidFill>
+                <a:latin typeface="Cascadia Mono" panose="020B0609020000020004" pitchFamily="49" charset="0"/>
+              </a:rPr>
+              <a:t>) </a:t>
+            </a:r>
+            <a:r>
+              <a:rPr lang="en-GB" sz="1550" dirty="0">
+                <a:solidFill>
+                  <a:srgbClr val="0000FF"/>
+                </a:solidFill>
+                <a:latin typeface="Cascadia Mono" panose="020B0609020000020004" pitchFamily="49" charset="0"/>
+              </a:rPr>
+              <a:t>override</a:t>
+            </a:r>
+            <a:r>
+              <a:rPr lang="en-GB" sz="1550" dirty="0">
+                <a:solidFill>
+                  <a:srgbClr val="000000"/>
+                </a:solidFill>
+                <a:latin typeface="Cascadia Mono" panose="020B0609020000020004" pitchFamily="49" charset="0"/>
+              </a:rPr>
+              <a:t> { </a:t>
+            </a:r>
+            <a:r>
+              <a:rPr lang="en-GB" sz="1550" dirty="0">
+                <a:solidFill>
+                  <a:srgbClr val="0000FF"/>
+                </a:solidFill>
+                <a:latin typeface="Cascadia Mono" panose="020B0609020000020004" pitchFamily="49" charset="0"/>
+              </a:rPr>
+              <a:t>…</a:t>
+            </a:r>
+            <a:r>
+              <a:rPr lang="en-GB" sz="1550" dirty="0">
+                <a:solidFill>
+                  <a:srgbClr val="000000"/>
+                </a:solidFill>
+                <a:latin typeface="Cascadia Mono" panose="020B0609020000020004" pitchFamily="49" charset="0"/>
+              </a:rPr>
+              <a:t> }</a:t>
+            </a:r>
+          </a:p>
+          <a:p>
+            <a:r>
+              <a:rPr lang="en-GB" sz="1550" dirty="0">
+                <a:solidFill>
+                  <a:srgbClr val="000000"/>
+                </a:solidFill>
+                <a:latin typeface="Cascadia Mono" panose="020B0609020000020004" pitchFamily="49" charset="0"/>
+              </a:rPr>
+              <a:t>  </a:t>
+            </a:r>
+            <a:r>
+              <a:rPr lang="en-GB" sz="1550" dirty="0">
+                <a:solidFill>
+                  <a:srgbClr val="0000FF"/>
+                </a:solidFill>
+                <a:latin typeface="Cascadia Mono" panose="020B0609020000020004" pitchFamily="49" charset="0"/>
+              </a:rPr>
+              <a:t>void</a:t>
+            </a:r>
+            <a:r>
+              <a:rPr lang="en-GB" sz="1550" dirty="0">
+                <a:solidFill>
+                  <a:srgbClr val="000000"/>
+                </a:solidFill>
+                <a:latin typeface="Cascadia Mono" panose="020B0609020000020004" pitchFamily="49" charset="0"/>
+              </a:rPr>
+              <a:t> </a:t>
+            </a:r>
+            <a:r>
+              <a:rPr lang="en-GB" sz="1550" dirty="0" err="1">
                 <a:solidFill>
                   <a:srgbClr val="000000"/>
                 </a:solidFill>
@@ -6997,7 +8418,7 @@
               <a:t>startNote</a:t>
             </a:r>
             <a:r>
-              <a:rPr lang="en-GB" dirty="0">
+              <a:rPr lang="en-GB" sz="1550" dirty="0">
                 <a:solidFill>
                   <a:srgbClr val="000000"/>
                 </a:solidFill>
@@ -7006,7 +8427,7 @@
               <a:t>(</a:t>
             </a:r>
             <a:r>
-              <a:rPr lang="en-GB" dirty="0">
+              <a:rPr lang="en-GB" sz="1550" dirty="0">
                 <a:solidFill>
                   <a:srgbClr val="0000FF"/>
                 </a:solidFill>
@@ -7015,7 +8436,7 @@
               <a:t>int</a:t>
             </a:r>
             <a:r>
-              <a:rPr lang="en-GB" dirty="0">
+              <a:rPr lang="en-GB" sz="1550" dirty="0">
                 <a:solidFill>
                   <a:srgbClr val="000000"/>
                 </a:solidFill>
@@ -7024,7 +8445,7 @@
               <a:t> </a:t>
             </a:r>
             <a:r>
-              <a:rPr lang="en-GB" dirty="0" err="1">
+              <a:rPr lang="en-GB" sz="1550" dirty="0" err="1">
                 <a:solidFill>
                   <a:srgbClr val="808080"/>
                 </a:solidFill>
@@ -7033,7 +8454,7 @@
               <a:t>midiNoteNumber</a:t>
             </a:r>
             <a:r>
-              <a:rPr lang="en-GB" dirty="0">
+              <a:rPr lang="en-GB" sz="1550" dirty="0">
                 <a:solidFill>
                   <a:srgbClr val="000000"/>
                 </a:solidFill>
@@ -7042,7 +8463,7 @@
               <a:t>, </a:t>
             </a:r>
             <a:r>
-              <a:rPr lang="en-GB" dirty="0">
+              <a:rPr lang="en-GB" sz="1550" dirty="0">
                 <a:solidFill>
                   <a:srgbClr val="0000FF"/>
                 </a:solidFill>
@@ -7051,7 +8472,7 @@
               <a:t>float</a:t>
             </a:r>
             <a:r>
-              <a:rPr lang="en-GB" dirty="0">
+              <a:rPr lang="en-GB" sz="1550" dirty="0">
                 <a:solidFill>
                   <a:srgbClr val="000000"/>
                 </a:solidFill>
@@ -7060,7 +8481,7 @@
               <a:t> </a:t>
             </a:r>
             <a:r>
-              <a:rPr lang="en-GB" dirty="0">
+              <a:rPr lang="en-GB" sz="1550" dirty="0">
                 <a:solidFill>
                   <a:srgbClr val="808080"/>
                 </a:solidFill>
@@ -7069,7 +8490,7 @@
               <a:t>velocity</a:t>
             </a:r>
             <a:r>
-              <a:rPr lang="en-GB" dirty="0">
+              <a:rPr lang="en-GB" sz="1550" dirty="0">
                 <a:solidFill>
                   <a:srgbClr val="000000"/>
                 </a:solidFill>
@@ -7078,7 +8499,7 @@
               <a:t>, </a:t>
             </a:r>
             <a:r>
-              <a:rPr lang="en-GB" dirty="0" err="1">
+              <a:rPr lang="en-GB" sz="1550" dirty="0" err="1">
                 <a:solidFill>
                   <a:srgbClr val="2B91AF"/>
                 </a:solidFill>
@@ -7087,16 +8508,34 @@
               <a:t>SynthesiserSound</a:t>
             </a:r>
             <a:r>
-              <a:rPr lang="en-GB" dirty="0">
-                <a:solidFill>
-                  <a:srgbClr val="000000"/>
-                </a:solidFill>
-                <a:latin typeface="Cascadia Mono" panose="020B0609020000020004" pitchFamily="49" charset="0"/>
-              </a:rPr>
-              <a:t>*, </a:t>
-            </a:r>
-            <a:r>
-              <a:rPr lang="en-GB" dirty="0">
+              <a:rPr lang="en-GB" sz="1550" dirty="0">
+                <a:solidFill>
+                  <a:srgbClr val="000000"/>
+                </a:solidFill>
+                <a:latin typeface="Cascadia Mono" panose="020B0609020000020004" pitchFamily="49" charset="0"/>
+              </a:rPr>
+              <a:t>* </a:t>
+            </a:r>
+            <a:r>
+              <a:rPr lang="en-GB" sz="1550" dirty="0">
+                <a:solidFill>
+                  <a:srgbClr val="008000"/>
+                </a:solidFill>
+                <a:latin typeface="Cascadia Mono" panose="020B0609020000020004" pitchFamily="49" charset="0"/>
+              </a:rPr>
+              <a:t>/*sound*/</a:t>
+            </a:r>
+            <a:r>
+              <a:rPr lang="en-GB" sz="1550" dirty="0">
+                <a:solidFill>
+                  <a:srgbClr val="000000"/>
+                </a:solidFill>
+                <a:latin typeface="Cascadia Mono" panose="020B0609020000020004" pitchFamily="49" charset="0"/>
+              </a:rPr>
+              <a:t>, </a:t>
+            </a:r>
+            <a:r>
+              <a:rPr lang="en-GB" sz="1550" dirty="0">
                 <a:solidFill>
                   <a:srgbClr val="0000FF"/>
                 </a:solidFill>
@@ -7105,7 +8544,7 @@
               <a:t>int</a:t>
             </a:r>
             <a:r>
-              <a:rPr lang="en-GB" dirty="0">
+              <a:rPr lang="en-GB" sz="1550" dirty="0">
                 <a:solidFill>
                   <a:srgbClr val="000000"/>
                 </a:solidFill>
@@ -7114,7 +8553,7 @@
               <a:t>) </a:t>
             </a:r>
             <a:r>
-              <a:rPr lang="en-GB" dirty="0">
+              <a:rPr lang="en-GB" sz="1550" dirty="0">
                 <a:solidFill>
                   <a:srgbClr val="0000FF"/>
                 </a:solidFill>
@@ -7123,18 +8562,18 @@
               <a:t>override</a:t>
             </a:r>
             <a:r>
-              <a:rPr lang="en-GB" dirty="0">
-                <a:solidFill>
-                  <a:srgbClr val="000000"/>
-                </a:solidFill>
-                <a:latin typeface="Cascadia Mono" panose="020B0609020000020004" pitchFamily="49" charset="0"/>
-              </a:rPr>
-              <a:t> {</a:t>
-            </a:r>
-          </a:p>
-          <a:p>
-            <a:r>
-              <a:rPr lang="en-GB" dirty="0">
+              <a:rPr lang="en-GB" sz="1550" dirty="0">
+                <a:solidFill>
+                  <a:srgbClr val="000000"/>
+                </a:solidFill>
+                <a:latin typeface="Cascadia Mono" panose="020B0609020000020004" pitchFamily="49" charset="0"/>
+              </a:rPr>
+              <a:t> {…}</a:t>
+            </a:r>
+          </a:p>
+          <a:p>
+            <a:r>
+              <a:rPr lang="en-GB" sz="1550" dirty="0">
                 <a:solidFill>
                   <a:srgbClr val="000000"/>
                 </a:solidFill>
@@ -7143,7 +8582,373 @@
               <a:t>  </a:t>
             </a:r>
             <a:r>
-              <a:rPr lang="en-GB" dirty="0" err="1">
+              <a:rPr lang="en-GB" sz="1550" dirty="0">
+                <a:solidFill>
+                  <a:srgbClr val="0000FF"/>
+                </a:solidFill>
+                <a:latin typeface="Cascadia Mono" panose="020B0609020000020004" pitchFamily="49" charset="0"/>
+              </a:rPr>
+              <a:t>void</a:t>
+            </a:r>
+            <a:r>
+              <a:rPr lang="en-GB" sz="1550" dirty="0">
+                <a:solidFill>
+                  <a:srgbClr val="000000"/>
+                </a:solidFill>
+                <a:latin typeface="Cascadia Mono" panose="020B0609020000020004" pitchFamily="49" charset="0"/>
+              </a:rPr>
+              <a:t> </a:t>
+            </a:r>
+            <a:r>
+              <a:rPr lang="en-GB" sz="1550" dirty="0" err="1">
+                <a:solidFill>
+                  <a:srgbClr val="000000"/>
+                </a:solidFill>
+                <a:latin typeface="Cascadia Mono" panose="020B0609020000020004" pitchFamily="49" charset="0"/>
+              </a:rPr>
+              <a:t>stopNote</a:t>
+            </a:r>
+            <a:r>
+              <a:rPr lang="en-GB" sz="1550" dirty="0">
+                <a:solidFill>
+                  <a:srgbClr val="000000"/>
+                </a:solidFill>
+                <a:latin typeface="Cascadia Mono" panose="020B0609020000020004" pitchFamily="49" charset="0"/>
+              </a:rPr>
+              <a:t>(</a:t>
+            </a:r>
+            <a:r>
+              <a:rPr lang="en-GB" sz="1550" dirty="0">
+                <a:solidFill>
+                  <a:srgbClr val="0000FF"/>
+                </a:solidFill>
+                <a:latin typeface="Cascadia Mono" panose="020B0609020000020004" pitchFamily="49" charset="0"/>
+              </a:rPr>
+              <a:t>float</a:t>
+            </a:r>
+            <a:r>
+              <a:rPr lang="en-GB" sz="1550" dirty="0">
+                <a:solidFill>
+                  <a:srgbClr val="000000"/>
+                </a:solidFill>
+                <a:latin typeface="Cascadia Mono" panose="020B0609020000020004" pitchFamily="49" charset="0"/>
+              </a:rPr>
+              <a:t> </a:t>
+            </a:r>
+            <a:r>
+              <a:rPr lang="en-GB" sz="1550" dirty="0">
+                <a:solidFill>
+                  <a:srgbClr val="008000"/>
+                </a:solidFill>
+                <a:latin typeface="Cascadia Mono" panose="020B0609020000020004" pitchFamily="49" charset="0"/>
+              </a:rPr>
+              <a:t>/*velocity*/</a:t>
+            </a:r>
+            <a:r>
+              <a:rPr lang="en-GB" sz="1550" dirty="0">
+                <a:solidFill>
+                  <a:srgbClr val="000000"/>
+                </a:solidFill>
+                <a:latin typeface="Cascadia Mono" panose="020B0609020000020004" pitchFamily="49" charset="0"/>
+              </a:rPr>
+              <a:t>, </a:t>
+            </a:r>
+            <a:r>
+              <a:rPr lang="en-GB" sz="1550" dirty="0">
+                <a:solidFill>
+                  <a:srgbClr val="0000FF"/>
+                </a:solidFill>
+                <a:latin typeface="Cascadia Mono" panose="020B0609020000020004" pitchFamily="49" charset="0"/>
+              </a:rPr>
+              <a:t>bool</a:t>
+            </a:r>
+            <a:r>
+              <a:rPr lang="en-GB" sz="1550" dirty="0">
+                <a:solidFill>
+                  <a:srgbClr val="000000"/>
+                </a:solidFill>
+                <a:latin typeface="Cascadia Mono" panose="020B0609020000020004" pitchFamily="49" charset="0"/>
+              </a:rPr>
+              <a:t> </a:t>
+            </a:r>
+            <a:r>
+              <a:rPr lang="en-GB" sz="1550" dirty="0" err="1">
+                <a:solidFill>
+                  <a:srgbClr val="808080"/>
+                </a:solidFill>
+                <a:latin typeface="Cascadia Mono" panose="020B0609020000020004" pitchFamily="49" charset="0"/>
+              </a:rPr>
+              <a:t>allowTailOff</a:t>
+            </a:r>
+            <a:r>
+              <a:rPr lang="en-GB" sz="1550" dirty="0">
+                <a:solidFill>
+                  <a:srgbClr val="000000"/>
+                </a:solidFill>
+                <a:latin typeface="Cascadia Mono" panose="020B0609020000020004" pitchFamily="49" charset="0"/>
+              </a:rPr>
+              <a:t>) </a:t>
+            </a:r>
+            <a:r>
+              <a:rPr lang="en-GB" sz="1550" dirty="0">
+                <a:solidFill>
+                  <a:srgbClr val="0000FF"/>
+                </a:solidFill>
+                <a:latin typeface="Cascadia Mono" panose="020B0609020000020004" pitchFamily="49" charset="0"/>
+              </a:rPr>
+              <a:t>override</a:t>
+            </a:r>
+            <a:r>
+              <a:rPr lang="en-GB" sz="1550" dirty="0">
+                <a:solidFill>
+                  <a:srgbClr val="000000"/>
+                </a:solidFill>
+                <a:latin typeface="Cascadia Mono" panose="020B0609020000020004" pitchFamily="49" charset="0"/>
+              </a:rPr>
+              <a:t> { …  }</a:t>
+            </a:r>
+          </a:p>
+          <a:p>
+            <a:r>
+              <a:rPr lang="en-GB" sz="1550" dirty="0">
+                <a:solidFill>
+                  <a:srgbClr val="000000"/>
+                </a:solidFill>
+                <a:latin typeface="Cascadia Mono" panose="020B0609020000020004" pitchFamily="49" charset="0"/>
+              </a:rPr>
+              <a:t>  </a:t>
+            </a:r>
+            <a:r>
+              <a:rPr lang="en-GB" sz="1550" dirty="0">
+                <a:solidFill>
+                  <a:srgbClr val="0000FF"/>
+                </a:solidFill>
+                <a:latin typeface="Cascadia Mono" panose="020B0609020000020004" pitchFamily="49" charset="0"/>
+              </a:rPr>
+              <a:t>void</a:t>
+            </a:r>
+            <a:r>
+              <a:rPr lang="en-GB" sz="1550" dirty="0">
+                <a:solidFill>
+                  <a:srgbClr val="000000"/>
+                </a:solidFill>
+                <a:latin typeface="Cascadia Mono" panose="020B0609020000020004" pitchFamily="49" charset="0"/>
+              </a:rPr>
+              <a:t> </a:t>
+            </a:r>
+            <a:r>
+              <a:rPr lang="en-GB" sz="1550" dirty="0" err="1">
+                <a:solidFill>
+                  <a:srgbClr val="000000"/>
+                </a:solidFill>
+                <a:latin typeface="Cascadia Mono" panose="020B0609020000020004" pitchFamily="49" charset="0"/>
+              </a:rPr>
+              <a:t>renderNextBlock</a:t>
+            </a:r>
+            <a:r>
+              <a:rPr lang="en-GB" sz="1550" dirty="0">
+                <a:solidFill>
+                  <a:srgbClr val="000000"/>
+                </a:solidFill>
+                <a:latin typeface="Cascadia Mono" panose="020B0609020000020004" pitchFamily="49" charset="0"/>
+              </a:rPr>
+              <a:t>(</a:t>
+            </a:r>
+            <a:r>
+              <a:rPr lang="en-GB" sz="1550" dirty="0" err="1">
+                <a:solidFill>
+                  <a:srgbClr val="2B91AF"/>
+                </a:solidFill>
+                <a:latin typeface="Cascadia Mono" panose="020B0609020000020004" pitchFamily="49" charset="0"/>
+              </a:rPr>
+              <a:t>AudioBuffer</a:t>
+            </a:r>
+            <a:r>
+              <a:rPr lang="en-GB" sz="1550" dirty="0">
+                <a:solidFill>
+                  <a:srgbClr val="000000"/>
+                </a:solidFill>
+                <a:latin typeface="Cascadia Mono" panose="020B0609020000020004" pitchFamily="49" charset="0"/>
+              </a:rPr>
+              <a:t>&lt;</a:t>
+            </a:r>
+            <a:r>
+              <a:rPr lang="en-GB" sz="1550" dirty="0">
+                <a:solidFill>
+                  <a:srgbClr val="0000FF"/>
+                </a:solidFill>
+                <a:latin typeface="Cascadia Mono" panose="020B0609020000020004" pitchFamily="49" charset="0"/>
+              </a:rPr>
+              <a:t>float</a:t>
+            </a:r>
+            <a:r>
+              <a:rPr lang="en-GB" sz="1550" dirty="0">
+                <a:solidFill>
+                  <a:srgbClr val="000000"/>
+                </a:solidFill>
+                <a:latin typeface="Cascadia Mono" panose="020B0609020000020004" pitchFamily="49" charset="0"/>
+              </a:rPr>
+              <a:t>&gt;&amp; </a:t>
+            </a:r>
+            <a:r>
+              <a:rPr lang="en-GB" sz="1550" dirty="0" err="1">
+                <a:solidFill>
+                  <a:srgbClr val="808080"/>
+                </a:solidFill>
+                <a:latin typeface="Cascadia Mono" panose="020B0609020000020004" pitchFamily="49" charset="0"/>
+              </a:rPr>
+              <a:t>outputBuffer</a:t>
+            </a:r>
+            <a:r>
+              <a:rPr lang="en-GB" sz="1550" dirty="0" err="1">
+                <a:solidFill>
+                  <a:srgbClr val="000000"/>
+                </a:solidFill>
+                <a:latin typeface="Cascadia Mono" panose="020B0609020000020004" pitchFamily="49" charset="0"/>
+              </a:rPr>
+              <a:t>,</a:t>
+            </a:r>
+            <a:r>
+              <a:rPr lang="en-GB" sz="1550" dirty="0" err="1">
+                <a:solidFill>
+                  <a:srgbClr val="0000FF"/>
+                </a:solidFill>
+                <a:latin typeface="Cascadia Mono" panose="020B0609020000020004" pitchFamily="49" charset="0"/>
+              </a:rPr>
+              <a:t>int</a:t>
+            </a:r>
+            <a:r>
+              <a:rPr lang="en-GB" sz="1550" dirty="0">
+                <a:solidFill>
+                  <a:srgbClr val="000000"/>
+                </a:solidFill>
+                <a:latin typeface="Cascadia Mono" panose="020B0609020000020004" pitchFamily="49" charset="0"/>
+              </a:rPr>
+              <a:t> </a:t>
+            </a:r>
+            <a:r>
+              <a:rPr lang="en-GB" sz="1550" dirty="0" err="1">
+                <a:solidFill>
+                  <a:srgbClr val="808080"/>
+                </a:solidFill>
+                <a:latin typeface="Cascadia Mono" panose="020B0609020000020004" pitchFamily="49" charset="0"/>
+              </a:rPr>
+              <a:t>startSample</a:t>
+            </a:r>
+            <a:r>
+              <a:rPr lang="en-GB" sz="1550" dirty="0" err="1">
+                <a:solidFill>
+                  <a:srgbClr val="000000"/>
+                </a:solidFill>
+                <a:latin typeface="Cascadia Mono" panose="020B0609020000020004" pitchFamily="49" charset="0"/>
+              </a:rPr>
+              <a:t>,</a:t>
+            </a:r>
+            <a:r>
+              <a:rPr lang="en-GB" sz="1550" dirty="0" err="1">
+                <a:solidFill>
+                  <a:srgbClr val="0000FF"/>
+                </a:solidFill>
+                <a:latin typeface="Cascadia Mono" panose="020B0609020000020004" pitchFamily="49" charset="0"/>
+              </a:rPr>
+              <a:t>int</a:t>
+            </a:r>
+            <a:r>
+              <a:rPr lang="en-GB" sz="1550" dirty="0">
+                <a:solidFill>
+                  <a:srgbClr val="000000"/>
+                </a:solidFill>
+                <a:latin typeface="Cascadia Mono" panose="020B0609020000020004" pitchFamily="49" charset="0"/>
+              </a:rPr>
+              <a:t> </a:t>
+            </a:r>
+            <a:r>
+              <a:rPr lang="en-GB" sz="1550" dirty="0" err="1">
+                <a:solidFill>
+                  <a:srgbClr val="808080"/>
+                </a:solidFill>
+                <a:latin typeface="Cascadia Mono" panose="020B0609020000020004" pitchFamily="49" charset="0"/>
+              </a:rPr>
+              <a:t>numSamples</a:t>
+            </a:r>
+            <a:r>
+              <a:rPr lang="en-GB" sz="1550" dirty="0">
+                <a:solidFill>
+                  <a:srgbClr val="000000"/>
+                </a:solidFill>
+                <a:latin typeface="Cascadia Mono" panose="020B0609020000020004" pitchFamily="49" charset="0"/>
+              </a:rPr>
+              <a:t>) </a:t>
+            </a:r>
+            <a:r>
+              <a:rPr lang="en-GB" sz="1550" dirty="0">
+                <a:solidFill>
+                  <a:srgbClr val="0000FF"/>
+                </a:solidFill>
+                <a:latin typeface="Cascadia Mono" panose="020B0609020000020004" pitchFamily="49" charset="0"/>
+              </a:rPr>
+              <a:t>override</a:t>
+            </a:r>
+            <a:r>
+              <a:rPr lang="en-GB" sz="1550" dirty="0">
+                <a:solidFill>
+                  <a:srgbClr val="000000"/>
+                </a:solidFill>
+                <a:latin typeface="Cascadia Mono" panose="020B0609020000020004" pitchFamily="49" charset="0"/>
+              </a:rPr>
+              <a:t> {…} </a:t>
+            </a:r>
+          </a:p>
+          <a:p>
+            <a:r>
+              <a:rPr lang="en-GB" sz="1550" dirty="0">
+                <a:solidFill>
+                  <a:srgbClr val="0000FF"/>
+                </a:solidFill>
+                <a:latin typeface="Cascadia Mono" panose="020B0609020000020004" pitchFamily="49" charset="0"/>
+              </a:rPr>
+              <a:t>private</a:t>
+            </a:r>
+            <a:r>
+              <a:rPr lang="en-GB" sz="1550" dirty="0">
+                <a:solidFill>
+                  <a:srgbClr val="000000"/>
+                </a:solidFill>
+                <a:latin typeface="Cascadia Mono" panose="020B0609020000020004" pitchFamily="49" charset="0"/>
+              </a:rPr>
+              <a:t>:</a:t>
+            </a:r>
+          </a:p>
+          <a:p>
+            <a:r>
+              <a:rPr lang="en-GB" sz="1550" dirty="0">
+                <a:solidFill>
+                  <a:srgbClr val="000000"/>
+                </a:solidFill>
+                <a:latin typeface="Cascadia Mono" panose="020B0609020000020004" pitchFamily="49" charset="0"/>
+              </a:rPr>
+              <a:t>  </a:t>
+            </a:r>
+            <a:r>
+              <a:rPr lang="en-GB" sz="1550" dirty="0">
+                <a:solidFill>
+                  <a:srgbClr val="0000FF"/>
+                </a:solidFill>
+                <a:latin typeface="Cascadia Mono" panose="020B0609020000020004" pitchFamily="49" charset="0"/>
+              </a:rPr>
+              <a:t>double</a:t>
+            </a:r>
+            <a:r>
+              <a:rPr lang="en-GB" sz="1550" dirty="0">
+                <a:solidFill>
+                  <a:srgbClr val="000000"/>
+                </a:solidFill>
+                <a:latin typeface="Cascadia Mono" panose="020B0609020000020004" pitchFamily="49" charset="0"/>
+              </a:rPr>
+              <a:t> </a:t>
+            </a:r>
+            <a:r>
+              <a:rPr lang="en-GB" sz="1550" dirty="0" err="1">
                 <a:solidFill>
                   <a:srgbClr val="000000"/>
                 </a:solidFill>
@@ -7152,56 +8957,16 @@
               <a:t>currentAngle</a:t>
             </a:r>
             <a:r>
-              <a:rPr lang="en-GB" dirty="0">
-                <a:solidFill>
-                  <a:srgbClr val="000000"/>
-                </a:solidFill>
-                <a:latin typeface="Cascadia Mono" panose="020B0609020000020004" pitchFamily="49" charset="0"/>
-              </a:rPr>
-              <a:t> = 0.0;</a:t>
-            </a:r>
-          </a:p>
-          <a:p>
-            <a:r>
-              <a:rPr lang="en-GB" dirty="0">
-                <a:solidFill>
-                  <a:srgbClr val="000000"/>
-                </a:solidFill>
-                <a:latin typeface="Cascadia Mono" panose="020B0609020000020004" pitchFamily="49" charset="0"/>
-              </a:rPr>
-              <a:t>  level = </a:t>
-            </a:r>
-            <a:r>
-              <a:rPr lang="en-GB" dirty="0">
-                <a:solidFill>
-                  <a:srgbClr val="808080"/>
-                </a:solidFill>
-                <a:latin typeface="Cascadia Mono" panose="020B0609020000020004" pitchFamily="49" charset="0"/>
-              </a:rPr>
-              <a:t>velocity</a:t>
-            </a:r>
-            <a:r>
-              <a:rPr lang="en-GB" dirty="0">
-                <a:solidFill>
-                  <a:srgbClr val="000000"/>
-                </a:solidFill>
-                <a:latin typeface="Cascadia Mono" panose="020B0609020000020004" pitchFamily="49" charset="0"/>
-              </a:rPr>
-              <a:t> * 0.15;</a:t>
-            </a:r>
-          </a:p>
-          <a:p>
-            <a:r>
-              <a:rPr lang="en-GB" dirty="0">
-                <a:solidFill>
-                  <a:srgbClr val="000000"/>
-                </a:solidFill>
-                <a:latin typeface="Cascadia Mono" panose="020B0609020000020004" pitchFamily="49" charset="0"/>
-              </a:rPr>
-              <a:t>  </a:t>
-            </a:r>
-            <a:r>
-              <a:rPr lang="en-GB" dirty="0" err="1">
+              <a:rPr lang="en-GB" sz="1550" dirty="0">
+                <a:solidFill>
+                  <a:srgbClr val="000000"/>
+                </a:solidFill>
+                <a:latin typeface="Cascadia Mono" panose="020B0609020000020004" pitchFamily="49" charset="0"/>
+              </a:rPr>
+              <a:t> = 0.0, </a:t>
+            </a:r>
+            <a:r>
+              <a:rPr lang="en-GB" sz="1550" dirty="0" err="1">
                 <a:solidFill>
                   <a:srgbClr val="000000"/>
                 </a:solidFill>
@@ -7210,358 +8975,24 @@
               <a:t>angleDelta</a:t>
             </a:r>
             <a:r>
-              <a:rPr lang="en-GB" dirty="0">
-                <a:solidFill>
-                  <a:srgbClr val="000000"/>
-                </a:solidFill>
-                <a:latin typeface="Cascadia Mono" panose="020B0609020000020004" pitchFamily="49" charset="0"/>
-              </a:rPr>
-              <a:t> = </a:t>
-            </a:r>
-            <a:r>
-              <a:rPr lang="en-GB" dirty="0" err="1">
-                <a:solidFill>
-                  <a:srgbClr val="2B91AF"/>
-                </a:solidFill>
-                <a:latin typeface="Cascadia Mono" panose="020B0609020000020004" pitchFamily="49" charset="0"/>
-              </a:rPr>
-              <a:t>MathConstants</a:t>
-            </a:r>
-            <a:r>
-              <a:rPr lang="en-GB" dirty="0">
-                <a:solidFill>
-                  <a:srgbClr val="000000"/>
-                </a:solidFill>
-                <a:latin typeface="Cascadia Mono" panose="020B0609020000020004" pitchFamily="49" charset="0"/>
-              </a:rPr>
-              <a:t>&lt;</a:t>
-            </a:r>
-            <a:r>
-              <a:rPr lang="en-GB" dirty="0">
-                <a:solidFill>
-                  <a:srgbClr val="0000FF"/>
-                </a:solidFill>
-                <a:latin typeface="Cascadia Mono" panose="020B0609020000020004" pitchFamily="49" charset="0"/>
-              </a:rPr>
-              <a:t>double</a:t>
-            </a:r>
-            <a:r>
-              <a:rPr lang="en-GB" dirty="0">
-                <a:solidFill>
-                  <a:srgbClr val="000000"/>
-                </a:solidFill>
-                <a:latin typeface="Cascadia Mono" panose="020B0609020000020004" pitchFamily="49" charset="0"/>
-              </a:rPr>
-              <a:t>&gt;::</a:t>
-            </a:r>
-            <a:r>
-              <a:rPr lang="en-GB" dirty="0" err="1">
-                <a:solidFill>
-                  <a:srgbClr val="000000"/>
-                </a:solidFill>
-                <a:latin typeface="Cascadia Mono" panose="020B0609020000020004" pitchFamily="49" charset="0"/>
-              </a:rPr>
-              <a:t>twoPi</a:t>
-            </a:r>
-            <a:r>
-              <a:rPr lang="en-GB" dirty="0">
-                <a:solidFill>
-                  <a:srgbClr val="000000"/>
-                </a:solidFill>
-                <a:latin typeface="Cascadia Mono" panose="020B0609020000020004" pitchFamily="49" charset="0"/>
-              </a:rPr>
-              <a:t> * </a:t>
-            </a:r>
-          </a:p>
-          <a:p>
-            <a:r>
-              <a:rPr lang="en-GB" dirty="0">
-                <a:solidFill>
-                  <a:srgbClr val="000000"/>
-                </a:solidFill>
-                <a:latin typeface="Cascadia Mono" panose="020B0609020000020004" pitchFamily="49" charset="0"/>
-              </a:rPr>
-              <a:t>               </a:t>
-            </a:r>
-            <a:r>
-              <a:rPr lang="en-GB" dirty="0" err="1">
-                <a:solidFill>
-                  <a:srgbClr val="2B91AF"/>
-                </a:solidFill>
-                <a:latin typeface="Cascadia Mono" panose="020B0609020000020004" pitchFamily="49" charset="0"/>
-              </a:rPr>
-              <a:t>MidiMessage</a:t>
-            </a:r>
-            <a:r>
-              <a:rPr lang="en-GB" dirty="0">
-                <a:solidFill>
-                  <a:srgbClr val="000000"/>
-                </a:solidFill>
-                <a:latin typeface="Cascadia Mono" panose="020B0609020000020004" pitchFamily="49" charset="0"/>
-              </a:rPr>
-              <a:t>::</a:t>
-            </a:r>
-            <a:r>
-              <a:rPr lang="en-GB" dirty="0" err="1">
-                <a:solidFill>
-                  <a:srgbClr val="000000"/>
-                </a:solidFill>
-                <a:latin typeface="Cascadia Mono" panose="020B0609020000020004" pitchFamily="49" charset="0"/>
-              </a:rPr>
-              <a:t>getMidiNoteInHertz</a:t>
-            </a:r>
-            <a:r>
-              <a:rPr lang="en-GB" dirty="0">
-                <a:solidFill>
-                  <a:srgbClr val="000000"/>
-                </a:solidFill>
-                <a:latin typeface="Cascadia Mono" panose="020B0609020000020004" pitchFamily="49" charset="0"/>
-              </a:rPr>
-              <a:t>(</a:t>
-            </a:r>
-            <a:r>
-              <a:rPr lang="en-GB" dirty="0" err="1">
-                <a:solidFill>
-                  <a:srgbClr val="808080"/>
-                </a:solidFill>
-                <a:latin typeface="Cascadia Mono" panose="020B0609020000020004" pitchFamily="49" charset="0"/>
-              </a:rPr>
-              <a:t>midiNoteNumber</a:t>
-            </a:r>
-            <a:r>
-              <a:rPr lang="en-GB" dirty="0">
-                <a:solidFill>
-                  <a:srgbClr val="000000"/>
-                </a:solidFill>
-                <a:latin typeface="Cascadia Mono" panose="020B0609020000020004" pitchFamily="49" charset="0"/>
-              </a:rPr>
-              <a:t>) / </a:t>
-            </a:r>
-            <a:r>
-              <a:rPr lang="en-GB" dirty="0" err="1">
-                <a:solidFill>
-                  <a:srgbClr val="000000"/>
-                </a:solidFill>
-                <a:latin typeface="Cascadia Mono" panose="020B0609020000020004" pitchFamily="49" charset="0"/>
-              </a:rPr>
-              <a:t>getSampleRate</a:t>
-            </a:r>
-            <a:r>
-              <a:rPr lang="en-GB" dirty="0">
-                <a:solidFill>
-                  <a:srgbClr val="000000"/>
-                </a:solidFill>
-                <a:latin typeface="Cascadia Mono" panose="020B0609020000020004" pitchFamily="49" charset="0"/>
-              </a:rPr>
-              <a:t>();</a:t>
-            </a:r>
-          </a:p>
-          <a:p>
-            <a:r>
-              <a:rPr lang="en-GB" dirty="0">
-                <a:solidFill>
-                  <a:srgbClr val="000000"/>
-                </a:solidFill>
-                <a:latin typeface="Cascadia Mono" panose="020B0609020000020004" pitchFamily="49" charset="0"/>
-              </a:rPr>
-              <a:t>}</a:t>
-            </a:r>
-          </a:p>
-          <a:p>
-            <a:r>
-              <a:rPr lang="en-GB" dirty="0">
-                <a:solidFill>
-                  <a:srgbClr val="0000FF"/>
-                </a:solidFill>
-                <a:latin typeface="Cascadia Mono" panose="020B0609020000020004" pitchFamily="49" charset="0"/>
-              </a:rPr>
-              <a:t>void</a:t>
-            </a:r>
-            <a:r>
-              <a:rPr lang="en-GB" dirty="0">
-                <a:solidFill>
-                  <a:srgbClr val="000000"/>
-                </a:solidFill>
-                <a:latin typeface="Cascadia Mono" panose="020B0609020000020004" pitchFamily="49" charset="0"/>
-              </a:rPr>
-              <a:t> </a:t>
-            </a:r>
-            <a:r>
-              <a:rPr lang="en-GB" dirty="0" err="1">
-                <a:solidFill>
-                  <a:srgbClr val="000000"/>
-                </a:solidFill>
-                <a:latin typeface="Cascadia Mono" panose="020B0609020000020004" pitchFamily="49" charset="0"/>
-              </a:rPr>
-              <a:t>stopNote</a:t>
-            </a:r>
-            <a:r>
-              <a:rPr lang="en-GB" dirty="0">
-                <a:solidFill>
-                  <a:srgbClr val="000000"/>
-                </a:solidFill>
-                <a:latin typeface="Cascadia Mono" panose="020B0609020000020004" pitchFamily="49" charset="0"/>
-              </a:rPr>
-              <a:t>(</a:t>
-            </a:r>
-            <a:r>
-              <a:rPr lang="en-GB" dirty="0">
-                <a:solidFill>
-                  <a:srgbClr val="0000FF"/>
-                </a:solidFill>
-                <a:latin typeface="Cascadia Mono" panose="020B0609020000020004" pitchFamily="49" charset="0"/>
-              </a:rPr>
-              <a:t>float</a:t>
-            </a:r>
-            <a:r>
-              <a:rPr lang="en-GB" dirty="0">
-                <a:solidFill>
-                  <a:srgbClr val="000000"/>
-                </a:solidFill>
-                <a:latin typeface="Cascadia Mono" panose="020B0609020000020004" pitchFamily="49" charset="0"/>
-              </a:rPr>
-              <a:t> </a:t>
-            </a:r>
-            <a:r>
-              <a:rPr lang="en-GB" dirty="0">
-                <a:solidFill>
-                  <a:srgbClr val="008000"/>
-                </a:solidFill>
-                <a:latin typeface="Cascadia Mono" panose="020B0609020000020004" pitchFamily="49" charset="0"/>
-              </a:rPr>
-              <a:t>/*velocity*/</a:t>
-            </a:r>
-            <a:r>
-              <a:rPr lang="en-GB" dirty="0">
-                <a:solidFill>
-                  <a:srgbClr val="000000"/>
-                </a:solidFill>
-                <a:latin typeface="Cascadia Mono" panose="020B0609020000020004" pitchFamily="49" charset="0"/>
-              </a:rPr>
-              <a:t>, </a:t>
-            </a:r>
-            <a:r>
-              <a:rPr lang="en-GB" dirty="0">
-                <a:solidFill>
-                  <a:srgbClr val="0000FF"/>
-                </a:solidFill>
-                <a:latin typeface="Cascadia Mono" panose="020B0609020000020004" pitchFamily="49" charset="0"/>
-              </a:rPr>
-              <a:t>bool</a:t>
-            </a:r>
-            <a:r>
-              <a:rPr lang="en-GB" dirty="0">
-                <a:solidFill>
-                  <a:srgbClr val="000000"/>
-                </a:solidFill>
-                <a:latin typeface="Cascadia Mono" panose="020B0609020000020004" pitchFamily="49" charset="0"/>
-              </a:rPr>
-              <a:t> </a:t>
-            </a:r>
-            <a:r>
-              <a:rPr lang="en-GB" dirty="0" err="1">
-                <a:solidFill>
-                  <a:srgbClr val="808080"/>
-                </a:solidFill>
-                <a:latin typeface="Cascadia Mono" panose="020B0609020000020004" pitchFamily="49" charset="0"/>
-              </a:rPr>
-              <a:t>allowTailOff</a:t>
-            </a:r>
-            <a:r>
-              <a:rPr lang="en-GB" dirty="0">
-                <a:solidFill>
-                  <a:srgbClr val="000000"/>
-                </a:solidFill>
-                <a:latin typeface="Cascadia Mono" panose="020B0609020000020004" pitchFamily="49" charset="0"/>
-              </a:rPr>
-              <a:t>) </a:t>
-            </a:r>
-            <a:r>
-              <a:rPr lang="en-GB" dirty="0">
-                <a:solidFill>
-                  <a:srgbClr val="0000FF"/>
-                </a:solidFill>
-                <a:latin typeface="Cascadia Mono" panose="020B0609020000020004" pitchFamily="49" charset="0"/>
-              </a:rPr>
-              <a:t>override</a:t>
-            </a:r>
-            <a:r>
-              <a:rPr lang="en-GB" dirty="0">
-                <a:solidFill>
-                  <a:srgbClr val="000000"/>
-                </a:solidFill>
-                <a:latin typeface="Cascadia Mono" panose="020B0609020000020004" pitchFamily="49" charset="0"/>
-              </a:rPr>
-              <a:t> {</a:t>
-            </a:r>
-          </a:p>
-          <a:p>
-            <a:r>
-              <a:rPr lang="en-GB" dirty="0">
-                <a:solidFill>
-                  <a:srgbClr val="000000"/>
-                </a:solidFill>
-                <a:latin typeface="Cascadia Mono" panose="020B0609020000020004" pitchFamily="49" charset="0"/>
-              </a:rPr>
-              <a:t>  </a:t>
-            </a:r>
-            <a:r>
-              <a:rPr lang="en-GB" dirty="0" err="1">
-                <a:solidFill>
-                  <a:srgbClr val="000000"/>
-                </a:solidFill>
-                <a:latin typeface="Cascadia Mono" panose="020B0609020000020004" pitchFamily="49" charset="0"/>
-              </a:rPr>
-              <a:t>clearCurrentNote</a:t>
-            </a:r>
-            <a:r>
-              <a:rPr lang="en-GB" dirty="0">
-                <a:solidFill>
-                  <a:srgbClr val="000000"/>
-                </a:solidFill>
-                <a:latin typeface="Cascadia Mono" panose="020B0609020000020004" pitchFamily="49" charset="0"/>
-              </a:rPr>
-              <a:t>();</a:t>
-            </a:r>
-          </a:p>
-          <a:p>
-            <a:r>
-              <a:rPr lang="en-GB" dirty="0">
-                <a:solidFill>
-                  <a:srgbClr val="000000"/>
-                </a:solidFill>
-                <a:latin typeface="Cascadia Mono" panose="020B0609020000020004" pitchFamily="49" charset="0"/>
-              </a:rPr>
-              <a:t>  </a:t>
-            </a:r>
-            <a:r>
-              <a:rPr lang="en-GB" dirty="0" err="1">
-                <a:solidFill>
-                  <a:srgbClr val="000000"/>
-                </a:solidFill>
-                <a:latin typeface="Cascadia Mono" panose="020B0609020000020004" pitchFamily="49" charset="0"/>
-              </a:rPr>
-              <a:t>angleDelta</a:t>
-            </a:r>
-            <a:r>
-              <a:rPr lang="en-GB" dirty="0">
-                <a:solidFill>
-                  <a:srgbClr val="000000"/>
-                </a:solidFill>
-                <a:latin typeface="Cascadia Mono" panose="020B0609020000020004" pitchFamily="49" charset="0"/>
-              </a:rPr>
-              <a:t> = 0.0;</a:t>
-            </a:r>
-          </a:p>
-          <a:p>
-            <a:r>
-              <a:rPr lang="en-GB" dirty="0">
-                <a:solidFill>
-                  <a:srgbClr val="000000"/>
-                </a:solidFill>
-                <a:latin typeface="Cascadia Mono" panose="020B0609020000020004" pitchFamily="49" charset="0"/>
-              </a:rPr>
-              <a:t>}</a:t>
+              <a:rPr lang="en-GB" sz="1550" dirty="0">
+                <a:solidFill>
+                  <a:srgbClr val="000000"/>
+                </a:solidFill>
+                <a:latin typeface="Cascadia Mono" panose="020B0609020000020004" pitchFamily="49" charset="0"/>
+              </a:rPr>
+              <a:t> = 0.0, level = 0.0;</a:t>
+            </a:r>
+          </a:p>
+          <a:p>
+            <a:r>
+              <a:rPr lang="en-GB" sz="1550" dirty="0">
+                <a:solidFill>
+                  <a:srgbClr val="000000"/>
+                </a:solidFill>
+                <a:latin typeface="Cascadia Mono" panose="020B0609020000020004" pitchFamily="49" charset="0"/>
+              </a:rPr>
+              <a:t>};</a:t>
             </a:r>
           </a:p>
         </p:txBody>
@@ -7569,7 +9000,7 @@
     </p:spTree>
     <p:extLst>
       <p:ext uri="{BB962C8B-B14F-4D97-AF65-F5344CB8AC3E}">
-        <p14:creationId xmlns:p14="http://schemas.microsoft.com/office/powerpoint/2010/main" val="794014378"/>
+        <p14:creationId xmlns:p14="http://schemas.microsoft.com/office/powerpoint/2010/main" val="2484774049"/>
       </p:ext>
     </p:extLst>
   </p:cSld>
@@ -7620,6 +9051,805 @@
         </p:spPr>
         <p:txBody>
           <a:bodyPr>
+            <a:normAutofit fontScale="90000"/>
+          </a:bodyPr>
+          <a:lstStyle/>
+          <a:p>
+            <a:r>
+              <a:rPr lang="en-GB" dirty="0"/>
+              <a:t>Custom </a:t>
+            </a:r>
+            <a:r>
+              <a:rPr lang="en-GB" dirty="0" err="1"/>
+              <a:t>SynthesiserVoice</a:t>
+            </a:r>
+            <a:r>
+              <a:rPr lang="en-GB" dirty="0"/>
+              <a:t> Class – </a:t>
+            </a:r>
+            <a:r>
+              <a:rPr lang="en-GB" dirty="0" err="1"/>
+              <a:t>startNote</a:t>
+            </a:r>
+            <a:r>
+              <a:rPr lang="en-GB" dirty="0"/>
+              <a:t> &amp; </a:t>
+            </a:r>
+            <a:r>
+              <a:rPr lang="en-GB" dirty="0" err="1"/>
+              <a:t>stopNote</a:t>
+            </a:r>
+            <a:endParaRPr lang="en-GB" dirty="0"/>
+          </a:p>
+        </p:txBody>
+      </p:sp>
+      <p:sp>
+        <p:nvSpPr>
+          <p:cNvPr id="3" name="Content Placeholder 2">
+            <a:extLst>
+              <a:ext uri="{FF2B5EF4-FFF2-40B4-BE49-F238E27FC236}">
+                <a16:creationId xmlns:a16="http://schemas.microsoft.com/office/drawing/2014/main" id="{97951B13-A311-CA68-2250-E7ABA3044678}"/>
+              </a:ext>
+            </a:extLst>
+          </p:cNvPr>
+          <p:cNvSpPr>
+            <a:spLocks noGrp="1"/>
+          </p:cNvSpPr>
+          <p:nvPr>
+            <p:ph idx="1"/>
+          </p:nvPr>
+        </p:nvSpPr>
+        <p:spPr>
+          <a:xfrm>
+            <a:off x="606056" y="1499190"/>
+            <a:ext cx="11466201" cy="2136639"/>
+          </a:xfrm>
+        </p:spPr>
+        <p:txBody>
+          <a:bodyPr>
+            <a:normAutofit/>
+          </a:bodyPr>
+          <a:lstStyle/>
+          <a:p>
+            <a:pPr marL="0" indent="0">
+              <a:lnSpc>
+                <a:spcPct val="110000"/>
+              </a:lnSpc>
+              <a:spcBef>
+                <a:spcPts val="400"/>
+              </a:spcBef>
+              <a:buNone/>
+            </a:pPr>
+            <a:r>
+              <a:rPr lang="en-GB" sz="3200" dirty="0" err="1"/>
+              <a:t>SineWaveVoice</a:t>
+            </a:r>
+            <a:r>
+              <a:rPr lang="en-GB" sz="3200" dirty="0"/>
+              <a:t> class</a:t>
+            </a:r>
+          </a:p>
+          <a:p>
+            <a:pPr>
+              <a:lnSpc>
+                <a:spcPct val="110000"/>
+              </a:lnSpc>
+              <a:spcBef>
+                <a:spcPts val="400"/>
+              </a:spcBef>
+            </a:pPr>
+            <a:r>
+              <a:rPr lang="en-GB" sz="2800" dirty="0"/>
+              <a:t>Voice started/stopped by synthesiser calling </a:t>
+            </a:r>
+            <a:r>
+              <a:rPr lang="en-GB" sz="2800" dirty="0" err="1">
+                <a:solidFill>
+                  <a:srgbClr val="0000FF"/>
+                </a:solidFill>
+              </a:rPr>
+              <a:t>startNote</a:t>
+            </a:r>
+            <a:r>
+              <a:rPr lang="en-GB" sz="2800" dirty="0"/>
+              <a:t>/</a:t>
+            </a:r>
+            <a:r>
+              <a:rPr lang="en-GB" sz="2800" dirty="0" err="1">
+                <a:solidFill>
+                  <a:srgbClr val="0000FF"/>
+                </a:solidFill>
+              </a:rPr>
+              <a:t>stopNote</a:t>
+            </a:r>
+            <a:endParaRPr lang="en-GB" dirty="0"/>
+          </a:p>
+        </p:txBody>
+      </p:sp>
+      <p:sp>
+        <p:nvSpPr>
+          <p:cNvPr id="5" name="TextBox 4">
+            <a:extLst>
+              <a:ext uri="{FF2B5EF4-FFF2-40B4-BE49-F238E27FC236}">
+                <a16:creationId xmlns:a16="http://schemas.microsoft.com/office/drawing/2014/main" id="{017AF271-A89E-D7DF-99D6-29B2879F22AC}"/>
+              </a:ext>
+            </a:extLst>
+          </p:cNvPr>
+          <p:cNvSpPr txBox="1"/>
+          <p:nvPr/>
+        </p:nvSpPr>
+        <p:spPr>
+          <a:xfrm>
+            <a:off x="323822" y="3080221"/>
+            <a:ext cx="11544356" cy="2862322"/>
+          </a:xfrm>
+          <a:prstGeom prst="rect">
+            <a:avLst/>
+          </a:prstGeom>
+          <a:noFill/>
+          <a:ln w="19050">
+            <a:solidFill>
+              <a:srgbClr val="FF0000"/>
+            </a:solidFill>
+          </a:ln>
+        </p:spPr>
+        <p:txBody>
+          <a:bodyPr wrap="square" rtlCol="0">
+            <a:spAutoFit/>
+          </a:bodyPr>
+          <a:lstStyle/>
+          <a:p>
+            <a:r>
+              <a:rPr lang="en-GB" dirty="0">
+                <a:solidFill>
+                  <a:srgbClr val="0000FF"/>
+                </a:solidFill>
+                <a:latin typeface="Cascadia Mono" panose="020B0609020000020004" pitchFamily="49" charset="0"/>
+              </a:rPr>
+              <a:t>void</a:t>
+            </a:r>
+            <a:r>
+              <a:rPr lang="en-GB" dirty="0">
+                <a:solidFill>
+                  <a:srgbClr val="000000"/>
+                </a:solidFill>
+                <a:latin typeface="Cascadia Mono" panose="020B0609020000020004" pitchFamily="49" charset="0"/>
+              </a:rPr>
+              <a:t> </a:t>
+            </a:r>
+            <a:r>
+              <a:rPr lang="en-GB" dirty="0" err="1">
+                <a:solidFill>
+                  <a:srgbClr val="000000"/>
+                </a:solidFill>
+                <a:latin typeface="Cascadia Mono" panose="020B0609020000020004" pitchFamily="49" charset="0"/>
+              </a:rPr>
+              <a:t>startNote</a:t>
+            </a:r>
+            <a:r>
+              <a:rPr lang="en-GB" dirty="0">
+                <a:solidFill>
+                  <a:srgbClr val="000000"/>
+                </a:solidFill>
+                <a:latin typeface="Cascadia Mono" panose="020B0609020000020004" pitchFamily="49" charset="0"/>
+              </a:rPr>
+              <a:t>(</a:t>
+            </a:r>
+            <a:r>
+              <a:rPr lang="en-GB" dirty="0">
+                <a:solidFill>
+                  <a:srgbClr val="0000FF"/>
+                </a:solidFill>
+                <a:latin typeface="Cascadia Mono" panose="020B0609020000020004" pitchFamily="49" charset="0"/>
+              </a:rPr>
+              <a:t>int</a:t>
+            </a:r>
+            <a:r>
+              <a:rPr lang="en-GB" dirty="0">
+                <a:solidFill>
+                  <a:srgbClr val="000000"/>
+                </a:solidFill>
+                <a:latin typeface="Cascadia Mono" panose="020B0609020000020004" pitchFamily="49" charset="0"/>
+              </a:rPr>
+              <a:t> </a:t>
+            </a:r>
+            <a:r>
+              <a:rPr lang="en-GB" dirty="0" err="1">
+                <a:solidFill>
+                  <a:srgbClr val="808080"/>
+                </a:solidFill>
+                <a:latin typeface="Cascadia Mono" panose="020B0609020000020004" pitchFamily="49" charset="0"/>
+              </a:rPr>
+              <a:t>midiNoteNumber</a:t>
+            </a:r>
+            <a:r>
+              <a:rPr lang="en-GB" dirty="0">
+                <a:solidFill>
+                  <a:srgbClr val="000000"/>
+                </a:solidFill>
+                <a:latin typeface="Cascadia Mono" panose="020B0609020000020004" pitchFamily="49" charset="0"/>
+              </a:rPr>
+              <a:t>, </a:t>
+            </a:r>
+            <a:r>
+              <a:rPr lang="en-GB" dirty="0">
+                <a:solidFill>
+                  <a:srgbClr val="0000FF"/>
+                </a:solidFill>
+                <a:latin typeface="Cascadia Mono" panose="020B0609020000020004" pitchFamily="49" charset="0"/>
+              </a:rPr>
+              <a:t>float</a:t>
+            </a:r>
+            <a:r>
+              <a:rPr lang="en-GB" dirty="0">
+                <a:solidFill>
+                  <a:srgbClr val="000000"/>
+                </a:solidFill>
+                <a:latin typeface="Cascadia Mono" panose="020B0609020000020004" pitchFamily="49" charset="0"/>
+              </a:rPr>
+              <a:t> </a:t>
+            </a:r>
+            <a:r>
+              <a:rPr lang="en-GB" dirty="0">
+                <a:solidFill>
+                  <a:srgbClr val="808080"/>
+                </a:solidFill>
+                <a:latin typeface="Cascadia Mono" panose="020B0609020000020004" pitchFamily="49" charset="0"/>
+              </a:rPr>
+              <a:t>velocity</a:t>
+            </a:r>
+            <a:r>
+              <a:rPr lang="en-GB" dirty="0">
+                <a:solidFill>
+                  <a:srgbClr val="000000"/>
+                </a:solidFill>
+                <a:latin typeface="Cascadia Mono" panose="020B0609020000020004" pitchFamily="49" charset="0"/>
+              </a:rPr>
+              <a:t>, </a:t>
+            </a:r>
+            <a:r>
+              <a:rPr lang="en-GB" dirty="0" err="1">
+                <a:solidFill>
+                  <a:srgbClr val="2B91AF"/>
+                </a:solidFill>
+                <a:latin typeface="Cascadia Mono" panose="020B0609020000020004" pitchFamily="49" charset="0"/>
+              </a:rPr>
+              <a:t>SynthesiserSound</a:t>
+            </a:r>
+            <a:r>
+              <a:rPr lang="en-GB" dirty="0">
+                <a:solidFill>
+                  <a:srgbClr val="000000"/>
+                </a:solidFill>
+                <a:latin typeface="Cascadia Mono" panose="020B0609020000020004" pitchFamily="49" charset="0"/>
+              </a:rPr>
+              <a:t>*, </a:t>
+            </a:r>
+            <a:r>
+              <a:rPr lang="en-GB" dirty="0">
+                <a:solidFill>
+                  <a:srgbClr val="0000FF"/>
+                </a:solidFill>
+                <a:latin typeface="Cascadia Mono" panose="020B0609020000020004" pitchFamily="49" charset="0"/>
+              </a:rPr>
+              <a:t>int</a:t>
+            </a:r>
+            <a:r>
+              <a:rPr lang="en-GB" dirty="0">
+                <a:solidFill>
+                  <a:srgbClr val="000000"/>
+                </a:solidFill>
+                <a:latin typeface="Cascadia Mono" panose="020B0609020000020004" pitchFamily="49" charset="0"/>
+              </a:rPr>
+              <a:t>) </a:t>
+            </a:r>
+            <a:r>
+              <a:rPr lang="en-GB" dirty="0">
+                <a:solidFill>
+                  <a:srgbClr val="0000FF"/>
+                </a:solidFill>
+                <a:latin typeface="Cascadia Mono" panose="020B0609020000020004" pitchFamily="49" charset="0"/>
+              </a:rPr>
+              <a:t>override</a:t>
+            </a:r>
+            <a:r>
+              <a:rPr lang="en-GB" dirty="0">
+                <a:solidFill>
+                  <a:srgbClr val="000000"/>
+                </a:solidFill>
+                <a:latin typeface="Cascadia Mono" panose="020B0609020000020004" pitchFamily="49" charset="0"/>
+              </a:rPr>
+              <a:t> {</a:t>
+            </a:r>
+          </a:p>
+          <a:p>
+            <a:r>
+              <a:rPr lang="en-GB" dirty="0">
+                <a:solidFill>
+                  <a:srgbClr val="000000"/>
+                </a:solidFill>
+                <a:latin typeface="Cascadia Mono" panose="020B0609020000020004" pitchFamily="49" charset="0"/>
+              </a:rPr>
+              <a:t>  </a:t>
+            </a:r>
+            <a:r>
+              <a:rPr lang="en-GB" dirty="0" err="1">
+                <a:solidFill>
+                  <a:srgbClr val="000000"/>
+                </a:solidFill>
+                <a:latin typeface="Cascadia Mono" panose="020B0609020000020004" pitchFamily="49" charset="0"/>
+              </a:rPr>
+              <a:t>currentAngle</a:t>
+            </a:r>
+            <a:r>
+              <a:rPr lang="en-GB" dirty="0">
+                <a:solidFill>
+                  <a:srgbClr val="000000"/>
+                </a:solidFill>
+                <a:latin typeface="Cascadia Mono" panose="020B0609020000020004" pitchFamily="49" charset="0"/>
+              </a:rPr>
+              <a:t> = 0.0;</a:t>
+            </a:r>
+          </a:p>
+          <a:p>
+            <a:r>
+              <a:rPr lang="en-GB" dirty="0">
+                <a:solidFill>
+                  <a:srgbClr val="000000"/>
+                </a:solidFill>
+                <a:latin typeface="Cascadia Mono" panose="020B0609020000020004" pitchFamily="49" charset="0"/>
+              </a:rPr>
+              <a:t>  level = </a:t>
+            </a:r>
+            <a:r>
+              <a:rPr lang="en-GB" dirty="0">
+                <a:solidFill>
+                  <a:srgbClr val="808080"/>
+                </a:solidFill>
+                <a:latin typeface="Cascadia Mono" panose="020B0609020000020004" pitchFamily="49" charset="0"/>
+              </a:rPr>
+              <a:t>velocity</a:t>
+            </a:r>
+            <a:r>
+              <a:rPr lang="en-GB" dirty="0">
+                <a:solidFill>
+                  <a:srgbClr val="000000"/>
+                </a:solidFill>
+                <a:latin typeface="Cascadia Mono" panose="020B0609020000020004" pitchFamily="49" charset="0"/>
+              </a:rPr>
+              <a:t> * 0.15;</a:t>
+            </a:r>
+          </a:p>
+          <a:p>
+            <a:r>
+              <a:rPr lang="en-GB" dirty="0">
+                <a:solidFill>
+                  <a:srgbClr val="000000"/>
+                </a:solidFill>
+                <a:latin typeface="Cascadia Mono" panose="020B0609020000020004" pitchFamily="49" charset="0"/>
+              </a:rPr>
+              <a:t>  </a:t>
+            </a:r>
+            <a:r>
+              <a:rPr lang="en-GB" dirty="0" err="1">
+                <a:solidFill>
+                  <a:srgbClr val="000000"/>
+                </a:solidFill>
+                <a:latin typeface="Cascadia Mono" panose="020B0609020000020004" pitchFamily="49" charset="0"/>
+              </a:rPr>
+              <a:t>angleDelta</a:t>
+            </a:r>
+            <a:r>
+              <a:rPr lang="en-GB" dirty="0">
+                <a:solidFill>
+                  <a:srgbClr val="000000"/>
+                </a:solidFill>
+                <a:latin typeface="Cascadia Mono" panose="020B0609020000020004" pitchFamily="49" charset="0"/>
+              </a:rPr>
+              <a:t> = </a:t>
+            </a:r>
+            <a:r>
+              <a:rPr lang="en-GB" dirty="0" err="1">
+                <a:solidFill>
+                  <a:srgbClr val="2B91AF"/>
+                </a:solidFill>
+                <a:latin typeface="Cascadia Mono" panose="020B0609020000020004" pitchFamily="49" charset="0"/>
+              </a:rPr>
+              <a:t>MathConstants</a:t>
+            </a:r>
+            <a:r>
+              <a:rPr lang="en-GB" dirty="0">
+                <a:solidFill>
+                  <a:srgbClr val="000000"/>
+                </a:solidFill>
+                <a:latin typeface="Cascadia Mono" panose="020B0609020000020004" pitchFamily="49" charset="0"/>
+              </a:rPr>
+              <a:t>&lt;</a:t>
+            </a:r>
+            <a:r>
+              <a:rPr lang="en-GB" dirty="0">
+                <a:solidFill>
+                  <a:srgbClr val="0000FF"/>
+                </a:solidFill>
+                <a:latin typeface="Cascadia Mono" panose="020B0609020000020004" pitchFamily="49" charset="0"/>
+              </a:rPr>
+              <a:t>double</a:t>
+            </a:r>
+            <a:r>
+              <a:rPr lang="en-GB" dirty="0">
+                <a:solidFill>
+                  <a:srgbClr val="000000"/>
+                </a:solidFill>
+                <a:latin typeface="Cascadia Mono" panose="020B0609020000020004" pitchFamily="49" charset="0"/>
+              </a:rPr>
+              <a:t>&gt;::</a:t>
+            </a:r>
+            <a:r>
+              <a:rPr lang="en-GB" dirty="0" err="1">
+                <a:solidFill>
+                  <a:srgbClr val="000000"/>
+                </a:solidFill>
+                <a:latin typeface="Cascadia Mono" panose="020B0609020000020004" pitchFamily="49" charset="0"/>
+              </a:rPr>
+              <a:t>twoPi</a:t>
+            </a:r>
+            <a:r>
+              <a:rPr lang="en-GB" dirty="0">
+                <a:solidFill>
+                  <a:srgbClr val="000000"/>
+                </a:solidFill>
+                <a:latin typeface="Cascadia Mono" panose="020B0609020000020004" pitchFamily="49" charset="0"/>
+              </a:rPr>
+              <a:t> * </a:t>
+            </a:r>
+          </a:p>
+          <a:p>
+            <a:r>
+              <a:rPr lang="en-GB" dirty="0">
+                <a:solidFill>
+                  <a:srgbClr val="000000"/>
+                </a:solidFill>
+                <a:latin typeface="Cascadia Mono" panose="020B0609020000020004" pitchFamily="49" charset="0"/>
+              </a:rPr>
+              <a:t>               </a:t>
+            </a:r>
+            <a:r>
+              <a:rPr lang="en-GB" dirty="0" err="1">
+                <a:solidFill>
+                  <a:srgbClr val="2B91AF"/>
+                </a:solidFill>
+                <a:latin typeface="Cascadia Mono" panose="020B0609020000020004" pitchFamily="49" charset="0"/>
+              </a:rPr>
+              <a:t>MidiMessage</a:t>
+            </a:r>
+            <a:r>
+              <a:rPr lang="en-GB" dirty="0">
+                <a:solidFill>
+                  <a:srgbClr val="000000"/>
+                </a:solidFill>
+                <a:latin typeface="Cascadia Mono" panose="020B0609020000020004" pitchFamily="49" charset="0"/>
+              </a:rPr>
+              <a:t>::</a:t>
+            </a:r>
+            <a:r>
+              <a:rPr lang="en-GB" dirty="0" err="1">
+                <a:solidFill>
+                  <a:srgbClr val="000000"/>
+                </a:solidFill>
+                <a:latin typeface="Cascadia Mono" panose="020B0609020000020004" pitchFamily="49" charset="0"/>
+              </a:rPr>
+              <a:t>getMidiNoteInHertz</a:t>
+            </a:r>
+            <a:r>
+              <a:rPr lang="en-GB" dirty="0">
+                <a:solidFill>
+                  <a:srgbClr val="000000"/>
+                </a:solidFill>
+                <a:latin typeface="Cascadia Mono" panose="020B0609020000020004" pitchFamily="49" charset="0"/>
+              </a:rPr>
+              <a:t>(</a:t>
+            </a:r>
+            <a:r>
+              <a:rPr lang="en-GB" dirty="0" err="1">
+                <a:solidFill>
+                  <a:srgbClr val="808080"/>
+                </a:solidFill>
+                <a:latin typeface="Cascadia Mono" panose="020B0609020000020004" pitchFamily="49" charset="0"/>
+              </a:rPr>
+              <a:t>midiNoteNumber</a:t>
+            </a:r>
+            <a:r>
+              <a:rPr lang="en-GB" dirty="0">
+                <a:solidFill>
+                  <a:srgbClr val="000000"/>
+                </a:solidFill>
+                <a:latin typeface="Cascadia Mono" panose="020B0609020000020004" pitchFamily="49" charset="0"/>
+              </a:rPr>
+              <a:t>) / </a:t>
+            </a:r>
+            <a:r>
+              <a:rPr lang="en-GB" dirty="0" err="1">
+                <a:solidFill>
+                  <a:srgbClr val="000000"/>
+                </a:solidFill>
+                <a:latin typeface="Cascadia Mono" panose="020B0609020000020004" pitchFamily="49" charset="0"/>
+              </a:rPr>
+              <a:t>getSampleRate</a:t>
+            </a:r>
+            <a:r>
+              <a:rPr lang="en-GB" dirty="0">
+                <a:solidFill>
+                  <a:srgbClr val="000000"/>
+                </a:solidFill>
+                <a:latin typeface="Cascadia Mono" panose="020B0609020000020004" pitchFamily="49" charset="0"/>
+              </a:rPr>
+              <a:t>();</a:t>
+            </a:r>
+          </a:p>
+          <a:p>
+            <a:r>
+              <a:rPr lang="en-GB" dirty="0">
+                <a:solidFill>
+                  <a:srgbClr val="000000"/>
+                </a:solidFill>
+                <a:latin typeface="Cascadia Mono" panose="020B0609020000020004" pitchFamily="49" charset="0"/>
+              </a:rPr>
+              <a:t>}</a:t>
+            </a:r>
+          </a:p>
+          <a:p>
+            <a:r>
+              <a:rPr lang="en-GB" dirty="0">
+                <a:solidFill>
+                  <a:srgbClr val="0000FF"/>
+                </a:solidFill>
+                <a:latin typeface="Cascadia Mono" panose="020B0609020000020004" pitchFamily="49" charset="0"/>
+              </a:rPr>
+              <a:t>void</a:t>
+            </a:r>
+            <a:r>
+              <a:rPr lang="en-GB" dirty="0">
+                <a:solidFill>
+                  <a:srgbClr val="000000"/>
+                </a:solidFill>
+                <a:latin typeface="Cascadia Mono" panose="020B0609020000020004" pitchFamily="49" charset="0"/>
+              </a:rPr>
+              <a:t> </a:t>
+            </a:r>
+            <a:r>
+              <a:rPr lang="en-GB" dirty="0" err="1">
+                <a:solidFill>
+                  <a:srgbClr val="000000"/>
+                </a:solidFill>
+                <a:latin typeface="Cascadia Mono" panose="020B0609020000020004" pitchFamily="49" charset="0"/>
+              </a:rPr>
+              <a:t>stopNote</a:t>
+            </a:r>
+            <a:r>
+              <a:rPr lang="en-GB" dirty="0">
+                <a:solidFill>
+                  <a:srgbClr val="000000"/>
+                </a:solidFill>
+                <a:latin typeface="Cascadia Mono" panose="020B0609020000020004" pitchFamily="49" charset="0"/>
+              </a:rPr>
+              <a:t>(</a:t>
+            </a:r>
+            <a:r>
+              <a:rPr lang="en-GB" dirty="0">
+                <a:solidFill>
+                  <a:srgbClr val="0000FF"/>
+                </a:solidFill>
+                <a:latin typeface="Cascadia Mono" panose="020B0609020000020004" pitchFamily="49" charset="0"/>
+              </a:rPr>
+              <a:t>float</a:t>
+            </a:r>
+            <a:r>
+              <a:rPr lang="en-GB" dirty="0">
+                <a:solidFill>
+                  <a:srgbClr val="000000"/>
+                </a:solidFill>
+                <a:latin typeface="Cascadia Mono" panose="020B0609020000020004" pitchFamily="49" charset="0"/>
+              </a:rPr>
+              <a:t> </a:t>
+            </a:r>
+            <a:r>
+              <a:rPr lang="en-GB" dirty="0">
+                <a:solidFill>
+                  <a:srgbClr val="008000"/>
+                </a:solidFill>
+                <a:latin typeface="Cascadia Mono" panose="020B0609020000020004" pitchFamily="49" charset="0"/>
+              </a:rPr>
+              <a:t>/*velocity*/</a:t>
+            </a:r>
+            <a:r>
+              <a:rPr lang="en-GB" dirty="0">
+                <a:solidFill>
+                  <a:srgbClr val="000000"/>
+                </a:solidFill>
+                <a:latin typeface="Cascadia Mono" panose="020B0609020000020004" pitchFamily="49" charset="0"/>
+              </a:rPr>
+              <a:t>, </a:t>
+            </a:r>
+            <a:r>
+              <a:rPr lang="en-GB" dirty="0">
+                <a:solidFill>
+                  <a:srgbClr val="0000FF"/>
+                </a:solidFill>
+                <a:latin typeface="Cascadia Mono" panose="020B0609020000020004" pitchFamily="49" charset="0"/>
+              </a:rPr>
+              <a:t>bool</a:t>
+            </a:r>
+            <a:r>
+              <a:rPr lang="en-GB" dirty="0">
+                <a:solidFill>
+                  <a:srgbClr val="000000"/>
+                </a:solidFill>
+                <a:latin typeface="Cascadia Mono" panose="020B0609020000020004" pitchFamily="49" charset="0"/>
+              </a:rPr>
+              <a:t> </a:t>
+            </a:r>
+            <a:r>
+              <a:rPr lang="en-GB" dirty="0" err="1">
+                <a:solidFill>
+                  <a:srgbClr val="808080"/>
+                </a:solidFill>
+                <a:latin typeface="Cascadia Mono" panose="020B0609020000020004" pitchFamily="49" charset="0"/>
+              </a:rPr>
+              <a:t>allowTailOff</a:t>
+            </a:r>
+            <a:r>
+              <a:rPr lang="en-GB" dirty="0">
+                <a:solidFill>
+                  <a:srgbClr val="000000"/>
+                </a:solidFill>
+                <a:latin typeface="Cascadia Mono" panose="020B0609020000020004" pitchFamily="49" charset="0"/>
+              </a:rPr>
+              <a:t>) </a:t>
+            </a:r>
+            <a:r>
+              <a:rPr lang="en-GB" dirty="0">
+                <a:solidFill>
+                  <a:srgbClr val="0000FF"/>
+                </a:solidFill>
+                <a:latin typeface="Cascadia Mono" panose="020B0609020000020004" pitchFamily="49" charset="0"/>
+              </a:rPr>
+              <a:t>override</a:t>
+            </a:r>
+            <a:r>
+              <a:rPr lang="en-GB" dirty="0">
+                <a:solidFill>
+                  <a:srgbClr val="000000"/>
+                </a:solidFill>
+                <a:latin typeface="Cascadia Mono" panose="020B0609020000020004" pitchFamily="49" charset="0"/>
+              </a:rPr>
+              <a:t> {</a:t>
+            </a:r>
+          </a:p>
+          <a:p>
+            <a:r>
+              <a:rPr lang="en-GB" dirty="0">
+                <a:solidFill>
+                  <a:srgbClr val="000000"/>
+                </a:solidFill>
+                <a:latin typeface="Cascadia Mono" panose="020B0609020000020004" pitchFamily="49" charset="0"/>
+              </a:rPr>
+              <a:t>  </a:t>
+            </a:r>
+            <a:r>
+              <a:rPr lang="en-GB" dirty="0" err="1">
+                <a:solidFill>
+                  <a:srgbClr val="000000"/>
+                </a:solidFill>
+                <a:latin typeface="Cascadia Mono" panose="020B0609020000020004" pitchFamily="49" charset="0"/>
+              </a:rPr>
+              <a:t>clearCurrentNote</a:t>
+            </a:r>
+            <a:r>
+              <a:rPr lang="en-GB" dirty="0">
+                <a:solidFill>
+                  <a:srgbClr val="000000"/>
+                </a:solidFill>
+                <a:latin typeface="Cascadia Mono" panose="020B0609020000020004" pitchFamily="49" charset="0"/>
+              </a:rPr>
+              <a:t>();</a:t>
+            </a:r>
+          </a:p>
+          <a:p>
+            <a:r>
+              <a:rPr lang="en-GB" dirty="0">
+                <a:solidFill>
+                  <a:srgbClr val="000000"/>
+                </a:solidFill>
+                <a:latin typeface="Cascadia Mono" panose="020B0609020000020004" pitchFamily="49" charset="0"/>
+              </a:rPr>
+              <a:t>  </a:t>
+            </a:r>
+            <a:r>
+              <a:rPr lang="en-GB" dirty="0" err="1">
+                <a:solidFill>
+                  <a:srgbClr val="000000"/>
+                </a:solidFill>
+                <a:latin typeface="Cascadia Mono" panose="020B0609020000020004" pitchFamily="49" charset="0"/>
+              </a:rPr>
+              <a:t>angleDelta</a:t>
+            </a:r>
+            <a:r>
+              <a:rPr lang="en-GB" dirty="0">
+                <a:solidFill>
+                  <a:srgbClr val="000000"/>
+                </a:solidFill>
+                <a:latin typeface="Cascadia Mono" panose="020B0609020000020004" pitchFamily="49" charset="0"/>
+              </a:rPr>
+              <a:t> = 0.0;</a:t>
+            </a:r>
+          </a:p>
+          <a:p>
+            <a:r>
+              <a:rPr lang="en-GB" dirty="0">
+                <a:solidFill>
+                  <a:srgbClr val="000000"/>
+                </a:solidFill>
+                <a:latin typeface="Cascadia Mono" panose="020B0609020000020004" pitchFamily="49" charset="0"/>
+              </a:rPr>
+              <a:t>}</a:t>
+            </a:r>
+          </a:p>
+        </p:txBody>
+      </p:sp>
+    </p:spTree>
+    <p:extLst>
+      <p:ext uri="{BB962C8B-B14F-4D97-AF65-F5344CB8AC3E}">
+        <p14:creationId xmlns:p14="http://schemas.microsoft.com/office/powerpoint/2010/main" val="794014378"/>
+      </p:ext>
+    </p:extLst>
+  </p:cSld>
+  <p:clrMapOvr>
+    <a:masterClrMapping/>
+  </p:clrMapOvr>
+</p:sld>
+</file>
+
+<file path=ppt/slides/slide9.xml><?xml version="1.0" encoding="utf-8"?>
+<p:sld xmlns:a="http://schemas.openxmlformats.org/drawingml/2006/main" xmlns:r="http://schemas.openxmlformats.org/officeDocument/2006/relationships" xmlns:p="http://schemas.openxmlformats.org/presentationml/2006/main">
+  <p:cSld>
+    <p:spTree>
+      <p:nvGrpSpPr>
+        <p:cNvPr id="1" name=""/>
+        <p:cNvGrpSpPr/>
+        <p:nvPr/>
+      </p:nvGrpSpPr>
+      <p:grpSpPr>
+        <a:xfrm>
+          <a:off x="0" y="0"/>
+          <a:ext cx="0" cy="0"/>
+          <a:chOff x="0" y="0"/>
+          <a:chExt cx="0" cy="0"/>
+        </a:xfrm>
+      </p:grpSpPr>
+      <p:sp>
+        <p:nvSpPr>
+          <p:cNvPr id="2" name="Title 1">
+            <a:extLst>
+              <a:ext uri="{FF2B5EF4-FFF2-40B4-BE49-F238E27FC236}">
+                <a16:creationId xmlns:a16="http://schemas.microsoft.com/office/drawing/2014/main" id="{C7F6787B-E980-6BB4-5BD5-99D66F801DAA}"/>
+              </a:ext>
+            </a:extLst>
+          </p:cNvPr>
+          <p:cNvSpPr>
+            <a:spLocks noGrp="1"/>
+          </p:cNvSpPr>
+          <p:nvPr>
+            <p:ph type="title"/>
+          </p:nvPr>
+        </p:nvSpPr>
+        <p:spPr>
+          <a:xfrm>
+            <a:off x="527901" y="0"/>
+            <a:ext cx="11380564" cy="1060515"/>
+          </a:xfrm>
+        </p:spPr>
+        <p:txBody>
+          <a:bodyPr>
             <a:normAutofit/>
           </a:bodyPr>
           <a:lstStyle/>
@@ -9154,215 +11384,6 @@
     <p:extLst>
       <p:ext uri="{BB962C8B-B14F-4D97-AF65-F5344CB8AC3E}">
         <p14:creationId xmlns:p14="http://schemas.microsoft.com/office/powerpoint/2010/main" val="3093909114"/>
-      </p:ext>
-    </p:extLst>
-  </p:cSld>
-  <p:clrMapOvr>
-    <a:masterClrMapping/>
-  </p:clrMapOvr>
-</p:sld>
-</file>
-
-<file path=ppt/slides/slide9.xml><?xml version="1.0" encoding="utf-8"?>
-<p:sld xmlns:a="http://schemas.openxmlformats.org/drawingml/2006/main" xmlns:r="http://schemas.openxmlformats.org/officeDocument/2006/relationships" xmlns:p="http://schemas.openxmlformats.org/presentationml/2006/main">
-  <p:cSld>
-    <p:spTree>
-      <p:nvGrpSpPr>
-        <p:cNvPr id="1" name=""/>
-        <p:cNvGrpSpPr/>
-        <p:nvPr/>
-      </p:nvGrpSpPr>
-      <p:grpSpPr>
-        <a:xfrm>
-          <a:off x="0" y="0"/>
-          <a:ext cx="0" cy="0"/>
-          <a:chOff x="0" y="0"/>
-          <a:chExt cx="0" cy="0"/>
-        </a:xfrm>
-      </p:grpSpPr>
-      <p:sp>
-        <p:nvSpPr>
-          <p:cNvPr id="2" name="Title 1">
-            <a:extLst>
-              <a:ext uri="{FF2B5EF4-FFF2-40B4-BE49-F238E27FC236}">
-                <a16:creationId xmlns:a16="http://schemas.microsoft.com/office/drawing/2014/main" id="{7BD9611B-0163-973A-376C-B78EE8F90EDC}"/>
-              </a:ext>
-            </a:extLst>
-          </p:cNvPr>
-          <p:cNvSpPr>
-            <a:spLocks noGrp="1"/>
-          </p:cNvSpPr>
-          <p:nvPr>
-            <p:ph type="title"/>
-          </p:nvPr>
-        </p:nvSpPr>
-        <p:spPr/>
-        <p:txBody>
-          <a:bodyPr/>
-          <a:lstStyle/>
-          <a:p>
-            <a:r>
-              <a:rPr lang="en-GB" dirty="0"/>
-              <a:t>Midi with an external device</a:t>
-            </a:r>
-          </a:p>
-        </p:txBody>
-      </p:sp>
-      <p:sp>
-        <p:nvSpPr>
-          <p:cNvPr id="3" name="Content Placeholder 2">
-            <a:extLst>
-              <a:ext uri="{FF2B5EF4-FFF2-40B4-BE49-F238E27FC236}">
-                <a16:creationId xmlns:a16="http://schemas.microsoft.com/office/drawing/2014/main" id="{76E70533-EE7B-642A-018F-891BB8F08B8E}"/>
-              </a:ext>
-            </a:extLst>
-          </p:cNvPr>
-          <p:cNvSpPr>
-            <a:spLocks noGrp="1"/>
-          </p:cNvSpPr>
-          <p:nvPr>
-            <p:ph idx="1"/>
-          </p:nvPr>
-        </p:nvSpPr>
-        <p:spPr>
-          <a:xfrm>
-            <a:off x="838200" y="1825625"/>
-            <a:ext cx="7731642" cy="4351338"/>
-          </a:xfrm>
-        </p:spPr>
-        <p:txBody>
-          <a:bodyPr>
-            <a:normAutofit/>
-          </a:bodyPr>
-          <a:lstStyle/>
-          <a:p>
-            <a:r>
-              <a:rPr lang="en-GB" dirty="0"/>
-              <a:t>JUCE provides some useful </a:t>
-            </a:r>
-            <a:r>
-              <a:rPr lang="en-GB" dirty="0" err="1"/>
-              <a:t>midi_io</a:t>
-            </a:r>
-            <a:r>
-              <a:rPr lang="en-GB" dirty="0"/>
-              <a:t> classes</a:t>
-            </a:r>
-          </a:p>
-          <a:p>
-            <a:pPr lvl="1"/>
-            <a:r>
-              <a:rPr lang="en-GB" dirty="0" err="1"/>
-              <a:t>MidiInput</a:t>
-            </a:r>
-            <a:r>
-              <a:rPr lang="en-GB" dirty="0"/>
-              <a:t> class</a:t>
-            </a:r>
-          </a:p>
-          <a:p>
-            <a:pPr lvl="1"/>
-            <a:r>
-              <a:rPr lang="en-GB" dirty="0" err="1"/>
-              <a:t>MidiInputCallback</a:t>
-            </a:r>
-            <a:r>
-              <a:rPr lang="en-GB" dirty="0"/>
-              <a:t> class</a:t>
-            </a:r>
-          </a:p>
-          <a:p>
-            <a:pPr lvl="1"/>
-            <a:r>
-              <a:rPr lang="en-GB" dirty="0" err="1"/>
-              <a:t>MidiMessageCollector</a:t>
-            </a:r>
-            <a:r>
-              <a:rPr lang="en-GB" dirty="0"/>
-              <a:t> class, …</a:t>
-            </a:r>
-          </a:p>
-          <a:p>
-            <a:r>
-              <a:rPr lang="en-GB" dirty="0"/>
-              <a:t>And in </a:t>
-            </a:r>
-            <a:r>
-              <a:rPr lang="en-GB" dirty="0" err="1"/>
-              <a:t>audio_io</a:t>
-            </a:r>
-            <a:r>
-              <a:rPr lang="en-GB" dirty="0"/>
-              <a:t> classes</a:t>
-            </a:r>
-          </a:p>
-          <a:p>
-            <a:pPr lvl="1"/>
-            <a:r>
-              <a:rPr lang="en-GB" dirty="0" err="1"/>
-              <a:t>AudioDeviceManager</a:t>
-            </a:r>
-            <a:endParaRPr lang="en-GB" dirty="0"/>
-          </a:p>
-          <a:p>
-            <a:r>
-              <a:rPr lang="en-GB" dirty="0"/>
-              <a:t>But let the host handle external midi input</a:t>
-            </a:r>
-          </a:p>
-        </p:txBody>
-      </p:sp>
-      <p:pic>
-        <p:nvPicPr>
-          <p:cNvPr id="1026" name="Picture 2" descr="Novation Launchkey Mini [MK3]">
-            <a:extLst>
-              <a:ext uri="{FF2B5EF4-FFF2-40B4-BE49-F238E27FC236}">
-                <a16:creationId xmlns:a16="http://schemas.microsoft.com/office/drawing/2014/main" id="{7F7967FE-6C07-3F16-E25A-4AC2ACD8A9B6}"/>
-              </a:ext>
-            </a:extLst>
-          </p:cNvPr>
-          <p:cNvPicPr>
-            <a:picLocks noChangeAspect="1" noChangeArrowheads="1"/>
-          </p:cNvPicPr>
-          <p:nvPr/>
-        </p:nvPicPr>
-        <p:blipFill>
-          <a:blip r:embed="rId2">
-            <a:extLst>
-              <a:ext uri="{28A0092B-C50C-407E-A947-70E740481C1C}">
-                <a14:useLocalDpi xmlns:a14="http://schemas.microsoft.com/office/drawing/2010/main" val="0"/>
-              </a:ext>
-            </a:extLst>
-          </a:blip>
-          <a:srcRect/>
-          <a:stretch>
-            <a:fillRect/>
-          </a:stretch>
-        </p:blipFill>
-        <p:spPr bwMode="auto">
-          <a:xfrm>
-            <a:off x="7627532" y="1414463"/>
-            <a:ext cx="4762500" cy="4762500"/>
-          </a:xfrm>
-          <a:prstGeom prst="rect">
-            <a:avLst/>
-          </a:prstGeom>
-          <a:noFill/>
-          <a:extLst>
-            <a:ext uri="{909E8E84-426E-40DD-AFC4-6F175D3DCCD1}">
-              <a14:hiddenFill xmlns:a14="http://schemas.microsoft.com/office/drawing/2010/main">
-                <a:solidFill>
-                  <a:srgbClr val="FFFFFF"/>
-                </a:solidFill>
-              </a14:hiddenFill>
-            </a:ext>
-          </a:extLst>
-        </p:spPr>
-      </p:pic>
-    </p:spTree>
-    <p:extLst>
-      <p:ext uri="{BB962C8B-B14F-4D97-AF65-F5344CB8AC3E}">
-        <p14:creationId xmlns:p14="http://schemas.microsoft.com/office/powerpoint/2010/main" val="1153512951"/>
       </p:ext>
     </p:extLst>
   </p:cSld>

--- a/02 - Midi/03 A synthesiser.pptx
+++ b/02 - Midi/03 A synthesiser.pptx
@@ -210,7 +210,7 @@
           <a:p>
             <a:fld id="{BE487CCF-3B53-4F90-977B-B099D72D42DC}" type="datetimeFigureOut">
               <a:rPr lang="en-GB" smtClean="0"/>
-              <a:t>05/10/2023</a:t>
+              <a:t>07/12/2023</a:t>
             </a:fld>
             <a:endParaRPr lang="en-GB"/>
           </a:p>
@@ -714,7 +714,7 @@
           <a:p>
             <a:fld id="{F8A5948D-6B6B-4AEB-B022-F2A9ADD6F77D}" type="datetimeFigureOut">
               <a:rPr lang="en-GB" smtClean="0"/>
-              <a:t>05/10/2023</a:t>
+              <a:t>07/12/2023</a:t>
             </a:fld>
             <a:endParaRPr lang="en-GB"/>
           </a:p>
@@ -914,7 +914,7 @@
           <a:p>
             <a:fld id="{F8A5948D-6B6B-4AEB-B022-F2A9ADD6F77D}" type="datetimeFigureOut">
               <a:rPr lang="en-GB" smtClean="0"/>
-              <a:t>05/10/2023</a:t>
+              <a:t>07/12/2023</a:t>
             </a:fld>
             <a:endParaRPr lang="en-GB"/>
           </a:p>
@@ -1124,7 +1124,7 @@
           <a:p>
             <a:fld id="{F8A5948D-6B6B-4AEB-B022-F2A9ADD6F77D}" type="datetimeFigureOut">
               <a:rPr lang="en-GB" smtClean="0"/>
-              <a:t>05/10/2023</a:t>
+              <a:t>07/12/2023</a:t>
             </a:fld>
             <a:endParaRPr lang="en-GB"/>
           </a:p>
@@ -1329,7 +1329,7 @@
           <a:p>
             <a:fld id="{F8A5948D-6B6B-4AEB-B022-F2A9ADD6F77D}" type="datetimeFigureOut">
               <a:rPr lang="en-GB" smtClean="0"/>
-              <a:t>05/10/2023</a:t>
+              <a:t>07/12/2023</a:t>
             </a:fld>
             <a:endParaRPr lang="en-GB"/>
           </a:p>
@@ -1605,7 +1605,7 @@
           <a:p>
             <a:fld id="{F8A5948D-6B6B-4AEB-B022-F2A9ADD6F77D}" type="datetimeFigureOut">
               <a:rPr lang="en-GB" smtClean="0"/>
-              <a:t>05/10/2023</a:t>
+              <a:t>07/12/2023</a:t>
             </a:fld>
             <a:endParaRPr lang="en-GB"/>
           </a:p>
@@ -1873,7 +1873,7 @@
           <a:p>
             <a:fld id="{F8A5948D-6B6B-4AEB-B022-F2A9ADD6F77D}" type="datetimeFigureOut">
               <a:rPr lang="en-GB" smtClean="0"/>
-              <a:t>05/10/2023</a:t>
+              <a:t>07/12/2023</a:t>
             </a:fld>
             <a:endParaRPr lang="en-GB"/>
           </a:p>
@@ -2288,7 +2288,7 @@
           <a:p>
             <a:fld id="{F8A5948D-6B6B-4AEB-B022-F2A9ADD6F77D}" type="datetimeFigureOut">
               <a:rPr lang="en-GB" smtClean="0"/>
-              <a:t>05/10/2023</a:t>
+              <a:t>07/12/2023</a:t>
             </a:fld>
             <a:endParaRPr lang="en-GB"/>
           </a:p>
@@ -2430,7 +2430,7 @@
           <a:p>
             <a:fld id="{F8A5948D-6B6B-4AEB-B022-F2A9ADD6F77D}" type="datetimeFigureOut">
               <a:rPr lang="en-GB" smtClean="0"/>
-              <a:t>05/10/2023</a:t>
+              <a:t>07/12/2023</a:t>
             </a:fld>
             <a:endParaRPr lang="en-GB"/>
           </a:p>
@@ -2543,7 +2543,7 @@
           <a:p>
             <a:fld id="{F8A5948D-6B6B-4AEB-B022-F2A9ADD6F77D}" type="datetimeFigureOut">
               <a:rPr lang="en-GB" smtClean="0"/>
-              <a:t>05/10/2023</a:t>
+              <a:t>07/12/2023</a:t>
             </a:fld>
             <a:endParaRPr lang="en-GB"/>
           </a:p>
@@ -2856,7 +2856,7 @@
           <a:p>
             <a:fld id="{F8A5948D-6B6B-4AEB-B022-F2A9ADD6F77D}" type="datetimeFigureOut">
               <a:rPr lang="en-GB" smtClean="0"/>
-              <a:t>05/10/2023</a:t>
+              <a:t>07/12/2023</a:t>
             </a:fld>
             <a:endParaRPr lang="en-GB"/>
           </a:p>
@@ -3145,7 +3145,7 @@
           <a:p>
             <a:fld id="{F8A5948D-6B6B-4AEB-B022-F2A9ADD6F77D}" type="datetimeFigureOut">
               <a:rPr lang="en-GB" smtClean="0"/>
-              <a:t>05/10/2023</a:t>
+              <a:t>07/12/2023</a:t>
             </a:fld>
             <a:endParaRPr lang="en-GB"/>
           </a:p>
@@ -3388,7 +3388,7 @@
           <a:p>
             <a:fld id="{F8A5948D-6B6B-4AEB-B022-F2A9ADD6F77D}" type="datetimeFigureOut">
               <a:rPr lang="en-GB" smtClean="0"/>
-              <a:t>05/10/2023</a:t>
+              <a:t>07/12/2023</a:t>
             </a:fld>
             <a:endParaRPr lang="en-GB"/>
           </a:p>
@@ -4070,6 +4070,56 @@
           </a:extLst>
         </p:spPr>
       </p:pic>
+      <p:sp>
+        <p:nvSpPr>
+          <p:cNvPr id="4" name="Arrow: Bent 3">
+            <a:extLst>
+              <a:ext uri="{FF2B5EF4-FFF2-40B4-BE49-F238E27FC236}">
+                <a16:creationId xmlns:a16="http://schemas.microsoft.com/office/drawing/2014/main" id="{E6117E44-DC30-82A8-4690-31C3FE9038AA}"/>
+              </a:ext>
+            </a:extLst>
+          </p:cNvPr>
+          <p:cNvSpPr/>
+          <p:nvPr/>
+        </p:nvSpPr>
+        <p:spPr>
+          <a:xfrm flipV="1">
+            <a:off x="7049564" y="4996928"/>
+            <a:ext cx="3764876" cy="1180035"/>
+          </a:xfrm>
+          <a:prstGeom prst="bentArrow">
+            <a:avLst/>
+          </a:prstGeom>
+        </p:spPr>
+        <p:style>
+          <a:lnRef idx="2">
+            <a:schemeClr val="accent1">
+              <a:shade val="15000"/>
+            </a:schemeClr>
+          </a:lnRef>
+          <a:fillRef idx="1">
+            <a:schemeClr val="accent1"/>
+          </a:fillRef>
+          <a:effectRef idx="0">
+            <a:schemeClr val="accent1"/>
+          </a:effectRef>
+          <a:fontRef idx="minor">
+            <a:schemeClr val="lt1"/>
+          </a:fontRef>
+        </p:style>
+        <p:txBody>
+          <a:bodyPr rtlCol="0" anchor="ctr"/>
+          <a:lstStyle/>
+          <a:p>
+            <a:pPr algn="ctr"/>
+            <a:endParaRPr lang="en-GB">
+              <a:solidFill>
+                <a:schemeClr val="tx1"/>
+              </a:solidFill>
+            </a:endParaRPr>
+          </a:p>
+        </p:txBody>
+      </p:sp>
     </p:spTree>
     <p:extLst>
       <p:ext uri="{BB962C8B-B14F-4D97-AF65-F5344CB8AC3E}">
